--- a/final/presentation.pptx
+++ b/final/presentation.pptx
@@ -12,13 +12,17 @@
     <p:sldId id="263" r:id="rId6"/>
     <p:sldId id="264" r:id="rId7"/>
     <p:sldId id="273" r:id="rId8"/>
-    <p:sldId id="266" r:id="rId9"/>
-    <p:sldId id="267" r:id="rId10"/>
-    <p:sldId id="268" r:id="rId11"/>
-    <p:sldId id="269" r:id="rId12"/>
-    <p:sldId id="270" r:id="rId13"/>
-    <p:sldId id="271" r:id="rId14"/>
-    <p:sldId id="272" r:id="rId15"/>
+    <p:sldId id="268" r:id="rId9"/>
+    <p:sldId id="269" r:id="rId10"/>
+    <p:sldId id="274" r:id="rId11"/>
+    <p:sldId id="270" r:id="rId12"/>
+    <p:sldId id="275" r:id="rId13"/>
+    <p:sldId id="276" r:id="rId14"/>
+    <p:sldId id="277" r:id="rId15"/>
+    <p:sldId id="278" r:id="rId16"/>
+    <p:sldId id="279" r:id="rId17"/>
+    <p:sldId id="271" r:id="rId18"/>
+    <p:sldId id="272" r:id="rId19"/>
   </p:sldIdLst>
   <p:sldSz cx="9144000" cy="6858000" type="screen4x3"/>
   <p:notesSz cx="6858000" cy="9144000"/>
@@ -171,7 +175,7 @@
                 <c:formatCode>General</c:formatCode>
                 <c:ptCount val="4"/>
                 <c:pt idx="0">
-                  <c:v>126.40969900000007</c:v>
+                  <c:v>126.40969900000009</c:v>
                 </c:pt>
                 <c:pt idx="1">
                   <c:v>59.377491999999997</c:v>
@@ -233,7 +237,7 @@
                   <c:v>30.447078000000001</c:v>
                 </c:pt>
                 <c:pt idx="2">
-                  <c:v>77.675567999999942</c:v>
+                  <c:v>77.675567999999927</c:v>
                 </c:pt>
                 <c:pt idx="3">
                   <c:v>93.312641999999983</c:v>
@@ -242,24 +246,24 @@
             </c:numRef>
           </c:val>
         </c:ser>
-        <c:axId val="89212032"/>
-        <c:axId val="89213952"/>
+        <c:axId val="113546752"/>
+        <c:axId val="113548288"/>
       </c:barChart>
       <c:catAx>
-        <c:axId val="89212032"/>
+        <c:axId val="113546752"/>
         <c:scaling>
           <c:orientation val="minMax"/>
         </c:scaling>
         <c:axPos val="b"/>
         <c:tickLblPos val="nextTo"/>
-        <c:crossAx val="89213952"/>
+        <c:crossAx val="113548288"/>
         <c:crosses val="autoZero"/>
         <c:auto val="1"/>
         <c:lblAlgn val="ctr"/>
         <c:lblOffset val="100"/>
       </c:catAx>
       <c:valAx>
-        <c:axId val="89213952"/>
+        <c:axId val="113548288"/>
         <c:scaling>
           <c:orientation val="minMax"/>
         </c:scaling>
@@ -267,7 +271,7 @@
         <c:majorGridlines/>
         <c:numFmt formatCode="General" sourceLinked="1"/>
         <c:tickLblPos val="nextTo"/>
-        <c:crossAx val="89212032"/>
+        <c:crossAx val="113546752"/>
         <c:crosses val="autoZero"/>
         <c:crossBetween val="between"/>
       </c:valAx>
@@ -919,7 +923,7 @@
             <a:fld id="{544213AF-26F6-41FA-8D85-E2C5388D6E58}" type="datetimeFigureOut">
               <a:rPr lang="en-US" smtClean="0"/>
               <a:pPr/>
-              <a:t>4/24/2012</a:t>
+              <a:t>4/25/2012</a:t>
             </a:fld>
             <a:endParaRPr lang="en-US" dirty="0">
               <a:solidFill>
@@ -1131,7 +1135,7 @@
             <a:fld id="{544213AF-26F6-41FA-8D85-E2C5388D6E58}" type="datetimeFigureOut">
               <a:rPr lang="en-US" smtClean="0"/>
               <a:pPr/>
-              <a:t>4/24/2012</a:t>
+              <a:t>4/25/2012</a:t>
             </a:fld>
             <a:endParaRPr lang="en-US"/>
           </a:p>
@@ -1318,7 +1322,7 @@
             <a:fld id="{544213AF-26F6-41FA-8D85-E2C5388D6E58}" type="datetimeFigureOut">
               <a:rPr lang="en-US" smtClean="0"/>
               <a:pPr/>
-              <a:t>4/24/2012</a:t>
+              <a:t>4/25/2012</a:t>
             </a:fld>
             <a:endParaRPr lang="en-US"/>
           </a:p>
@@ -1470,7 +1474,7 @@
             <a:fld id="{544213AF-26F6-41FA-8D85-E2C5388D6E58}" type="datetimeFigureOut">
               <a:rPr lang="en-US" smtClean="0"/>
               <a:pPr/>
-              <a:t>4/24/2012</a:t>
+              <a:t>4/25/2012</a:t>
             </a:fld>
             <a:endParaRPr lang="en-US"/>
           </a:p>
@@ -1727,7 +1731,7 @@
             <a:fld id="{544213AF-26F6-41FA-8D85-E2C5388D6E58}" type="datetimeFigureOut">
               <a:rPr lang="en-US" smtClean="0"/>
               <a:pPr/>
-              <a:t>4/24/2012</a:t>
+              <a:t>4/25/2012</a:t>
             </a:fld>
             <a:endParaRPr lang="en-US"/>
           </a:p>
@@ -2138,7 +2142,7 @@
             <a:fld id="{544213AF-26F6-41FA-8D85-E2C5388D6E58}" type="datetimeFigureOut">
               <a:rPr lang="en-US" smtClean="0"/>
               <a:pPr/>
-              <a:t>4/24/2012</a:t>
+              <a:t>4/25/2012</a:t>
             </a:fld>
             <a:endParaRPr lang="en-US"/>
           </a:p>
@@ -2586,7 +2590,7 @@
             <a:fld id="{544213AF-26F6-41FA-8D85-E2C5388D6E58}" type="datetimeFigureOut">
               <a:rPr lang="en-US" smtClean="0"/>
               <a:pPr/>
-              <a:t>4/24/2012</a:t>
+              <a:t>4/25/2012</a:t>
             </a:fld>
             <a:endParaRPr lang="en-US"/>
           </a:p>
@@ -2689,7 +2693,7 @@
             <a:fld id="{544213AF-26F6-41FA-8D85-E2C5388D6E58}" type="datetimeFigureOut">
               <a:rPr lang="en-US" smtClean="0"/>
               <a:pPr/>
-              <a:t>4/24/2012</a:t>
+              <a:t>4/25/2012</a:t>
             </a:fld>
             <a:endParaRPr lang="en-US"/>
           </a:p>
@@ -2812,7 +2816,7 @@
             <a:fld id="{544213AF-26F6-41FA-8D85-E2C5388D6E58}" type="datetimeFigureOut">
               <a:rPr lang="en-US" smtClean="0"/>
               <a:pPr/>
-              <a:t>4/24/2012</a:t>
+              <a:t>4/25/2012</a:t>
             </a:fld>
             <a:endParaRPr lang="en-US"/>
           </a:p>
@@ -3088,7 +3092,7 @@
             <a:fld id="{544213AF-26F6-41FA-8D85-E2C5388D6E58}" type="datetimeFigureOut">
               <a:rPr lang="en-US" smtClean="0"/>
               <a:pPr/>
-              <a:t>4/24/2012</a:t>
+              <a:t>4/25/2012</a:t>
             </a:fld>
             <a:endParaRPr lang="en-US"/>
           </a:p>
@@ -3295,7 +3299,7 @@
             <a:fld id="{544213AF-26F6-41FA-8D85-E2C5388D6E58}" type="datetimeFigureOut">
               <a:rPr lang="en-US" smtClean="0"/>
               <a:pPr/>
-              <a:t>4/24/2012</a:t>
+              <a:t>4/25/2012</a:t>
             </a:fld>
             <a:endParaRPr lang="en-US">
               <a:solidFill>
@@ -4418,7 +4422,7 @@
             <a:fld id="{544213AF-26F6-41FA-8D85-E2C5388D6E58}" type="datetimeFigureOut">
               <a:rPr lang="en-US" smtClean="0"/>
               <a:pPr/>
-              <a:t>4/24/2012</a:t>
+              <a:t>4/25/2012</a:t>
             </a:fld>
             <a:endParaRPr lang="en-US" sz="1000" dirty="0">
               <a:solidFill>
@@ -4935,7 +4939,7 @@
           <a:blip r:embed="rId2" cstate="print">
             <a:extLst>
               <a:ext uri="{28A0092B-C50C-407E-A947-70E740481C1C}">
-                <a14:useLocalDpi xmlns:a14="http://schemas.microsoft.com/office/drawing/2010/main" xmlns="" val="0"/>
+                <a14:useLocalDpi xmlns="" xmlns:a14="http://schemas.microsoft.com/office/drawing/2010/main" val="0"/>
               </a:ext>
             </a:extLst>
           </a:blip>
@@ -4955,7 +4959,7 @@
           <a:noFill/>
           <a:extLst>
             <a:ext uri="{909E8E84-426E-40DD-AFC4-6F175D3DCCD1}">
-              <a14:hiddenFill xmlns:a14="http://schemas.microsoft.com/office/drawing/2010/main" xmlns="">
+              <a14:hiddenFill xmlns="" xmlns:a14="http://schemas.microsoft.com/office/drawing/2010/main">
                 <a:solidFill>
                   <a:srgbClr val="FFFFFF"/>
                 </a:solidFill>
@@ -5222,23 +5226,7 @@
                   <a:schemeClr val="bg1"/>
                 </a:solidFill>
               </a:rPr>
-              <a:t>Final Project – </a:t>
-            </a:r>
-            <a:r>
-              <a:rPr lang="en-US" sz="2200" dirty="0" smtClean="0">
-                <a:solidFill>
-                  <a:schemeClr val="bg1"/>
-                </a:solidFill>
-              </a:rPr>
-              <a:t>Final </a:t>
-            </a:r>
-            <a:r>
-              <a:rPr lang="en-US" sz="2200" dirty="0" smtClean="0">
-                <a:solidFill>
-                  <a:schemeClr val="bg1"/>
-                </a:solidFill>
-              </a:rPr>
-              <a:t>Presentation</a:t>
+              <a:t>Final Project – Final Presentation</a:t>
             </a:r>
           </a:p>
         </p:txBody>
@@ -5287,7 +5275,7 @@
     </p:spTree>
     <p:extLst>
       <p:ext uri="{BB962C8B-B14F-4D97-AF65-F5344CB8AC3E}">
-        <p14:creationId xmlns:p14="http://schemas.microsoft.com/office/powerpoint/2010/main" xmlns="" val="1133073010"/>
+        <p14:creationId xmlns="" xmlns:p14="http://schemas.microsoft.com/office/powerpoint/2010/main" val="1133073010"/>
       </p:ext>
     </p:extLst>
   </p:cSld>
@@ -5323,148 +5311,34 @@
       </p:grpSpPr>
       <p:sp>
         <p:nvSpPr>
-          <p:cNvPr id="2" name="内容占位符 1"/>
-          <p:cNvSpPr>
-            <a:spLocks noGrp="1"/>
-          </p:cNvSpPr>
-          <p:nvPr>
-            <p:ph idx="1"/>
-          </p:nvPr>
-        </p:nvSpPr>
-        <p:spPr/>
-        <p:txBody>
-          <a:bodyPr/>
+          <p:cNvPr id="3" name="标题 2"/>
+          <p:cNvSpPr>
+            <a:spLocks noGrp="1"/>
+          </p:cNvSpPr>
+          <p:nvPr>
+            <p:ph type="title"/>
+          </p:nvPr>
+        </p:nvSpPr>
+        <p:spPr>
+          <a:xfrm>
+            <a:off x="533400" y="2895600"/>
+            <a:ext cx="8229600" cy="1143000"/>
+          </a:xfrm>
+        </p:spPr>
+        <p:txBody>
+          <a:bodyPr>
+            <a:normAutofit fontScale="90000"/>
+          </a:bodyPr>
           <a:lstStyle/>
           <a:p>
             <a:r>
               <a:rPr lang="en-US" dirty="0" smtClean="0"/>
-              <a:t>Jacket is a </a:t>
-            </a:r>
-            <a:r>
-              <a:rPr lang="en-US" dirty="0" err="1" smtClean="0"/>
-              <a:t>Matlab</a:t>
-            </a:r>
-            <a:r>
-              <a:rPr lang="en-US" dirty="0" smtClean="0"/>
-              <a:t> plug-in </a:t>
-            </a:r>
-          </a:p>
-          <a:p>
-            <a:pPr>
-              <a:buNone/>
-            </a:pPr>
-            <a:r>
-              <a:rPr lang="en-US" dirty="0" smtClean="0"/>
-              <a:t>d</a:t>
-            </a:r>
-            <a:r>
-              <a:rPr lang="en-US" dirty="0" smtClean="0"/>
-              <a:t>eveloped by </a:t>
-            </a:r>
-            <a:r>
-              <a:rPr lang="en-US" dirty="0" err="1" smtClean="0"/>
-              <a:t>Accelereyes</a:t>
-            </a:r>
-            <a:r>
-              <a:rPr lang="en-US" dirty="0" smtClean="0"/>
-              <a:t>.</a:t>
-            </a:r>
-          </a:p>
-          <a:p>
-            <a:r>
-              <a:rPr lang="en-US" dirty="0" smtClean="0"/>
-              <a:t>More data structures on GPU side</a:t>
-            </a:r>
-          </a:p>
-          <a:p>
-            <a:r>
-              <a:rPr lang="en-US" dirty="0" smtClean="0"/>
-              <a:t>More functions supported on GPU side</a:t>
-            </a:r>
-          </a:p>
-          <a:p>
-            <a:r>
-              <a:rPr lang="en-US" dirty="0" smtClean="0"/>
-              <a:t>Much faster than </a:t>
-            </a:r>
-            <a:r>
-              <a:rPr lang="en-US" dirty="0" err="1" smtClean="0"/>
-              <a:t>GPUarray</a:t>
-            </a:r>
-            <a:endParaRPr lang="en-US" dirty="0" smtClean="0"/>
-          </a:p>
-          <a:p>
-            <a:r>
-              <a:rPr lang="en-US" dirty="0" smtClean="0"/>
-              <a:t>Just use its </a:t>
-            </a:r>
-            <a:r>
-              <a:rPr lang="en-US" dirty="0" err="1" smtClean="0"/>
-              <a:t>gfor</a:t>
-            </a:r>
-            <a:r>
-              <a:rPr lang="en-US" dirty="0" smtClean="0"/>
-              <a:t> function instead of default for loop</a:t>
+              <a:t>Why everything on GPU is slower?</a:t>
             </a:r>
             <a:endParaRPr lang="en-US" dirty="0"/>
           </a:p>
         </p:txBody>
       </p:sp>
-      <p:sp>
-        <p:nvSpPr>
-          <p:cNvPr id="3" name="标题 2"/>
-          <p:cNvSpPr>
-            <a:spLocks noGrp="1"/>
-          </p:cNvSpPr>
-          <p:nvPr>
-            <p:ph type="title"/>
-          </p:nvPr>
-        </p:nvSpPr>
-        <p:spPr/>
-        <p:txBody>
-          <a:bodyPr/>
-          <a:lstStyle/>
-          <a:p>
-            <a:r>
-              <a:rPr lang="en-US" dirty="0" smtClean="0"/>
-              <a:t>Jacket - Approach</a:t>
-            </a:r>
-            <a:endParaRPr lang="en-US" dirty="0"/>
-          </a:p>
-        </p:txBody>
-      </p:sp>
-      <p:pic>
-        <p:nvPicPr>
-          <p:cNvPr id="26626" name="Picture 2"/>
-          <p:cNvPicPr>
-            <a:picLocks noChangeAspect="1" noChangeArrowheads="1"/>
-          </p:cNvPicPr>
-          <p:nvPr/>
-        </p:nvPicPr>
-        <p:blipFill>
-          <a:blip r:embed="rId2" cstate="print"/>
-          <a:srcRect/>
-          <a:stretch>
-            <a:fillRect/>
-          </a:stretch>
-        </p:blipFill>
-        <p:spPr bwMode="auto">
-          <a:xfrm>
-            <a:off x="5334000" y="1371600"/>
-            <a:ext cx="2581275" cy="1123950"/>
-          </a:xfrm>
-          <a:prstGeom prst="rect">
-            <a:avLst/>
-          </a:prstGeom>
-          <a:noFill/>
-          <a:ln w="9525">
-            <a:noFill/>
-            <a:miter lim="800000"/>
-            <a:headEnd/>
-            <a:tailEnd/>
-          </a:ln>
-        </p:spPr>
-      </p:pic>
     </p:spTree>
   </p:cSld>
   <p:clrMapOvr>
@@ -5492,12 +5366,12 @@
       </p:grpSpPr>
       <p:sp>
         <p:nvSpPr>
-          <p:cNvPr id="2" name="内容占位符 1"/>
-          <p:cNvSpPr>
-            <a:spLocks noGrp="1"/>
-          </p:cNvSpPr>
-          <p:nvPr>
-            <p:ph idx="1"/>
+          <p:cNvPr id="3" name="标题 2"/>
+          <p:cNvSpPr>
+            <a:spLocks noGrp="1"/>
+          </p:cNvSpPr>
+          <p:nvPr>
+            <p:ph type="title"/>
           </p:nvPr>
         </p:nvSpPr>
         <p:spPr/>
@@ -5507,30 +5381,7 @@
           <a:p>
             <a:r>
               <a:rPr lang="en-US" dirty="0" smtClean="0"/>
-              <a:t>Still slower</a:t>
-            </a:r>
-            <a:endParaRPr lang="en-US" dirty="0"/>
-          </a:p>
-        </p:txBody>
-      </p:sp>
-      <p:sp>
-        <p:nvSpPr>
-          <p:cNvPr id="3" name="标题 2"/>
-          <p:cNvSpPr>
-            <a:spLocks noGrp="1"/>
-          </p:cNvSpPr>
-          <p:nvPr>
-            <p:ph type="title"/>
-          </p:nvPr>
-        </p:nvSpPr>
-        <p:spPr/>
-        <p:txBody>
-          <a:bodyPr/>
-          <a:lstStyle/>
-          <a:p>
-            <a:r>
-              <a:rPr lang="en-US" dirty="0" smtClean="0"/>
-              <a:t>Jacket - Results</a:t>
+              <a:t>GPU Array</a:t>
             </a:r>
             <a:endParaRPr lang="en-US" dirty="0"/>
           </a:p>
@@ -5538,8 +5389,10 @@
       </p:sp>
       <p:pic>
         <p:nvPicPr>
-          <p:cNvPr id="4" name="图片 3"/>
-          <p:cNvPicPr/>
+          <p:cNvPr id="1026" name="Picture 2"/>
+          <p:cNvPicPr>
+            <a:picLocks noChangeAspect="1" noChangeArrowheads="1"/>
+          </p:cNvPicPr>
           <p:nvPr/>
         </p:nvPicPr>
         <p:blipFill>
@@ -5551,8 +5404,104 @@
         </p:blipFill>
         <p:spPr bwMode="auto">
           <a:xfrm>
-            <a:off x="914400" y="1905000"/>
-            <a:ext cx="6096000" cy="3657600"/>
+            <a:off x="609600" y="1219200"/>
+            <a:ext cx="4253358" cy="2547938"/>
+          </a:xfrm>
+          <a:prstGeom prst="rect">
+            <a:avLst/>
+          </a:prstGeom>
+          <a:noFill/>
+          <a:ln w="9525">
+            <a:noFill/>
+            <a:miter lim="800000"/>
+            <a:headEnd/>
+            <a:tailEnd/>
+          </a:ln>
+        </p:spPr>
+      </p:pic>
+      <p:pic>
+        <p:nvPicPr>
+          <p:cNvPr id="1027" name="Picture 3"/>
+          <p:cNvPicPr>
+            <a:picLocks noChangeAspect="1" noChangeArrowheads="1"/>
+          </p:cNvPicPr>
+          <p:nvPr/>
+        </p:nvPicPr>
+        <p:blipFill>
+          <a:blip r:embed="rId3" cstate="print"/>
+          <a:srcRect/>
+          <a:stretch>
+            <a:fillRect/>
+          </a:stretch>
+        </p:blipFill>
+        <p:spPr bwMode="auto">
+          <a:xfrm>
+            <a:off x="4724400" y="1295400"/>
+            <a:ext cx="4083495" cy="2547938"/>
+          </a:xfrm>
+          <a:prstGeom prst="rect">
+            <a:avLst/>
+          </a:prstGeom>
+          <a:noFill/>
+          <a:ln w="9525">
+            <a:noFill/>
+            <a:miter lim="800000"/>
+            <a:headEnd/>
+            <a:tailEnd/>
+          </a:ln>
+        </p:spPr>
+      </p:pic>
+      <p:pic>
+        <p:nvPicPr>
+          <p:cNvPr id="1028" name="Picture 4"/>
+          <p:cNvPicPr>
+            <a:picLocks noChangeAspect="1" noChangeArrowheads="1"/>
+          </p:cNvPicPr>
+          <p:nvPr/>
+        </p:nvPicPr>
+        <p:blipFill>
+          <a:blip r:embed="rId4" cstate="print"/>
+          <a:srcRect/>
+          <a:stretch>
+            <a:fillRect/>
+          </a:stretch>
+        </p:blipFill>
+        <p:spPr bwMode="auto">
+          <a:xfrm>
+            <a:off x="381000" y="3733800"/>
+            <a:ext cx="4596608" cy="2600325"/>
+          </a:xfrm>
+          <a:prstGeom prst="rect">
+            <a:avLst/>
+          </a:prstGeom>
+          <a:noFill/>
+          <a:ln w="9525">
+            <a:noFill/>
+            <a:miter lim="800000"/>
+            <a:headEnd/>
+            <a:tailEnd/>
+          </a:ln>
+        </p:spPr>
+      </p:pic>
+      <p:pic>
+        <p:nvPicPr>
+          <p:cNvPr id="1029" name="Picture 5"/>
+          <p:cNvPicPr>
+            <a:picLocks noChangeAspect="1" noChangeArrowheads="1"/>
+          </p:cNvPicPr>
+          <p:nvPr/>
+        </p:nvPicPr>
+        <p:blipFill>
+          <a:blip r:embed="rId5" cstate="print"/>
+          <a:srcRect/>
+          <a:stretch>
+            <a:fillRect/>
+          </a:stretch>
+        </p:blipFill>
+        <p:spPr bwMode="auto">
+          <a:xfrm>
+            <a:off x="4953000" y="3886200"/>
+            <a:ext cx="3995670" cy="2332998"/>
           </a:xfrm>
           <a:prstGeom prst="rect">
             <a:avLst/>
@@ -5606,7 +5555,40 @@
           <a:bodyPr/>
           <a:lstStyle/>
           <a:p>
-            <a:endParaRPr lang="en-US"/>
+            <a:r>
+              <a:rPr lang="en-US" dirty="0" smtClean="0"/>
+              <a:t>GPU Array is bad!</a:t>
+            </a:r>
+          </a:p>
+          <a:p>
+            <a:r>
+              <a:rPr lang="en-US" dirty="0" smtClean="0"/>
+              <a:t>Except:</a:t>
+            </a:r>
+          </a:p>
+          <a:p>
+            <a:endParaRPr lang="en-US" dirty="0" smtClean="0"/>
+          </a:p>
+          <a:p>
+            <a:endParaRPr lang="en-US" dirty="0" smtClean="0"/>
+          </a:p>
+          <a:p>
+            <a:endParaRPr lang="en-US" dirty="0" smtClean="0"/>
+          </a:p>
+          <a:p>
+            <a:endParaRPr lang="en-US" dirty="0" smtClean="0"/>
+          </a:p>
+          <a:p>
+            <a:endParaRPr lang="en-US" dirty="0" smtClean="0"/>
+          </a:p>
+          <a:p>
+            <a:r>
+              <a:rPr lang="en-US" dirty="0" smtClean="0"/>
+              <a:t>But, this doesn’t help much.</a:t>
+            </a:r>
+          </a:p>
+          <a:p>
+            <a:endParaRPr lang="en-US" dirty="0"/>
           </a:p>
         </p:txBody>
       </p:sp>
@@ -5627,16 +5609,44 @@
           <a:p>
             <a:r>
               <a:rPr lang="en-US" dirty="0" smtClean="0"/>
-              <a:t>Jacket </a:t>
-            </a:r>
-            <a:r>
-              <a:rPr lang="en-US" dirty="0" err="1" smtClean="0"/>
-              <a:t>gfor</a:t>
+              <a:t>GPU Array</a:t>
             </a:r>
             <a:endParaRPr lang="en-US" dirty="0"/>
           </a:p>
         </p:txBody>
       </p:sp>
+      <p:pic>
+        <p:nvPicPr>
+          <p:cNvPr id="2050" name="Picture 2"/>
+          <p:cNvPicPr>
+            <a:picLocks noChangeAspect="1" noChangeArrowheads="1"/>
+          </p:cNvPicPr>
+          <p:nvPr/>
+        </p:nvPicPr>
+        <p:blipFill>
+          <a:blip r:embed="rId2" cstate="print"/>
+          <a:srcRect/>
+          <a:stretch>
+            <a:fillRect/>
+          </a:stretch>
+        </p:blipFill>
+        <p:spPr bwMode="auto">
+          <a:xfrm>
+            <a:off x="2286000" y="2057400"/>
+            <a:ext cx="4152798" cy="2514600"/>
+          </a:xfrm>
+          <a:prstGeom prst="rect">
+            <a:avLst/>
+          </a:prstGeom>
+          <a:noFill/>
+          <a:ln w="9525">
+            <a:noFill/>
+            <a:miter lim="800000"/>
+            <a:headEnd/>
+            <a:tailEnd/>
+          </a:ln>
+        </p:spPr>
+      </p:pic>
     </p:spTree>
   </p:cSld>
   <p:clrMapOvr>
@@ -5679,16 +5689,37 @@
           <a:p>
             <a:r>
               <a:rPr lang="en-US" dirty="0" smtClean="0"/>
-              <a:t>Try rewrite everything in CUDA</a:t>
+              <a:t>Initialize</a:t>
             </a:r>
           </a:p>
           <a:p>
             <a:endParaRPr lang="en-US" dirty="0" smtClean="0"/>
           </a:p>
           <a:p>
+            <a:endParaRPr lang="en-US" dirty="0" smtClean="0"/>
+          </a:p>
+          <a:p>
+            <a:endParaRPr lang="en-US" dirty="0" smtClean="0"/>
+          </a:p>
+          <a:p>
             <a:r>
               <a:rPr lang="en-US" dirty="0" smtClean="0"/>
-              <a:t>Try to modify the algorithm and make it more GPU friendly</a:t>
+              <a:t>Access</a:t>
+            </a:r>
+          </a:p>
+          <a:p>
+            <a:endParaRPr lang="en-US" dirty="0" smtClean="0"/>
+          </a:p>
+          <a:p>
+            <a:endParaRPr lang="en-US" dirty="0" smtClean="0"/>
+          </a:p>
+          <a:p>
+            <a:endParaRPr lang="en-US" dirty="0" smtClean="0"/>
+          </a:p>
+          <a:p>
+            <a:r>
+              <a:rPr lang="en-US" dirty="0" smtClean="0"/>
+              <a:t>Assign</a:t>
             </a:r>
             <a:endParaRPr lang="en-US" dirty="0"/>
           </a:p>
@@ -5711,12 +5742,204 @@
           <a:p>
             <a:r>
               <a:rPr lang="en-US" dirty="0" smtClean="0"/>
-              <a:t>Future Work</a:t>
+              <a:t>Jacket - Data</a:t>
             </a:r>
             <a:endParaRPr lang="en-US" dirty="0"/>
           </a:p>
         </p:txBody>
       </p:sp>
+      <p:pic>
+        <p:nvPicPr>
+          <p:cNvPr id="3074" name="Picture 2"/>
+          <p:cNvPicPr>
+            <a:picLocks noChangeAspect="1" noChangeArrowheads="1"/>
+          </p:cNvPicPr>
+          <p:nvPr/>
+        </p:nvPicPr>
+        <p:blipFill>
+          <a:blip r:embed="rId2" cstate="print"/>
+          <a:srcRect/>
+          <a:stretch>
+            <a:fillRect/>
+          </a:stretch>
+        </p:blipFill>
+        <p:spPr bwMode="auto">
+          <a:xfrm>
+            <a:off x="2514600" y="1143000"/>
+            <a:ext cx="3200400" cy="1909999"/>
+          </a:xfrm>
+          <a:prstGeom prst="rect">
+            <a:avLst/>
+          </a:prstGeom>
+          <a:noFill/>
+          <a:ln w="9525">
+            <a:noFill/>
+            <a:miter lim="800000"/>
+            <a:headEnd/>
+            <a:tailEnd/>
+          </a:ln>
+        </p:spPr>
+      </p:pic>
+      <p:pic>
+        <p:nvPicPr>
+          <p:cNvPr id="3075" name="Picture 3"/>
+          <p:cNvPicPr>
+            <a:picLocks noChangeAspect="1" noChangeArrowheads="1"/>
+          </p:cNvPicPr>
+          <p:nvPr/>
+        </p:nvPicPr>
+        <p:blipFill>
+          <a:blip r:embed="rId3" cstate="print"/>
+          <a:srcRect/>
+          <a:stretch>
+            <a:fillRect/>
+          </a:stretch>
+        </p:blipFill>
+        <p:spPr bwMode="auto">
+          <a:xfrm>
+            <a:off x="2590800" y="2971800"/>
+            <a:ext cx="3124200" cy="1873507"/>
+          </a:xfrm>
+          <a:prstGeom prst="rect">
+            <a:avLst/>
+          </a:prstGeom>
+          <a:noFill/>
+          <a:ln w="9525">
+            <a:noFill/>
+            <a:miter lim="800000"/>
+            <a:headEnd/>
+            <a:tailEnd/>
+          </a:ln>
+        </p:spPr>
+      </p:pic>
+      <p:pic>
+        <p:nvPicPr>
+          <p:cNvPr id="3076" name="Picture 4"/>
+          <p:cNvPicPr>
+            <a:picLocks noChangeAspect="1" noChangeArrowheads="1"/>
+          </p:cNvPicPr>
+          <p:nvPr/>
+        </p:nvPicPr>
+        <p:blipFill>
+          <a:blip r:embed="rId4" cstate="print"/>
+          <a:srcRect/>
+          <a:stretch>
+            <a:fillRect/>
+          </a:stretch>
+        </p:blipFill>
+        <p:spPr bwMode="auto">
+          <a:xfrm>
+            <a:off x="2667000" y="4765525"/>
+            <a:ext cx="3124200" cy="1711474"/>
+          </a:xfrm>
+          <a:prstGeom prst="rect">
+            <a:avLst/>
+          </a:prstGeom>
+          <a:noFill/>
+          <a:ln w="9525">
+            <a:noFill/>
+            <a:miter lim="800000"/>
+            <a:headEnd/>
+            <a:tailEnd/>
+          </a:ln>
+        </p:spPr>
+      </p:pic>
+      <p:pic>
+        <p:nvPicPr>
+          <p:cNvPr id="3077" name="Picture 5"/>
+          <p:cNvPicPr>
+            <a:picLocks noChangeAspect="1" noChangeArrowheads="1"/>
+          </p:cNvPicPr>
+          <p:nvPr/>
+        </p:nvPicPr>
+        <p:blipFill>
+          <a:blip r:embed="rId5" cstate="print"/>
+          <a:srcRect/>
+          <a:stretch>
+            <a:fillRect/>
+          </a:stretch>
+        </p:blipFill>
+        <p:spPr bwMode="auto">
+          <a:xfrm>
+            <a:off x="5715000" y="990600"/>
+            <a:ext cx="1905000" cy="1467787"/>
+          </a:xfrm>
+          <a:prstGeom prst="rect">
+            <a:avLst/>
+          </a:prstGeom>
+          <a:noFill/>
+          <a:ln w="9525">
+            <a:noFill/>
+            <a:miter lim="800000"/>
+            <a:headEnd/>
+            <a:tailEnd/>
+          </a:ln>
+        </p:spPr>
+      </p:pic>
+      <p:pic>
+        <p:nvPicPr>
+          <p:cNvPr id="9" name="Picture 5"/>
+          <p:cNvPicPr>
+            <a:picLocks noChangeAspect="1" noChangeArrowheads="1"/>
+          </p:cNvPicPr>
+          <p:nvPr/>
+        </p:nvPicPr>
+        <p:blipFill>
+          <a:blip r:embed="rId5" cstate="print"/>
+          <a:srcRect/>
+          <a:stretch>
+            <a:fillRect/>
+          </a:stretch>
+        </p:blipFill>
+        <p:spPr bwMode="auto">
+          <a:xfrm>
+            <a:off x="5943600" y="4876800"/>
+            <a:ext cx="1905000" cy="1467787"/>
+          </a:xfrm>
+          <a:prstGeom prst="rect">
+            <a:avLst/>
+          </a:prstGeom>
+          <a:noFill/>
+          <a:ln w="9525">
+            <a:noFill/>
+            <a:miter lim="800000"/>
+            <a:headEnd/>
+            <a:tailEnd/>
+          </a:ln>
+        </p:spPr>
+      </p:pic>
+      <p:pic>
+        <p:nvPicPr>
+          <p:cNvPr id="3078" name="Picture 6"/>
+          <p:cNvPicPr>
+            <a:picLocks noChangeAspect="1" noChangeArrowheads="1"/>
+          </p:cNvPicPr>
+          <p:nvPr/>
+        </p:nvPicPr>
+        <p:blipFill>
+          <a:blip r:embed="rId6" cstate="print"/>
+          <a:srcRect/>
+          <a:stretch>
+            <a:fillRect/>
+          </a:stretch>
+        </p:blipFill>
+        <p:spPr bwMode="auto">
+          <a:xfrm>
+            <a:off x="5943600" y="2743200"/>
+            <a:ext cx="1526875" cy="1498600"/>
+          </a:xfrm>
+          <a:prstGeom prst="rect">
+            <a:avLst/>
+          </a:prstGeom>
+          <a:noFill/>
+          <a:ln w="9525">
+            <a:noFill/>
+            <a:miter lim="800000"/>
+            <a:headEnd/>
+            <a:tailEnd/>
+          </a:ln>
+        </p:spPr>
+      </p:pic>
     </p:spTree>
   </p:cSld>
   <p:clrMapOvr>
@@ -5759,21 +5982,651 @@
           <a:p>
             <a:r>
               <a:rPr lang="en-US" dirty="0" smtClean="0"/>
-              <a:t>Karl O’Keeffe, “Dancing Monkeys”, </a:t>
-            </a:r>
-            <a:r>
-              <a:rPr lang="en-US" dirty="0" err="1" smtClean="0"/>
-              <a:t>MEng</a:t>
-            </a:r>
-            <a:r>
-              <a:rPr lang="en-US" dirty="0" smtClean="0"/>
-              <a:t> Individual Project Report 18th June 2003</a:t>
-            </a:r>
+              <a:t>Add/Sub</a:t>
+            </a:r>
+          </a:p>
+          <a:p>
+            <a:endParaRPr lang="en-US" dirty="0" smtClean="0"/>
+          </a:p>
+          <a:p>
+            <a:endParaRPr lang="en-US" dirty="0" smtClean="0"/>
           </a:p>
           <a:p>
             <a:pPr>
               <a:buNone/>
             </a:pPr>
+            <a:endParaRPr lang="en-US" dirty="0" smtClean="0"/>
+          </a:p>
+          <a:p>
+            <a:pPr>
+              <a:buNone/>
+            </a:pPr>
+            <a:endParaRPr lang="en-US" dirty="0" smtClean="0"/>
+          </a:p>
+          <a:p>
+            <a:r>
+              <a:rPr lang="en-US" dirty="0" err="1" smtClean="0"/>
+              <a:t>Mult</a:t>
+            </a:r>
+            <a:r>
+              <a:rPr lang="en-US" dirty="0" smtClean="0"/>
+              <a:t> </a:t>
+            </a:r>
+          </a:p>
+          <a:p>
+            <a:endParaRPr lang="en-US" dirty="0" smtClean="0"/>
+          </a:p>
+          <a:p>
+            <a:endParaRPr lang="en-US" dirty="0" smtClean="0"/>
+          </a:p>
+          <a:p>
+            <a:endParaRPr lang="en-US" dirty="0" smtClean="0"/>
+          </a:p>
+          <a:p>
+            <a:endParaRPr lang="en-US" dirty="0"/>
+          </a:p>
+        </p:txBody>
+      </p:sp>
+      <p:sp>
+        <p:nvSpPr>
+          <p:cNvPr id="3" name="标题 2"/>
+          <p:cNvSpPr>
+            <a:spLocks noGrp="1"/>
+          </p:cNvSpPr>
+          <p:nvPr>
+            <p:ph type="title"/>
+          </p:nvPr>
+        </p:nvSpPr>
+        <p:spPr/>
+        <p:txBody>
+          <a:bodyPr/>
+          <a:lstStyle/>
+          <a:p>
+            <a:r>
+              <a:rPr lang="en-US" dirty="0" smtClean="0"/>
+              <a:t>Jacket - Math</a:t>
+            </a:r>
+            <a:endParaRPr lang="en-US" dirty="0"/>
+          </a:p>
+        </p:txBody>
+      </p:sp>
+      <p:pic>
+        <p:nvPicPr>
+          <p:cNvPr id="4098" name="Picture 2"/>
+          <p:cNvPicPr>
+            <a:picLocks noChangeAspect="1" noChangeArrowheads="1"/>
+          </p:cNvPicPr>
+          <p:nvPr/>
+        </p:nvPicPr>
+        <p:blipFill>
+          <a:blip r:embed="rId2" cstate="print"/>
+          <a:srcRect/>
+          <a:stretch>
+            <a:fillRect/>
+          </a:stretch>
+        </p:blipFill>
+        <p:spPr bwMode="auto">
+          <a:xfrm>
+            <a:off x="2514600" y="1295400"/>
+            <a:ext cx="3581400" cy="2148840"/>
+          </a:xfrm>
+          <a:prstGeom prst="rect">
+            <a:avLst/>
+          </a:prstGeom>
+          <a:noFill/>
+          <a:ln w="9525">
+            <a:noFill/>
+            <a:miter lim="800000"/>
+            <a:headEnd/>
+            <a:tailEnd/>
+          </a:ln>
+        </p:spPr>
+      </p:pic>
+      <p:pic>
+        <p:nvPicPr>
+          <p:cNvPr id="4100" name="Picture 4"/>
+          <p:cNvPicPr>
+            <a:picLocks noChangeAspect="1" noChangeArrowheads="1"/>
+          </p:cNvPicPr>
+          <p:nvPr/>
+        </p:nvPicPr>
+        <p:blipFill>
+          <a:blip r:embed="rId3" cstate="print"/>
+          <a:srcRect/>
+          <a:stretch>
+            <a:fillRect/>
+          </a:stretch>
+        </p:blipFill>
+        <p:spPr bwMode="auto">
+          <a:xfrm>
+            <a:off x="2514599" y="3657600"/>
+            <a:ext cx="3673207" cy="2209800"/>
+          </a:xfrm>
+          <a:prstGeom prst="rect">
+            <a:avLst/>
+          </a:prstGeom>
+          <a:noFill/>
+          <a:ln w="9525">
+            <a:noFill/>
+            <a:miter lim="800000"/>
+            <a:headEnd/>
+            <a:tailEnd/>
+          </a:ln>
+        </p:spPr>
+      </p:pic>
+      <p:sp>
+        <p:nvSpPr>
+          <p:cNvPr id="7" name="TextBox 6"/>
+          <p:cNvSpPr txBox="1"/>
+          <p:nvPr/>
+        </p:nvSpPr>
+        <p:spPr>
+          <a:xfrm>
+            <a:off x="6248400" y="1828800"/>
+            <a:ext cx="2667000" cy="3416320"/>
+          </a:xfrm>
+          <a:prstGeom prst="rect">
+            <a:avLst/>
+          </a:prstGeom>
+          <a:solidFill>
+            <a:schemeClr val="accent1"/>
+          </a:solidFill>
+        </p:spPr>
+        <p:txBody>
+          <a:bodyPr wrap="square" rtlCol="0">
+            <a:spAutoFit/>
+          </a:bodyPr>
+          <a:lstStyle/>
+          <a:p>
+            <a:r>
+              <a:rPr lang="en-US" sz="3600" dirty="0" smtClean="0"/>
+              <a:t>Large amounts </a:t>
+            </a:r>
+          </a:p>
+          <a:p>
+            <a:r>
+              <a:rPr lang="en-US" sz="3600" dirty="0" smtClean="0"/>
+              <a:t>of data required to show its power!</a:t>
+            </a:r>
+            <a:endParaRPr lang="en-US" sz="3600" dirty="0"/>
+          </a:p>
+        </p:txBody>
+      </p:sp>
+    </p:spTree>
+  </p:cSld>
+  <p:clrMapOvr>
+    <a:masterClrMapping/>
+  </p:clrMapOvr>
+</p:sld>
+</file>
+
+<file path=ppt/slides/slide15.xml><?xml version="1.0" encoding="utf-8"?>
+<p:sld xmlns:a="http://schemas.openxmlformats.org/drawingml/2006/main" xmlns:r="http://schemas.openxmlformats.org/officeDocument/2006/relationships" xmlns:p="http://schemas.openxmlformats.org/presentationml/2006/main">
+  <p:cSld>
+    <p:spTree>
+      <p:nvGrpSpPr>
+        <p:cNvPr id="1" name=""/>
+        <p:cNvGrpSpPr/>
+        <p:nvPr/>
+      </p:nvGrpSpPr>
+      <p:grpSpPr>
+        <a:xfrm>
+          <a:off x="0" y="0"/>
+          <a:ext cx="0" cy="0"/>
+          <a:chOff x="0" y="0"/>
+          <a:chExt cx="0" cy="0"/>
+        </a:xfrm>
+      </p:grpSpPr>
+      <p:sp>
+        <p:nvSpPr>
+          <p:cNvPr id="2" name="内容占位符 1"/>
+          <p:cNvSpPr>
+            <a:spLocks noGrp="1"/>
+          </p:cNvSpPr>
+          <p:nvPr>
+            <p:ph idx="1"/>
+          </p:nvPr>
+        </p:nvSpPr>
+        <p:spPr/>
+        <p:txBody>
+          <a:bodyPr/>
+          <a:lstStyle/>
+          <a:p>
+            <a:r>
+              <a:rPr lang="en-US" dirty="0" smtClean="0"/>
+              <a:t>Max</a:t>
+            </a:r>
+          </a:p>
+          <a:p>
+            <a:endParaRPr lang="en-US" dirty="0" smtClean="0"/>
+          </a:p>
+          <a:p>
+            <a:endParaRPr lang="en-US" dirty="0" smtClean="0"/>
+          </a:p>
+          <a:p>
+            <a:endParaRPr lang="en-US" dirty="0" smtClean="0"/>
+          </a:p>
+          <a:p>
+            <a:endParaRPr lang="en-US" dirty="0" smtClean="0"/>
+          </a:p>
+          <a:p>
+            <a:pPr>
+              <a:buNone/>
+            </a:pPr>
+            <a:endParaRPr lang="en-US" dirty="0" smtClean="0"/>
+          </a:p>
+          <a:p>
+            <a:r>
+              <a:rPr lang="en-US" dirty="0" smtClean="0"/>
+              <a:t>Sort</a:t>
+            </a:r>
+            <a:endParaRPr lang="en-US" dirty="0"/>
+          </a:p>
+        </p:txBody>
+      </p:sp>
+      <p:sp>
+        <p:nvSpPr>
+          <p:cNvPr id="3" name="标题 2"/>
+          <p:cNvSpPr>
+            <a:spLocks noGrp="1"/>
+          </p:cNvSpPr>
+          <p:nvPr>
+            <p:ph type="title"/>
+          </p:nvPr>
+        </p:nvSpPr>
+        <p:spPr/>
+        <p:txBody>
+          <a:bodyPr/>
+          <a:lstStyle/>
+          <a:p>
+            <a:r>
+              <a:rPr lang="en-US" dirty="0" smtClean="0"/>
+              <a:t>Jacket - </a:t>
+            </a:r>
+            <a:r>
+              <a:rPr lang="en-US" dirty="0" smtClean="0"/>
+              <a:t>Other</a:t>
+            </a:r>
+            <a:endParaRPr lang="en-US" dirty="0"/>
+          </a:p>
+        </p:txBody>
+      </p:sp>
+      <p:pic>
+        <p:nvPicPr>
+          <p:cNvPr id="5122" name="Picture 2"/>
+          <p:cNvPicPr>
+            <a:picLocks noChangeAspect="1" noChangeArrowheads="1"/>
+          </p:cNvPicPr>
+          <p:nvPr/>
+        </p:nvPicPr>
+        <p:blipFill>
+          <a:blip r:embed="rId2" cstate="print"/>
+          <a:srcRect/>
+          <a:stretch>
+            <a:fillRect/>
+          </a:stretch>
+        </p:blipFill>
+        <p:spPr bwMode="auto">
+          <a:xfrm>
+            <a:off x="1981200" y="1295400"/>
+            <a:ext cx="4236358" cy="2543175"/>
+          </a:xfrm>
+          <a:prstGeom prst="rect">
+            <a:avLst/>
+          </a:prstGeom>
+          <a:noFill/>
+          <a:ln w="9525">
+            <a:noFill/>
+            <a:miter lim="800000"/>
+            <a:headEnd/>
+            <a:tailEnd/>
+          </a:ln>
+        </p:spPr>
+      </p:pic>
+      <p:pic>
+        <p:nvPicPr>
+          <p:cNvPr id="5123" name="Picture 3"/>
+          <p:cNvPicPr>
+            <a:picLocks noChangeAspect="1" noChangeArrowheads="1"/>
+          </p:cNvPicPr>
+          <p:nvPr/>
+        </p:nvPicPr>
+        <p:blipFill>
+          <a:blip r:embed="rId3" cstate="print"/>
+          <a:srcRect/>
+          <a:stretch>
+            <a:fillRect/>
+          </a:stretch>
+        </p:blipFill>
+        <p:spPr bwMode="auto">
+          <a:xfrm>
+            <a:off x="2057400" y="3886200"/>
+            <a:ext cx="4182035" cy="2514600"/>
+          </a:xfrm>
+          <a:prstGeom prst="rect">
+            <a:avLst/>
+          </a:prstGeom>
+          <a:noFill/>
+          <a:ln w="9525">
+            <a:noFill/>
+            <a:miter lim="800000"/>
+            <a:headEnd/>
+            <a:tailEnd/>
+          </a:ln>
+        </p:spPr>
+      </p:pic>
+      <p:pic>
+        <p:nvPicPr>
+          <p:cNvPr id="6" name="Picture 5"/>
+          <p:cNvPicPr>
+            <a:picLocks noChangeAspect="1" noChangeArrowheads="1"/>
+          </p:cNvPicPr>
+          <p:nvPr/>
+        </p:nvPicPr>
+        <p:blipFill>
+          <a:blip r:embed="rId4" cstate="print"/>
+          <a:srcRect/>
+          <a:stretch>
+            <a:fillRect/>
+          </a:stretch>
+        </p:blipFill>
+        <p:spPr bwMode="auto">
+          <a:xfrm>
+            <a:off x="6324600" y="4191000"/>
+            <a:ext cx="1905000" cy="1467787"/>
+          </a:xfrm>
+          <a:prstGeom prst="rect">
+            <a:avLst/>
+          </a:prstGeom>
+          <a:noFill/>
+          <a:ln w="9525">
+            <a:noFill/>
+            <a:miter lim="800000"/>
+            <a:headEnd/>
+            <a:tailEnd/>
+          </a:ln>
+        </p:spPr>
+      </p:pic>
+      <p:pic>
+        <p:nvPicPr>
+          <p:cNvPr id="7" name="Picture 6"/>
+          <p:cNvPicPr>
+            <a:picLocks noChangeAspect="1" noChangeArrowheads="1"/>
+          </p:cNvPicPr>
+          <p:nvPr/>
+        </p:nvPicPr>
+        <p:blipFill>
+          <a:blip r:embed="rId5" cstate="print"/>
+          <a:srcRect/>
+          <a:stretch>
+            <a:fillRect/>
+          </a:stretch>
+        </p:blipFill>
+        <p:spPr bwMode="auto">
+          <a:xfrm>
+            <a:off x="6400800" y="1676400"/>
+            <a:ext cx="1526875" cy="1498600"/>
+          </a:xfrm>
+          <a:prstGeom prst="rect">
+            <a:avLst/>
+          </a:prstGeom>
+          <a:noFill/>
+          <a:ln w="9525">
+            <a:noFill/>
+            <a:miter lim="800000"/>
+            <a:headEnd/>
+            <a:tailEnd/>
+          </a:ln>
+        </p:spPr>
+      </p:pic>
+    </p:spTree>
+  </p:cSld>
+  <p:clrMapOvr>
+    <a:masterClrMapping/>
+  </p:clrMapOvr>
+</p:sld>
+</file>
+
+<file path=ppt/slides/slide16.xml><?xml version="1.0" encoding="utf-8"?>
+<p:sld xmlns:a="http://schemas.openxmlformats.org/drawingml/2006/main" xmlns:r="http://schemas.openxmlformats.org/officeDocument/2006/relationships" xmlns:p="http://schemas.openxmlformats.org/presentationml/2006/main">
+  <p:cSld>
+    <p:spTree>
+      <p:nvGrpSpPr>
+        <p:cNvPr id="1" name=""/>
+        <p:cNvGrpSpPr/>
+        <p:nvPr/>
+      </p:nvGrpSpPr>
+      <p:grpSpPr>
+        <a:xfrm>
+          <a:off x="0" y="0"/>
+          <a:ext cx="0" cy="0"/>
+          <a:chOff x="0" y="0"/>
+          <a:chExt cx="0" cy="0"/>
+        </a:xfrm>
+      </p:grpSpPr>
+      <p:sp>
+        <p:nvSpPr>
+          <p:cNvPr id="2" name="内容占位符 1"/>
+          <p:cNvSpPr>
+            <a:spLocks noGrp="1"/>
+          </p:cNvSpPr>
+          <p:nvPr>
+            <p:ph idx="1"/>
+          </p:nvPr>
+        </p:nvSpPr>
+        <p:spPr/>
+        <p:txBody>
+          <a:bodyPr/>
+          <a:lstStyle/>
+          <a:p>
+            <a:r>
+              <a:rPr lang="en-US" dirty="0" smtClean="0"/>
+              <a:t>Small gain</a:t>
+            </a:r>
+          </a:p>
+          <a:p>
+            <a:pPr>
+              <a:buNone/>
+            </a:pPr>
+            <a:r>
+              <a:rPr lang="en-US" dirty="0" smtClean="0"/>
+              <a:t>(sort, math, initialize)</a:t>
+            </a:r>
+          </a:p>
+          <a:p>
+            <a:pPr>
+              <a:buNone/>
+            </a:pPr>
+            <a:endParaRPr lang="en-US" dirty="0" smtClean="0"/>
+          </a:p>
+          <a:p>
+            <a:pPr>
+              <a:buNone/>
+            </a:pPr>
+            <a:endParaRPr lang="en-US" dirty="0" smtClean="0"/>
+          </a:p>
+          <a:p>
+            <a:r>
+              <a:rPr lang="en-US" dirty="0" smtClean="0"/>
+              <a:t>Large loss</a:t>
+            </a:r>
+          </a:p>
+          <a:p>
+            <a:pPr>
+              <a:buNone/>
+            </a:pPr>
+            <a:r>
+              <a:rPr lang="en-US" dirty="0" smtClean="0"/>
+              <a:t>(Access)</a:t>
+            </a:r>
+            <a:endParaRPr lang="en-US" dirty="0"/>
+          </a:p>
+        </p:txBody>
+      </p:sp>
+      <p:sp>
+        <p:nvSpPr>
+          <p:cNvPr id="3" name="标题 2"/>
+          <p:cNvSpPr>
+            <a:spLocks noGrp="1"/>
+          </p:cNvSpPr>
+          <p:nvPr>
+            <p:ph type="title"/>
+          </p:nvPr>
+        </p:nvSpPr>
+        <p:spPr/>
+        <p:txBody>
+          <a:bodyPr/>
+          <a:lstStyle/>
+          <a:p>
+            <a:r>
+              <a:rPr lang="en-US" dirty="0" smtClean="0"/>
+              <a:t>Jacket - </a:t>
+            </a:r>
+            <a:r>
+              <a:rPr lang="en-US" dirty="0" smtClean="0"/>
+              <a:t>Conclusion</a:t>
+            </a:r>
+            <a:endParaRPr lang="en-US" dirty="0"/>
+          </a:p>
+        </p:txBody>
+      </p:sp>
+    </p:spTree>
+  </p:cSld>
+  <p:clrMapOvr>
+    <a:masterClrMapping/>
+  </p:clrMapOvr>
+</p:sld>
+</file>
+
+<file path=ppt/slides/slide17.xml><?xml version="1.0" encoding="utf-8"?>
+<p:sld xmlns:a="http://schemas.openxmlformats.org/drawingml/2006/main" xmlns:r="http://schemas.openxmlformats.org/officeDocument/2006/relationships" xmlns:p="http://schemas.openxmlformats.org/presentationml/2006/main">
+  <p:cSld>
+    <p:spTree>
+      <p:nvGrpSpPr>
+        <p:cNvPr id="1" name=""/>
+        <p:cNvGrpSpPr/>
+        <p:nvPr/>
+      </p:nvGrpSpPr>
+      <p:grpSpPr>
+        <a:xfrm>
+          <a:off x="0" y="0"/>
+          <a:ext cx="0" cy="0"/>
+          <a:chOff x="0" y="0"/>
+          <a:chExt cx="0" cy="0"/>
+        </a:xfrm>
+      </p:grpSpPr>
+      <p:sp>
+        <p:nvSpPr>
+          <p:cNvPr id="2" name="内容占位符 1"/>
+          <p:cNvSpPr>
+            <a:spLocks noGrp="1"/>
+          </p:cNvSpPr>
+          <p:nvPr>
+            <p:ph idx="1"/>
+          </p:nvPr>
+        </p:nvSpPr>
+        <p:spPr/>
+        <p:txBody>
+          <a:bodyPr/>
+          <a:lstStyle/>
+          <a:p>
+            <a:r>
+              <a:rPr lang="en-US" dirty="0" smtClean="0"/>
+              <a:t>Try rewrite everything in CUDA</a:t>
+            </a:r>
+          </a:p>
+          <a:p>
+            <a:endParaRPr lang="en-US" dirty="0" smtClean="0"/>
+          </a:p>
+          <a:p>
+            <a:r>
+              <a:rPr lang="en-US" dirty="0" smtClean="0"/>
+              <a:t>Try to modify the algorithm and make it more GPU friendly</a:t>
+            </a:r>
+            <a:endParaRPr lang="en-US" dirty="0"/>
+          </a:p>
+        </p:txBody>
+      </p:sp>
+      <p:sp>
+        <p:nvSpPr>
+          <p:cNvPr id="3" name="标题 2"/>
+          <p:cNvSpPr>
+            <a:spLocks noGrp="1"/>
+          </p:cNvSpPr>
+          <p:nvPr>
+            <p:ph type="title"/>
+          </p:nvPr>
+        </p:nvSpPr>
+        <p:spPr/>
+        <p:txBody>
+          <a:bodyPr/>
+          <a:lstStyle/>
+          <a:p>
+            <a:r>
+              <a:rPr lang="en-US" dirty="0" smtClean="0"/>
+              <a:t>Future Work</a:t>
+            </a:r>
+            <a:endParaRPr lang="en-US" dirty="0"/>
+          </a:p>
+        </p:txBody>
+      </p:sp>
+    </p:spTree>
+  </p:cSld>
+  <p:clrMapOvr>
+    <a:masterClrMapping/>
+  </p:clrMapOvr>
+</p:sld>
+</file>
+
+<file path=ppt/slides/slide18.xml><?xml version="1.0" encoding="utf-8"?>
+<p:sld xmlns:a="http://schemas.openxmlformats.org/drawingml/2006/main" xmlns:r="http://schemas.openxmlformats.org/officeDocument/2006/relationships" xmlns:p="http://schemas.openxmlformats.org/presentationml/2006/main">
+  <p:cSld>
+    <p:spTree>
+      <p:nvGrpSpPr>
+        <p:cNvPr id="1" name=""/>
+        <p:cNvGrpSpPr/>
+        <p:nvPr/>
+      </p:nvGrpSpPr>
+      <p:grpSpPr>
+        <a:xfrm>
+          <a:off x="0" y="0"/>
+          <a:ext cx="0" cy="0"/>
+          <a:chOff x="0" y="0"/>
+          <a:chExt cx="0" cy="0"/>
+        </a:xfrm>
+      </p:grpSpPr>
+      <p:sp>
+        <p:nvSpPr>
+          <p:cNvPr id="2" name="内容占位符 1"/>
+          <p:cNvSpPr>
+            <a:spLocks noGrp="1"/>
+          </p:cNvSpPr>
+          <p:nvPr>
+            <p:ph idx="1"/>
+          </p:nvPr>
+        </p:nvSpPr>
+        <p:spPr/>
+        <p:txBody>
+          <a:bodyPr/>
+          <a:lstStyle/>
+          <a:p>
+            <a:r>
+              <a:rPr lang="en-US" dirty="0" smtClean="0"/>
+              <a:t>Karl O’Keeffe, “Dancing Monkeys”, </a:t>
+            </a:r>
+            <a:r>
+              <a:rPr lang="en-US" dirty="0" err="1" smtClean="0"/>
+              <a:t>MEng</a:t>
+            </a:r>
+            <a:r>
+              <a:rPr lang="en-US" dirty="0" smtClean="0"/>
+              <a:t> Individual Project Report 18th June 2003</a:t>
+            </a:r>
+          </a:p>
+          <a:p>
+            <a:pPr>
+              <a:buNone/>
+            </a:pPr>
             <a:r>
               <a:rPr lang="en-US" dirty="0" smtClean="0"/>
               <a:t> </a:t>
@@ -5782,11 +6635,7 @@
           <a:p>
             <a:r>
               <a:rPr lang="en-US" dirty="0" smtClean="0"/>
-              <a:t>Will </a:t>
-            </a:r>
-            <a:r>
-              <a:rPr lang="en-US" dirty="0" smtClean="0"/>
-              <a:t>Archer </a:t>
+              <a:t>Will Archer </a:t>
             </a:r>
             <a:r>
               <a:rPr lang="en-US" dirty="0" err="1" smtClean="0"/>
@@ -6011,7 +6860,7 @@
           <a:blip r:embed="rId2" cstate="print">
             <a:extLst>
               <a:ext uri="{28A0092B-C50C-407E-A947-70E740481C1C}">
-                <a14:useLocalDpi xmlns:a14="http://schemas.microsoft.com/office/drawing/2010/main" xmlns="" val="0"/>
+                <a14:useLocalDpi xmlns="" xmlns:a14="http://schemas.microsoft.com/office/drawing/2010/main" val="0"/>
               </a:ext>
             </a:extLst>
           </a:blip>
@@ -6035,14 +6884,14 @@
           <a:effectLst/>
           <a:extLst>
             <a:ext uri="{909E8E84-426E-40DD-AFC4-6F175D3DCCD1}">
-              <a14:hiddenFill xmlns:a14="http://schemas.microsoft.com/office/drawing/2010/main" xmlns="">
+              <a14:hiddenFill xmlns="" xmlns:a14="http://schemas.microsoft.com/office/drawing/2010/main">
                 <a:solidFill>
                   <a:schemeClr val="accent1"/>
                 </a:solidFill>
               </a14:hiddenFill>
             </a:ext>
             <a:ext uri="{91240B29-F687-4F45-9708-019B960494DF}">
-              <a14:hiddenLine xmlns:a14="http://schemas.microsoft.com/office/drawing/2010/main" xmlns="" w="9525">
+              <a14:hiddenLine xmlns="" xmlns:a14="http://schemas.microsoft.com/office/drawing/2010/main" w="9525">
                 <a:solidFill>
                   <a:schemeClr val="tx1"/>
                 </a:solidFill>
@@ -6052,7 +6901,7 @@
               </a14:hiddenLine>
             </a:ext>
             <a:ext uri="{AF507438-7753-43E0-B8FC-AC1667EBCBE1}">
-              <a14:hiddenEffects xmlns:a14="http://schemas.microsoft.com/office/drawing/2010/main" xmlns="">
+              <a14:hiddenEffects xmlns="" xmlns:a14="http://schemas.microsoft.com/office/drawing/2010/main">
                 <a:effectLst>
                   <a:outerShdw dist="35921" dir="2700000" algn="ctr" rotWithShape="0">
                     <a:schemeClr val="bg2"/>
@@ -6190,7 +7039,7 @@
     </p:spTree>
     <p:extLst>
       <p:ext uri="{BB962C8B-B14F-4D97-AF65-F5344CB8AC3E}">
-        <p14:creationId xmlns:p14="http://schemas.microsoft.com/office/powerpoint/2010/main" xmlns="" val="2150256598"/>
+        <p14:creationId xmlns="" xmlns:p14="http://schemas.microsoft.com/office/powerpoint/2010/main" val="2150256598"/>
       </p:ext>
     </p:extLst>
   </p:cSld>
@@ -6355,7 +7204,7 @@
           <a:blip r:embed="rId3" cstate="print">
             <a:extLst>
               <a:ext uri="{28A0092B-C50C-407E-A947-70E740481C1C}">
-                <a14:useLocalDpi xmlns:a14="http://schemas.microsoft.com/office/drawing/2010/main" xmlns="" val="0"/>
+                <a14:useLocalDpi xmlns="" xmlns:a14="http://schemas.microsoft.com/office/drawing/2010/main" val="0"/>
               </a:ext>
             </a:extLst>
           </a:blip>
@@ -6379,14 +7228,14 @@
           <a:effectLst/>
           <a:extLst>
             <a:ext uri="{909E8E84-426E-40DD-AFC4-6F175D3DCCD1}">
-              <a14:hiddenFill xmlns:a14="http://schemas.microsoft.com/office/drawing/2010/main" xmlns="">
+              <a14:hiddenFill xmlns="" xmlns:a14="http://schemas.microsoft.com/office/drawing/2010/main">
                 <a:solidFill>
                   <a:schemeClr val="accent1"/>
                 </a:solidFill>
               </a14:hiddenFill>
             </a:ext>
             <a:ext uri="{91240B29-F687-4F45-9708-019B960494DF}">
-              <a14:hiddenLine xmlns:a14="http://schemas.microsoft.com/office/drawing/2010/main" xmlns="" w="9525">
+              <a14:hiddenLine xmlns="" xmlns:a14="http://schemas.microsoft.com/office/drawing/2010/main" w="9525">
                 <a:solidFill>
                   <a:schemeClr val="tx1"/>
                 </a:solidFill>
@@ -6396,7 +7245,7 @@
               </a14:hiddenLine>
             </a:ext>
             <a:ext uri="{AF507438-7753-43E0-B8FC-AC1667EBCBE1}">
-              <a14:hiddenEffects xmlns:a14="http://schemas.microsoft.com/office/drawing/2010/main" xmlns="">
+              <a14:hiddenEffects xmlns="" xmlns:a14="http://schemas.microsoft.com/office/drawing/2010/main">
                 <a:effectLst>
                   <a:outerShdw dist="35921" dir="2700000" algn="ctr" rotWithShape="0">
                     <a:schemeClr val="bg2"/>
@@ -6419,7 +7268,7 @@
           <a:blip r:embed="rId4" cstate="print">
             <a:extLst>
               <a:ext uri="{28A0092B-C50C-407E-A947-70E740481C1C}">
-                <a14:useLocalDpi xmlns:a14="http://schemas.microsoft.com/office/drawing/2010/main" xmlns="" val="0"/>
+                <a14:useLocalDpi xmlns="" xmlns:a14="http://schemas.microsoft.com/office/drawing/2010/main" val="0"/>
               </a:ext>
             </a:extLst>
           </a:blip>
@@ -6443,14 +7292,14 @@
           <a:effectLst/>
           <a:extLst>
             <a:ext uri="{909E8E84-426E-40DD-AFC4-6F175D3DCCD1}">
-              <a14:hiddenFill xmlns:a14="http://schemas.microsoft.com/office/drawing/2010/main" xmlns="">
+              <a14:hiddenFill xmlns="" xmlns:a14="http://schemas.microsoft.com/office/drawing/2010/main">
                 <a:solidFill>
                   <a:schemeClr val="accent1"/>
                 </a:solidFill>
               </a14:hiddenFill>
             </a:ext>
             <a:ext uri="{91240B29-F687-4F45-9708-019B960494DF}">
-              <a14:hiddenLine xmlns:a14="http://schemas.microsoft.com/office/drawing/2010/main" xmlns="" w="9525">
+              <a14:hiddenLine xmlns="" xmlns:a14="http://schemas.microsoft.com/office/drawing/2010/main" w="9525">
                 <a:solidFill>
                   <a:schemeClr val="tx1"/>
                 </a:solidFill>
@@ -6460,7 +7309,7 @@
               </a14:hiddenLine>
             </a:ext>
             <a:ext uri="{AF507438-7753-43E0-B8FC-AC1667EBCBE1}">
-              <a14:hiddenEffects xmlns:a14="http://schemas.microsoft.com/office/drawing/2010/main" xmlns="">
+              <a14:hiddenEffects xmlns="" xmlns:a14="http://schemas.microsoft.com/office/drawing/2010/main">
                 <a:effectLst>
                   <a:outerShdw dist="35921" dir="2700000" algn="ctr" rotWithShape="0">
                     <a:schemeClr val="bg2"/>
@@ -6474,7 +7323,7 @@
     </p:spTree>
     <p:extLst>
       <p:ext uri="{BB962C8B-B14F-4D97-AF65-F5344CB8AC3E}">
-        <p14:creationId xmlns:p14="http://schemas.microsoft.com/office/powerpoint/2010/main" xmlns="" val="3873021478"/>
+        <p14:creationId xmlns="" xmlns:p14="http://schemas.microsoft.com/office/powerpoint/2010/main" val="3873021478"/>
       </p:ext>
     </p:extLst>
   </p:cSld>
@@ -6511,7 +7360,7 @@
             <p:ph idx="1"/>
             <p:extLst>
               <p:ext uri="{D42A27DB-BD31-4B8C-83A1-F6EECF244321}">
-                <p14:modId xmlns:p14="http://schemas.microsoft.com/office/powerpoint/2010/main" xmlns="" val="288806458"/>
+                <p14:modId xmlns="" xmlns:p14="http://schemas.microsoft.com/office/powerpoint/2010/main" val="288806458"/>
               </p:ext>
             </p:extLst>
           </p:nvPr>
@@ -6558,7 +7407,7 @@
           <p:nvPr>
             <p:extLst>
               <p:ext uri="{D42A27DB-BD31-4B8C-83A1-F6EECF244321}">
-                <p14:modId xmlns:p14="http://schemas.microsoft.com/office/powerpoint/2010/main" xmlns="" val="1524661979"/>
+                <p14:modId xmlns="" xmlns:p14="http://schemas.microsoft.com/office/powerpoint/2010/main" val="1524661979"/>
               </p:ext>
             </p:extLst>
           </p:nvPr>
@@ -6880,7 +7729,7 @@
     </p:spTree>
     <p:extLst>
       <p:ext uri="{BB962C8B-B14F-4D97-AF65-F5344CB8AC3E}">
-        <p14:creationId xmlns:p14="http://schemas.microsoft.com/office/powerpoint/2010/main" xmlns="" val="2139139552"/>
+        <p14:creationId xmlns="" xmlns:p14="http://schemas.microsoft.com/office/powerpoint/2010/main" val="2139139552"/>
       </p:ext>
     </p:extLst>
   </p:cSld>
@@ -7057,6 +7906,10 @@
             </a:endParaRPr>
           </a:p>
           <a:p>
+            <a:r>
+              <a:rPr lang="en-US" dirty="0" smtClean="0"/>
+              <a:t>Result: Slower</a:t>
+            </a:r>
             <a:endParaRPr lang="en-US" dirty="0"/>
           </a:p>
         </p:txBody>
@@ -7079,10 +7932,6 @@
             <a:r>
               <a:rPr lang="en-US" dirty="0" err="1" smtClean="0"/>
               <a:t>GPUarray</a:t>
-            </a:r>
-            <a:r>
-              <a:rPr lang="en-US" dirty="0" smtClean="0"/>
-              <a:t> - Approach</a:t>
             </a:r>
             <a:endParaRPr lang="en-US" dirty="0"/>
           </a:p>
@@ -7123,7 +7972,7 @@
     </p:spTree>
     <p:extLst>
       <p:ext uri="{BB962C8B-B14F-4D97-AF65-F5344CB8AC3E}">
-        <p14:creationId xmlns:p14="http://schemas.microsoft.com/office/powerpoint/2010/main" xmlns="" val="3847394257"/>
+        <p14:creationId xmlns="" xmlns:p14="http://schemas.microsoft.com/office/powerpoint/2010/main" val="3847394257"/>
       </p:ext>
     </p:extLst>
   </p:cSld>
@@ -7167,7 +8016,69 @@
           <a:p>
             <a:r>
               <a:rPr lang="en-US" dirty="0" smtClean="0"/>
-              <a:t>Everything is slow!</a:t>
+              <a:t>Jacket is a </a:t>
+            </a:r>
+            <a:r>
+              <a:rPr lang="en-US" dirty="0" err="1" smtClean="0"/>
+              <a:t>Matlab</a:t>
+            </a:r>
+            <a:r>
+              <a:rPr lang="en-US" dirty="0" smtClean="0"/>
+              <a:t> plug-in </a:t>
+            </a:r>
+          </a:p>
+          <a:p>
+            <a:pPr>
+              <a:buNone/>
+            </a:pPr>
+            <a:r>
+              <a:rPr lang="en-US" dirty="0" smtClean="0"/>
+              <a:t>developed by </a:t>
+            </a:r>
+            <a:r>
+              <a:rPr lang="en-US" dirty="0" err="1" smtClean="0"/>
+              <a:t>Accelereyes</a:t>
+            </a:r>
+            <a:r>
+              <a:rPr lang="en-US" dirty="0" smtClean="0"/>
+              <a:t>.</a:t>
+            </a:r>
+          </a:p>
+          <a:p>
+            <a:r>
+              <a:rPr lang="en-US" dirty="0" smtClean="0"/>
+              <a:t>More data structures on GPU side</a:t>
+            </a:r>
+          </a:p>
+          <a:p>
+            <a:r>
+              <a:rPr lang="en-US" dirty="0" smtClean="0"/>
+              <a:t>More functions supported on GPU side</a:t>
+            </a:r>
+          </a:p>
+          <a:p>
+            <a:r>
+              <a:rPr lang="en-US" dirty="0" smtClean="0"/>
+              <a:t>Much faster than </a:t>
+            </a:r>
+            <a:r>
+              <a:rPr lang="en-US" dirty="0" err="1" smtClean="0"/>
+              <a:t>GPUarray</a:t>
+            </a:r>
+            <a:endParaRPr lang="en-US" dirty="0" smtClean="0"/>
+          </a:p>
+          <a:p>
+            <a:r>
+              <a:rPr lang="en-US" dirty="0" smtClean="0"/>
+              <a:t>Just use its </a:t>
+            </a:r>
+            <a:r>
+              <a:rPr lang="en-US" dirty="0" err="1" smtClean="0"/>
+              <a:t>gfor</a:t>
+            </a:r>
+            <a:r>
+              <a:rPr lang="en-US" dirty="0" smtClean="0"/>
+              <a:t> function instead of default for loop</a:t>
             </a:r>
             <a:endParaRPr lang="en-US" dirty="0"/>
           </a:p>
@@ -7189,12 +8100,8 @@
           <a:lstStyle/>
           <a:p>
             <a:r>
-              <a:rPr lang="en-US" dirty="0" err="1" smtClean="0"/>
-              <a:t>GPUarray</a:t>
-            </a:r>
-            <a:r>
               <a:rPr lang="en-US" dirty="0" smtClean="0"/>
-              <a:t> - Results</a:t>
+              <a:t>Jacket - Approach</a:t>
             </a:r>
             <a:endParaRPr lang="en-US" dirty="0"/>
           </a:p>
@@ -7202,8 +8109,10 @@
       </p:sp>
       <p:pic>
         <p:nvPicPr>
-          <p:cNvPr id="4" name="图片 3"/>
-          <p:cNvPicPr/>
+          <p:cNvPr id="26626" name="Picture 2"/>
+          <p:cNvPicPr>
+            <a:picLocks noChangeAspect="1" noChangeArrowheads="1"/>
+          </p:cNvPicPr>
           <p:nvPr/>
         </p:nvPicPr>
         <p:blipFill>
@@ -7215,8 +8124,8 @@
         </p:blipFill>
         <p:spPr bwMode="auto">
           <a:xfrm>
-            <a:off x="762000" y="2057400"/>
-            <a:ext cx="7924800" cy="3657600"/>
+            <a:off x="5334000" y="1371600"/>
+            <a:ext cx="2581275" cy="1123950"/>
           </a:xfrm>
           <a:prstGeom prst="rect">
             <a:avLst/>
@@ -7272,7 +8181,7 @@
           <a:p>
             <a:r>
               <a:rPr lang="en-US" dirty="0" smtClean="0"/>
-              <a:t>That makes everything become slow.</a:t>
+              <a:t>Still slower</a:t>
             </a:r>
             <a:endParaRPr lang="en-US" dirty="0"/>
           </a:p>
@@ -7294,13 +8203,43 @@
           <a:lstStyle/>
           <a:p>
             <a:r>
-              <a:rPr lang="en-US" dirty="0" err="1" smtClean="0"/>
-              <a:t>GPUarray</a:t>
+              <a:rPr lang="en-US" dirty="0" smtClean="0"/>
+              <a:t>Jacket - Results</a:t>
             </a:r>
             <a:endParaRPr lang="en-US" dirty="0"/>
           </a:p>
         </p:txBody>
       </p:sp>
+      <p:pic>
+        <p:nvPicPr>
+          <p:cNvPr id="4" name="图片 3"/>
+          <p:cNvPicPr/>
+          <p:nvPr/>
+        </p:nvPicPr>
+        <p:blipFill>
+          <a:blip r:embed="rId2" cstate="print"/>
+          <a:srcRect/>
+          <a:stretch>
+            <a:fillRect/>
+          </a:stretch>
+        </p:blipFill>
+        <p:spPr bwMode="auto">
+          <a:xfrm>
+            <a:off x="914400" y="1905000"/>
+            <a:ext cx="6096000" cy="3657600"/>
+          </a:xfrm>
+          <a:prstGeom prst="rect">
+            <a:avLst/>
+          </a:prstGeom>
+          <a:noFill/>
+          <a:ln w="9525">
+            <a:noFill/>
+            <a:miter lim="800000"/>
+            <a:headEnd/>
+            <a:tailEnd/>
+          </a:ln>
+        </p:spPr>
+      </p:pic>
     </p:spTree>
   </p:cSld>
   <p:clrMapOvr>

--- a/final/presentation.pptx
+++ b/final/presentation.pptx
@@ -12,17 +12,22 @@
     <p:sldId id="263" r:id="rId6"/>
     <p:sldId id="264" r:id="rId7"/>
     <p:sldId id="273" r:id="rId8"/>
-    <p:sldId id="268" r:id="rId9"/>
-    <p:sldId id="269" r:id="rId10"/>
-    <p:sldId id="274" r:id="rId11"/>
-    <p:sldId id="270" r:id="rId12"/>
-    <p:sldId id="275" r:id="rId13"/>
-    <p:sldId id="276" r:id="rId14"/>
-    <p:sldId id="277" r:id="rId15"/>
-    <p:sldId id="278" r:id="rId16"/>
-    <p:sldId id="279" r:id="rId17"/>
-    <p:sldId id="271" r:id="rId18"/>
-    <p:sldId id="272" r:id="rId19"/>
+    <p:sldId id="280" r:id="rId9"/>
+    <p:sldId id="268" r:id="rId10"/>
+    <p:sldId id="269" r:id="rId11"/>
+    <p:sldId id="274" r:id="rId12"/>
+    <p:sldId id="270" r:id="rId13"/>
+    <p:sldId id="275" r:id="rId14"/>
+    <p:sldId id="281" r:id="rId15"/>
+    <p:sldId id="282" r:id="rId16"/>
+    <p:sldId id="283" r:id="rId17"/>
+    <p:sldId id="279" r:id="rId18"/>
+    <p:sldId id="271" r:id="rId19"/>
+    <p:sldId id="284" r:id="rId20"/>
+    <p:sldId id="285" r:id="rId21"/>
+    <p:sldId id="286" r:id="rId22"/>
+    <p:sldId id="287" r:id="rId23"/>
+    <p:sldId id="272" r:id="rId24"/>
   </p:sldIdLst>
   <p:sldSz cx="9144000" cy="6858000" type="screen4x3"/>
   <p:notesSz cx="6858000" cy="9144000"/>
@@ -122,179 +127,6 @@
     </a:lvl9pPr>
   </p:defaultTextStyle>
 </p:presentation>
-</file>
-
-<file path=ppt/charts/chart1.xml><?xml version="1.0" encoding="utf-8"?>
-<c:chartSpace xmlns:c="http://schemas.openxmlformats.org/drawingml/2006/chart" xmlns:a="http://schemas.openxmlformats.org/drawingml/2006/main" xmlns:r="http://schemas.openxmlformats.org/officeDocument/2006/relationships">
-  <c:date1904 val="1"/>
-  <c:lang val="en-US"/>
-  <c:chart>
-    <c:plotArea>
-      <c:layout/>
-      <c:barChart>
-        <c:barDir val="col"/>
-        <c:grouping val="clustered"/>
-        <c:ser>
-          <c:idx val="0"/>
-          <c:order val="0"/>
-          <c:tx>
-            <c:strRef>
-              <c:f>Sheet1!$B$1</c:f>
-              <c:strCache>
-                <c:ptCount val="1"/>
-                <c:pt idx="0">
-                  <c:v>base</c:v>
-                </c:pt>
-              </c:strCache>
-            </c:strRef>
-          </c:tx>
-          <c:cat>
-            <c:strRef>
-              <c:f>Sheet1!$A$2:$A$5</c:f>
-              <c:strCache>
-                <c:ptCount val="4"/>
-                <c:pt idx="0">
-                  <c:v>timeTest</c:v>
-                </c:pt>
-                <c:pt idx="1">
-                  <c:v>timeFit</c:v>
-                </c:pt>
-                <c:pt idx="2">
-                  <c:v>timeBpm</c:v>
-                </c:pt>
-                <c:pt idx="3">
-                  <c:v>timeProgram</c:v>
-                </c:pt>
-              </c:strCache>
-            </c:strRef>
-          </c:cat>
-          <c:val>
-            <c:numRef>
-              <c:f>Sheet1!$B$2:$B$5</c:f>
-              <c:numCache>
-                <c:formatCode>General</c:formatCode>
-                <c:ptCount val="4"/>
-                <c:pt idx="0">
-                  <c:v>126.40969900000009</c:v>
-                </c:pt>
-                <c:pt idx="1">
-                  <c:v>59.377491999999997</c:v>
-                </c:pt>
-                <c:pt idx="2">
-                  <c:v>185.96019200000001</c:v>
-                </c:pt>
-                <c:pt idx="3">
-                  <c:v>202.74842599999999</c:v>
-                </c:pt>
-              </c:numCache>
-            </c:numRef>
-          </c:val>
-        </c:ser>
-        <c:ser>
-          <c:idx val="1"/>
-          <c:order val="1"/>
-          <c:tx>
-            <c:strRef>
-              <c:f>Sheet1!$C$1</c:f>
-              <c:strCache>
-                <c:ptCount val="1"/>
-                <c:pt idx="0">
-                  <c:v>parfor</c:v>
-                </c:pt>
-              </c:strCache>
-            </c:strRef>
-          </c:tx>
-          <c:cat>
-            <c:strRef>
-              <c:f>Sheet1!$A$2:$A$5</c:f>
-              <c:strCache>
-                <c:ptCount val="4"/>
-                <c:pt idx="0">
-                  <c:v>timeTest</c:v>
-                </c:pt>
-                <c:pt idx="1">
-                  <c:v>timeFit</c:v>
-                </c:pt>
-                <c:pt idx="2">
-                  <c:v>timeBpm</c:v>
-                </c:pt>
-                <c:pt idx="3">
-                  <c:v>timeProgram</c:v>
-                </c:pt>
-              </c:strCache>
-            </c:strRef>
-          </c:cat>
-          <c:val>
-            <c:numRef>
-              <c:f>Sheet1!$C$2:$C$5</c:f>
-              <c:numCache>
-                <c:formatCode>General</c:formatCode>
-                <c:ptCount val="4"/>
-                <c:pt idx="0">
-                  <c:v>47.206357000000011</c:v>
-                </c:pt>
-                <c:pt idx="1">
-                  <c:v>30.447078000000001</c:v>
-                </c:pt>
-                <c:pt idx="2">
-                  <c:v>77.675567999999927</c:v>
-                </c:pt>
-                <c:pt idx="3">
-                  <c:v>93.312641999999983</c:v>
-                </c:pt>
-              </c:numCache>
-            </c:numRef>
-          </c:val>
-        </c:ser>
-        <c:axId val="113546752"/>
-        <c:axId val="113548288"/>
-      </c:barChart>
-      <c:catAx>
-        <c:axId val="113546752"/>
-        <c:scaling>
-          <c:orientation val="minMax"/>
-        </c:scaling>
-        <c:axPos val="b"/>
-        <c:tickLblPos val="nextTo"/>
-        <c:crossAx val="113548288"/>
-        <c:crosses val="autoZero"/>
-        <c:auto val="1"/>
-        <c:lblAlgn val="ctr"/>
-        <c:lblOffset val="100"/>
-      </c:catAx>
-      <c:valAx>
-        <c:axId val="113548288"/>
-        <c:scaling>
-          <c:orientation val="minMax"/>
-        </c:scaling>
-        <c:axPos val="l"/>
-        <c:majorGridlines/>
-        <c:numFmt formatCode="General" sourceLinked="1"/>
-        <c:tickLblPos val="nextTo"/>
-        <c:crossAx val="113546752"/>
-        <c:crosses val="autoZero"/>
-        <c:crossBetween val="between"/>
-      </c:valAx>
-    </c:plotArea>
-    <c:legend>
-      <c:legendPos val="t"/>
-      <c:layout/>
-    </c:legend>
-    <c:plotVisOnly val="1"/>
-    <c:dispBlanksAs val="gap"/>
-  </c:chart>
-  <c:txPr>
-    <a:bodyPr/>
-    <a:lstStyle/>
-    <a:p>
-      <a:pPr>
-        <a:defRPr sz="1800"/>
-      </a:pPr>
-      <a:endParaRPr lang="en-US"/>
-    </a:p>
-  </c:txPr>
-  <c:externalData r:id="rId1"/>
-</c:chartSpace>
 </file>
 
 <file path=ppt/slideLayouts/slideLayout1.xml><?xml version="1.0" encoding="utf-8"?>
@@ -4939,7 +4771,7 @@
           <a:blip r:embed="rId2" cstate="print">
             <a:extLst>
               <a:ext uri="{28A0092B-C50C-407E-A947-70E740481C1C}">
-                <a14:useLocalDpi xmlns="" xmlns:a14="http://schemas.microsoft.com/office/drawing/2010/main" val="0"/>
+                <a14:useLocalDpi xmlns:a14="http://schemas.microsoft.com/office/drawing/2010/main" val="0"/>
               </a:ext>
             </a:extLst>
           </a:blip>
@@ -4959,7 +4791,7 @@
           <a:noFill/>
           <a:extLst>
             <a:ext uri="{909E8E84-426E-40DD-AFC4-6F175D3DCCD1}">
-              <a14:hiddenFill xmlns="" xmlns:a14="http://schemas.microsoft.com/office/drawing/2010/main">
+              <a14:hiddenFill xmlns:a14="http://schemas.microsoft.com/office/drawing/2010/main">
                 <a:solidFill>
                   <a:srgbClr val="FFFFFF"/>
                 </a:solidFill>
@@ -5275,7 +5107,7 @@
     </p:spTree>
     <p:extLst>
       <p:ext uri="{BB962C8B-B14F-4D97-AF65-F5344CB8AC3E}">
-        <p14:creationId xmlns="" xmlns:p14="http://schemas.microsoft.com/office/powerpoint/2010/main" val="1133073010"/>
+        <p14:creationId xmlns:p14="http://schemas.microsoft.com/office/powerpoint/2010/main" val="1133073010"/>
       </p:ext>
     </p:extLst>
   </p:cSld>
@@ -5311,6 +5143,29 @@
       </p:grpSpPr>
       <p:sp>
         <p:nvSpPr>
+          <p:cNvPr id="2" name="内容占位符 1"/>
+          <p:cNvSpPr>
+            <a:spLocks noGrp="1"/>
+          </p:cNvSpPr>
+          <p:nvPr>
+            <p:ph idx="1"/>
+          </p:nvPr>
+        </p:nvSpPr>
+        <p:spPr/>
+        <p:txBody>
+          <a:bodyPr/>
+          <a:lstStyle/>
+          <a:p>
+            <a:r>
+              <a:rPr lang="en-US" dirty="0" smtClean="0"/>
+              <a:t>Worse!</a:t>
+            </a:r>
+            <a:endParaRPr lang="en-US" dirty="0"/>
+          </a:p>
+        </p:txBody>
+      </p:sp>
+      <p:sp>
+        <p:nvSpPr>
           <p:cNvPr id="3" name="标题 2"/>
           <p:cNvSpPr>
             <a:spLocks noGrp="1"/>
@@ -5319,26 +5174,83 @@
             <p:ph type="title"/>
           </p:nvPr>
         </p:nvSpPr>
-        <p:spPr>
+        <p:spPr/>
+        <p:txBody>
+          <a:bodyPr/>
+          <a:lstStyle/>
+          <a:p>
+            <a:r>
+              <a:rPr lang="en-US" dirty="0" smtClean="0"/>
+              <a:t>Jacket - Results</a:t>
+            </a:r>
+            <a:endParaRPr lang="en-US" dirty="0"/>
+          </a:p>
+        </p:txBody>
+      </p:sp>
+      <p:pic>
+        <p:nvPicPr>
+          <p:cNvPr id="8196" name="Picture 4"/>
+          <p:cNvPicPr>
+            <a:picLocks noChangeAspect="1" noChangeArrowheads="1"/>
+          </p:cNvPicPr>
+          <p:nvPr/>
+        </p:nvPicPr>
+        <p:blipFill>
+          <a:blip r:embed="rId2">
+            <a:extLst>
+              <a:ext uri="{28A0092B-C50C-407E-A947-70E740481C1C}">
+                <a14:useLocalDpi xmlns:a14="http://schemas.microsoft.com/office/drawing/2010/main" val="0"/>
+              </a:ext>
+            </a:extLst>
+          </a:blip>
+          <a:srcRect/>
+          <a:stretch>
+            <a:fillRect/>
+          </a:stretch>
+        </p:blipFill>
+        <p:spPr bwMode="auto">
           <a:xfrm>
-            <a:off x="533400" y="2895600"/>
-            <a:ext cx="8229600" cy="1143000"/>
+            <a:off x="2286000" y="2590800"/>
+            <a:ext cx="4962525" cy="3924300"/>
           </a:xfrm>
+          <a:prstGeom prst="rect">
+            <a:avLst/>
+          </a:prstGeom>
+          <a:noFill/>
+          <a:ln>
+            <a:noFill/>
+          </a:ln>
+          <a:effectLst/>
+          <a:extLst>
+            <a:ext uri="{909E8E84-426E-40DD-AFC4-6F175D3DCCD1}">
+              <a14:hiddenFill xmlns:a14="http://schemas.microsoft.com/office/drawing/2010/main">
+                <a:solidFill>
+                  <a:schemeClr val="accent1"/>
+                </a:solidFill>
+              </a14:hiddenFill>
+            </a:ext>
+            <a:ext uri="{91240B29-F687-4F45-9708-019B960494DF}">
+              <a14:hiddenLine xmlns:a14="http://schemas.microsoft.com/office/drawing/2010/main" w="9525">
+                <a:solidFill>
+                  <a:schemeClr val="tx1"/>
+                </a:solidFill>
+                <a:miter lim="800000"/>
+                <a:headEnd/>
+                <a:tailEnd/>
+              </a14:hiddenLine>
+            </a:ext>
+            <a:ext uri="{AF507438-7753-43E0-B8FC-AC1667EBCBE1}">
+              <a14:hiddenEffects xmlns:a14="http://schemas.microsoft.com/office/drawing/2010/main">
+                <a:effectLst>
+                  <a:outerShdw dist="35921" dir="2700000" algn="ctr" rotWithShape="0">
+                    <a:schemeClr val="bg2"/>
+                  </a:outerShdw>
+                </a:effectLst>
+              </a14:hiddenEffects>
+            </a:ext>
+          </a:extLst>
         </p:spPr>
-        <p:txBody>
-          <a:bodyPr>
-            <a:normAutofit fontScale="90000"/>
-          </a:bodyPr>
-          <a:lstStyle/>
-          <a:p>
-            <a:r>
-              <a:rPr lang="en-US" dirty="0" smtClean="0"/>
-              <a:t>Why everything on GPU is slower?</a:t>
-            </a:r>
-            <a:endParaRPr lang="en-US" dirty="0"/>
-          </a:p>
-        </p:txBody>
-      </p:sp>
+      </p:pic>
     </p:spTree>
   </p:cSld>
   <p:clrMapOvr>
@@ -5374,147 +5286,34 @@
             <p:ph type="title"/>
           </p:nvPr>
         </p:nvSpPr>
-        <p:spPr/>
-        <p:txBody>
-          <a:bodyPr/>
+        <p:spPr>
+          <a:xfrm>
+            <a:off x="533400" y="2895600"/>
+            <a:ext cx="8229600" cy="1143000"/>
+          </a:xfrm>
+        </p:spPr>
+        <p:txBody>
+          <a:bodyPr>
+            <a:normAutofit/>
+          </a:bodyPr>
           <a:lstStyle/>
           <a:p>
             <a:r>
               <a:rPr lang="en-US" dirty="0" smtClean="0"/>
-              <a:t>GPU Array</a:t>
+              <a:t>Why </a:t>
+            </a:r>
+            <a:r>
+              <a:rPr lang="en-US" dirty="0" smtClean="0"/>
+              <a:t>slower on </a:t>
+            </a:r>
+            <a:r>
+              <a:rPr lang="en-US" dirty="0" smtClean="0"/>
+              <a:t>GPU is slower?</a:t>
             </a:r>
             <a:endParaRPr lang="en-US" dirty="0"/>
           </a:p>
         </p:txBody>
       </p:sp>
-      <p:pic>
-        <p:nvPicPr>
-          <p:cNvPr id="1026" name="Picture 2"/>
-          <p:cNvPicPr>
-            <a:picLocks noChangeAspect="1" noChangeArrowheads="1"/>
-          </p:cNvPicPr>
-          <p:nvPr/>
-        </p:nvPicPr>
-        <p:blipFill>
-          <a:blip r:embed="rId2" cstate="print"/>
-          <a:srcRect/>
-          <a:stretch>
-            <a:fillRect/>
-          </a:stretch>
-        </p:blipFill>
-        <p:spPr bwMode="auto">
-          <a:xfrm>
-            <a:off x="609600" y="1219200"/>
-            <a:ext cx="4253358" cy="2547938"/>
-          </a:xfrm>
-          <a:prstGeom prst="rect">
-            <a:avLst/>
-          </a:prstGeom>
-          <a:noFill/>
-          <a:ln w="9525">
-            <a:noFill/>
-            <a:miter lim="800000"/>
-            <a:headEnd/>
-            <a:tailEnd/>
-          </a:ln>
-        </p:spPr>
-      </p:pic>
-      <p:pic>
-        <p:nvPicPr>
-          <p:cNvPr id="1027" name="Picture 3"/>
-          <p:cNvPicPr>
-            <a:picLocks noChangeAspect="1" noChangeArrowheads="1"/>
-          </p:cNvPicPr>
-          <p:nvPr/>
-        </p:nvPicPr>
-        <p:blipFill>
-          <a:blip r:embed="rId3" cstate="print"/>
-          <a:srcRect/>
-          <a:stretch>
-            <a:fillRect/>
-          </a:stretch>
-        </p:blipFill>
-        <p:spPr bwMode="auto">
-          <a:xfrm>
-            <a:off x="4724400" y="1295400"/>
-            <a:ext cx="4083495" cy="2547938"/>
-          </a:xfrm>
-          <a:prstGeom prst="rect">
-            <a:avLst/>
-          </a:prstGeom>
-          <a:noFill/>
-          <a:ln w="9525">
-            <a:noFill/>
-            <a:miter lim="800000"/>
-            <a:headEnd/>
-            <a:tailEnd/>
-          </a:ln>
-        </p:spPr>
-      </p:pic>
-      <p:pic>
-        <p:nvPicPr>
-          <p:cNvPr id="1028" name="Picture 4"/>
-          <p:cNvPicPr>
-            <a:picLocks noChangeAspect="1" noChangeArrowheads="1"/>
-          </p:cNvPicPr>
-          <p:nvPr/>
-        </p:nvPicPr>
-        <p:blipFill>
-          <a:blip r:embed="rId4" cstate="print"/>
-          <a:srcRect/>
-          <a:stretch>
-            <a:fillRect/>
-          </a:stretch>
-        </p:blipFill>
-        <p:spPr bwMode="auto">
-          <a:xfrm>
-            <a:off x="381000" y="3733800"/>
-            <a:ext cx="4596608" cy="2600325"/>
-          </a:xfrm>
-          <a:prstGeom prst="rect">
-            <a:avLst/>
-          </a:prstGeom>
-          <a:noFill/>
-          <a:ln w="9525">
-            <a:noFill/>
-            <a:miter lim="800000"/>
-            <a:headEnd/>
-            <a:tailEnd/>
-          </a:ln>
-        </p:spPr>
-      </p:pic>
-      <p:pic>
-        <p:nvPicPr>
-          <p:cNvPr id="1029" name="Picture 5"/>
-          <p:cNvPicPr>
-            <a:picLocks noChangeAspect="1" noChangeArrowheads="1"/>
-          </p:cNvPicPr>
-          <p:nvPr/>
-        </p:nvPicPr>
-        <p:blipFill>
-          <a:blip r:embed="rId5" cstate="print"/>
-          <a:srcRect/>
-          <a:stretch>
-            <a:fillRect/>
-          </a:stretch>
-        </p:blipFill>
-        <p:spPr bwMode="auto">
-          <a:xfrm>
-            <a:off x="4953000" y="3886200"/>
-            <a:ext cx="3995670" cy="2332998"/>
-          </a:xfrm>
-          <a:prstGeom prst="rect">
-            <a:avLst/>
-          </a:prstGeom>
-          <a:noFill/>
-          <a:ln w="9525">
-            <a:noFill/>
-            <a:miter lim="800000"/>
-            <a:headEnd/>
-            <a:tailEnd/>
-          </a:ln>
-        </p:spPr>
-      </p:pic>
     </p:spTree>
   </p:cSld>
   <p:clrMapOvr>
@@ -5542,12 +5341,12 @@
       </p:grpSpPr>
       <p:sp>
         <p:nvSpPr>
-          <p:cNvPr id="2" name="内容占位符 1"/>
-          <p:cNvSpPr>
-            <a:spLocks noGrp="1"/>
-          </p:cNvSpPr>
-          <p:nvPr>
-            <p:ph idx="1"/>
+          <p:cNvPr id="3" name="标题 2"/>
+          <p:cNvSpPr>
+            <a:spLocks noGrp="1"/>
+          </p:cNvSpPr>
+          <p:nvPr>
+            <p:ph type="title"/>
           </p:nvPr>
         </p:nvSpPr>
         <p:spPr/>
@@ -5557,96 +5356,123 @@
           <a:p>
             <a:r>
               <a:rPr lang="en-US" dirty="0" smtClean="0"/>
-              <a:t>GPU Array is bad!</a:t>
-            </a:r>
-          </a:p>
-          <a:p>
-            <a:r>
-              <a:rPr lang="en-US" dirty="0" smtClean="0"/>
-              <a:t>Except:</a:t>
-            </a:r>
-          </a:p>
-          <a:p>
-            <a:endParaRPr lang="en-US" dirty="0" smtClean="0"/>
-          </a:p>
-          <a:p>
-            <a:endParaRPr lang="en-US" dirty="0" smtClean="0"/>
-          </a:p>
-          <a:p>
-            <a:endParaRPr lang="en-US" dirty="0" smtClean="0"/>
-          </a:p>
-          <a:p>
-            <a:endParaRPr lang="en-US" dirty="0" smtClean="0"/>
-          </a:p>
-          <a:p>
-            <a:endParaRPr lang="en-US" dirty="0" smtClean="0"/>
-          </a:p>
-          <a:p>
-            <a:r>
-              <a:rPr lang="en-US" dirty="0" smtClean="0"/>
-              <a:t>But, this doesn’t help much.</a:t>
-            </a:r>
-          </a:p>
-          <a:p>
+              <a:t>Analyzing Algorithm</a:t>
+            </a:r>
             <a:endParaRPr lang="en-US" dirty="0"/>
           </a:p>
         </p:txBody>
       </p:sp>
       <p:sp>
         <p:nvSpPr>
-          <p:cNvPr id="3" name="标题 2"/>
-          <p:cNvSpPr>
-            <a:spLocks noGrp="1"/>
-          </p:cNvSpPr>
-          <p:nvPr>
-            <p:ph type="title"/>
-          </p:nvPr>
-        </p:nvSpPr>
-        <p:spPr/>
+          <p:cNvPr id="7" name="Content Placeholder 1"/>
+          <p:cNvSpPr>
+            <a:spLocks noGrp="1"/>
+          </p:cNvSpPr>
+          <p:nvPr>
+            <p:ph idx="1"/>
+          </p:nvPr>
+        </p:nvSpPr>
+        <p:spPr>
+          <a:xfrm>
+            <a:off x="457200" y="1295400"/>
+            <a:ext cx="8229600" cy="5376672"/>
+          </a:xfrm>
+        </p:spPr>
         <p:txBody>
           <a:bodyPr/>
           <a:lstStyle/>
           <a:p>
             <a:r>
               <a:rPr lang="en-US" dirty="0" smtClean="0"/>
-              <a:t>GPU Array</a:t>
-            </a:r>
-            <a:endParaRPr lang="en-US" dirty="0"/>
-          </a:p>
-        </p:txBody>
-      </p:sp>
-      <p:pic>
-        <p:nvPicPr>
-          <p:cNvPr id="2050" name="Picture 2"/>
-          <p:cNvPicPr>
-            <a:picLocks noChangeAspect="1" noChangeArrowheads="1"/>
-          </p:cNvPicPr>
-          <p:nvPr/>
-        </p:nvPicPr>
-        <p:blipFill>
-          <a:blip r:embed="rId2" cstate="print"/>
-          <a:srcRect/>
-          <a:stretch>
-            <a:fillRect/>
-          </a:stretch>
-        </p:blipFill>
-        <p:spPr bwMode="auto">
-          <a:xfrm>
-            <a:off x="2286000" y="2057400"/>
-            <a:ext cx="4152798" cy="2514600"/>
-          </a:xfrm>
-          <a:prstGeom prst="rect">
-            <a:avLst/>
-          </a:prstGeom>
-          <a:noFill/>
-          <a:ln w="9525">
-            <a:noFill/>
-            <a:miter lim="800000"/>
-            <a:headEnd/>
-            <a:tailEnd/>
-          </a:ln>
-        </p:spPr>
-      </p:pic>
+              <a:t>Operations in Dancing Monkey’s code:</a:t>
+            </a:r>
+          </a:p>
+          <a:p>
+            <a:pPr lvl="1"/>
+            <a:r>
+              <a:rPr lang="en-US" dirty="0" smtClean="0"/>
+              <a:t>Array initialization</a:t>
+            </a:r>
+          </a:p>
+          <a:p>
+            <a:pPr lvl="3"/>
+            <a:r>
+              <a:rPr lang="en-US" dirty="0" smtClean="0"/>
+              <a:t>ones(size, 1), zeros(size, 1)</a:t>
+            </a:r>
+          </a:p>
+          <a:p>
+            <a:pPr lvl="3"/>
+            <a:r>
+              <a:rPr lang="en-US" dirty="0" smtClean="0"/>
+              <a:t>One-time only</a:t>
+            </a:r>
+          </a:p>
+          <a:p>
+            <a:pPr lvl="1"/>
+            <a:r>
+              <a:rPr lang="en-US" dirty="0" smtClean="0"/>
+              <a:t>Element access/assignment</a:t>
+            </a:r>
+          </a:p>
+          <a:p>
+            <a:pPr lvl="3"/>
+            <a:r>
+              <a:rPr lang="en-US" dirty="0" smtClean="0"/>
+              <a:t>data = A(x), A(x) = data</a:t>
+            </a:r>
+          </a:p>
+          <a:p>
+            <a:pPr lvl="3"/>
+            <a:r>
+              <a:rPr lang="en-US" dirty="0" smtClean="0"/>
+              <a:t>LOTS of access, some assignments</a:t>
+            </a:r>
+          </a:p>
+          <a:p>
+            <a:pPr lvl="1"/>
+            <a:r>
+              <a:rPr lang="en-US" dirty="0" smtClean="0"/>
+              <a:t>Element arithmetic operations</a:t>
+            </a:r>
+          </a:p>
+          <a:p>
+            <a:pPr lvl="3"/>
+            <a:r>
+              <a:rPr lang="en-US" dirty="0" smtClean="0"/>
+              <a:t>+, -, *, /</a:t>
+            </a:r>
+          </a:p>
+          <a:p>
+            <a:pPr lvl="3"/>
+            <a:r>
+              <a:rPr lang="en-US" dirty="0" smtClean="0"/>
+              <a:t>Lots of operations but with element of different indices</a:t>
+            </a:r>
+          </a:p>
+          <a:p>
+            <a:pPr lvl="1"/>
+            <a:r>
+              <a:rPr lang="en-US" dirty="0" smtClean="0"/>
+              <a:t>Array operations</a:t>
+            </a:r>
+          </a:p>
+          <a:p>
+            <a:pPr lvl="3"/>
+            <a:r>
+              <a:rPr lang="en-US" dirty="0" smtClean="0"/>
+              <a:t>mod, max, sort</a:t>
+            </a:r>
+          </a:p>
+          <a:p>
+            <a:pPr lvl="3"/>
+            <a:r>
+              <a:rPr lang="en-US" dirty="0" smtClean="0"/>
+              <a:t>A few at beginning and at end</a:t>
+            </a:r>
+          </a:p>
+        </p:txBody>
+      </p:sp>
     </p:spTree>
   </p:cSld>
   <p:clrMapOvr>
@@ -5682,47 +5508,22 @@
             <p:ph idx="1"/>
           </p:nvPr>
         </p:nvSpPr>
-        <p:spPr/>
+        <p:spPr>
+          <a:xfrm>
+            <a:off x="457200" y="1143000"/>
+            <a:ext cx="8229600" cy="4525963"/>
+          </a:xfrm>
+        </p:spPr>
         <p:txBody>
           <a:bodyPr/>
           <a:lstStyle/>
           <a:p>
             <a:r>
               <a:rPr lang="en-US" dirty="0" smtClean="0"/>
-              <a:t>Initialize</a:t>
-            </a:r>
-          </a:p>
-          <a:p>
+              <a:t>Element operations very slow!</a:t>
+            </a:r>
             <a:endParaRPr lang="en-US" dirty="0" smtClean="0"/>
           </a:p>
-          <a:p>
-            <a:endParaRPr lang="en-US" dirty="0" smtClean="0"/>
-          </a:p>
-          <a:p>
-            <a:endParaRPr lang="en-US" dirty="0" smtClean="0"/>
-          </a:p>
-          <a:p>
-            <a:r>
-              <a:rPr lang="en-US" dirty="0" smtClean="0"/>
-              <a:t>Access</a:t>
-            </a:r>
-          </a:p>
-          <a:p>
-            <a:endParaRPr lang="en-US" dirty="0" smtClean="0"/>
-          </a:p>
-          <a:p>
-            <a:endParaRPr lang="en-US" dirty="0" smtClean="0"/>
-          </a:p>
-          <a:p>
-            <a:endParaRPr lang="en-US" dirty="0" smtClean="0"/>
-          </a:p>
-          <a:p>
-            <a:r>
-              <a:rPr lang="en-US" dirty="0" smtClean="0"/>
-              <a:t>Assign</a:t>
-            </a:r>
-            <a:endParaRPr lang="en-US" dirty="0"/>
-          </a:p>
         </p:txBody>
       </p:sp>
       <p:sp>
@@ -5735,14 +5536,19 @@
             <p:ph type="title"/>
           </p:nvPr>
         </p:nvSpPr>
-        <p:spPr/>
+        <p:spPr>
+          <a:xfrm>
+            <a:off x="457200" y="274638"/>
+            <a:ext cx="8229600" cy="944562"/>
+          </a:xfrm>
+        </p:spPr>
         <p:txBody>
           <a:bodyPr/>
           <a:lstStyle/>
           <a:p>
             <a:r>
               <a:rPr lang="en-US" dirty="0" smtClean="0"/>
-              <a:t>Jacket - Data</a:t>
+              <a:t>GPU Array</a:t>
             </a:r>
             <a:endParaRPr lang="en-US" dirty="0"/>
           </a:p>
@@ -5750,14 +5556,20 @@
       </p:sp>
       <p:pic>
         <p:nvPicPr>
-          <p:cNvPr id="3074" name="Picture 2"/>
+          <p:cNvPr id="4" name="Picture 2"/>
           <p:cNvPicPr>
             <a:picLocks noChangeAspect="1" noChangeArrowheads="1"/>
           </p:cNvPicPr>
           <p:nvPr/>
         </p:nvPicPr>
         <p:blipFill>
-          <a:blip r:embed="rId2" cstate="print"/>
+          <a:blip r:embed="rId2">
+            <a:extLst>
+              <a:ext uri="{28A0092B-C50C-407E-A947-70E740481C1C}">
+                <a14:useLocalDpi xmlns:a14="http://schemas.microsoft.com/office/drawing/2010/main" val="0"/>
+              </a:ext>
+            </a:extLst>
+          </a:blip>
           <a:srcRect/>
           <a:stretch>
             <a:fillRect/>
@@ -5765,31 +5577,63 @@
         </p:blipFill>
         <p:spPr bwMode="auto">
           <a:xfrm>
-            <a:off x="2514600" y="1143000"/>
-            <a:ext cx="3200400" cy="1909999"/>
+            <a:off x="457201" y="1600200"/>
+            <a:ext cx="4114799" cy="2730499"/>
           </a:xfrm>
           <a:prstGeom prst="rect">
             <a:avLst/>
           </a:prstGeom>
           <a:noFill/>
-          <a:ln w="9525">
+          <a:ln>
             <a:noFill/>
-            <a:miter lim="800000"/>
-            <a:headEnd/>
-            <a:tailEnd/>
           </a:ln>
+          <a:effectLst/>
+          <a:extLst>
+            <a:ext uri="{909E8E84-426E-40DD-AFC4-6F175D3DCCD1}">
+              <a14:hiddenFill xmlns:a14="http://schemas.microsoft.com/office/drawing/2010/main">
+                <a:solidFill>
+                  <a:schemeClr val="accent1"/>
+                </a:solidFill>
+              </a14:hiddenFill>
+            </a:ext>
+            <a:ext uri="{91240B29-F687-4F45-9708-019B960494DF}">
+              <a14:hiddenLine xmlns:a14="http://schemas.microsoft.com/office/drawing/2010/main" w="9525">
+                <a:solidFill>
+                  <a:schemeClr val="tx1"/>
+                </a:solidFill>
+                <a:miter lim="800000"/>
+                <a:headEnd/>
+                <a:tailEnd/>
+              </a14:hiddenLine>
+            </a:ext>
+            <a:ext uri="{AF507438-7753-43E0-B8FC-AC1667EBCBE1}">
+              <a14:hiddenEffects xmlns:a14="http://schemas.microsoft.com/office/drawing/2010/main">
+                <a:effectLst>
+                  <a:outerShdw dist="35921" dir="2700000" algn="ctr" rotWithShape="0">
+                    <a:schemeClr val="bg2"/>
+                  </a:outerShdw>
+                </a:effectLst>
+              </a14:hiddenEffects>
+            </a:ext>
+          </a:extLst>
         </p:spPr>
       </p:pic>
       <p:pic>
         <p:nvPicPr>
-          <p:cNvPr id="3075" name="Picture 3"/>
+          <p:cNvPr id="2051" name="Picture 3"/>
           <p:cNvPicPr>
             <a:picLocks noChangeAspect="1" noChangeArrowheads="1"/>
           </p:cNvPicPr>
           <p:nvPr/>
         </p:nvPicPr>
         <p:blipFill>
-          <a:blip r:embed="rId3" cstate="print"/>
+          <a:blip r:embed="rId3">
+            <a:extLst>
+              <a:ext uri="{28A0092B-C50C-407E-A947-70E740481C1C}">
+                <a14:useLocalDpi xmlns:a14="http://schemas.microsoft.com/office/drawing/2010/main" val="0"/>
+              </a:ext>
+            </a:extLst>
+          </a:blip>
           <a:srcRect/>
           <a:stretch>
             <a:fillRect/>
@@ -5797,31 +5641,63 @@
         </p:blipFill>
         <p:spPr bwMode="auto">
           <a:xfrm>
-            <a:off x="2590800" y="2971800"/>
-            <a:ext cx="3124200" cy="1873507"/>
+            <a:off x="4528457" y="1667668"/>
+            <a:ext cx="4207618" cy="2747962"/>
           </a:xfrm>
           <a:prstGeom prst="rect">
             <a:avLst/>
           </a:prstGeom>
           <a:noFill/>
-          <a:ln w="9525">
+          <a:ln>
             <a:noFill/>
-            <a:miter lim="800000"/>
-            <a:headEnd/>
-            <a:tailEnd/>
           </a:ln>
+          <a:effectLst/>
+          <a:extLst>
+            <a:ext uri="{909E8E84-426E-40DD-AFC4-6F175D3DCCD1}">
+              <a14:hiddenFill xmlns:a14="http://schemas.microsoft.com/office/drawing/2010/main">
+                <a:solidFill>
+                  <a:schemeClr val="accent1"/>
+                </a:solidFill>
+              </a14:hiddenFill>
+            </a:ext>
+            <a:ext uri="{91240B29-F687-4F45-9708-019B960494DF}">
+              <a14:hiddenLine xmlns:a14="http://schemas.microsoft.com/office/drawing/2010/main" w="9525">
+                <a:solidFill>
+                  <a:schemeClr val="tx1"/>
+                </a:solidFill>
+                <a:miter lim="800000"/>
+                <a:headEnd/>
+                <a:tailEnd/>
+              </a14:hiddenLine>
+            </a:ext>
+            <a:ext uri="{AF507438-7753-43E0-B8FC-AC1667EBCBE1}">
+              <a14:hiddenEffects xmlns:a14="http://schemas.microsoft.com/office/drawing/2010/main">
+                <a:effectLst>
+                  <a:outerShdw dist="35921" dir="2700000" algn="ctr" rotWithShape="0">
+                    <a:schemeClr val="bg2"/>
+                  </a:outerShdw>
+                </a:effectLst>
+              </a14:hiddenEffects>
+            </a:ext>
+          </a:extLst>
         </p:spPr>
       </p:pic>
       <p:pic>
         <p:nvPicPr>
-          <p:cNvPr id="3076" name="Picture 4"/>
+          <p:cNvPr id="2052" name="Picture 4"/>
           <p:cNvPicPr>
             <a:picLocks noChangeAspect="1" noChangeArrowheads="1"/>
           </p:cNvPicPr>
           <p:nvPr/>
         </p:nvPicPr>
         <p:blipFill>
-          <a:blip r:embed="rId4" cstate="print"/>
+          <a:blip r:embed="rId4">
+            <a:extLst>
+              <a:ext uri="{28A0092B-C50C-407E-A947-70E740481C1C}">
+                <a14:useLocalDpi xmlns:a14="http://schemas.microsoft.com/office/drawing/2010/main" val="0"/>
+              </a:ext>
+            </a:extLst>
+          </a:blip>
           <a:srcRect/>
           <a:stretch>
             <a:fillRect/>
@@ -5829,31 +5705,63 @@
         </p:blipFill>
         <p:spPr bwMode="auto">
           <a:xfrm>
-            <a:off x="2667000" y="4765525"/>
-            <a:ext cx="3124200" cy="1711474"/>
+            <a:off x="457201" y="4044288"/>
+            <a:ext cx="4114799" cy="2766199"/>
           </a:xfrm>
           <a:prstGeom prst="rect">
             <a:avLst/>
           </a:prstGeom>
           <a:noFill/>
-          <a:ln w="9525">
+          <a:ln>
             <a:noFill/>
-            <a:miter lim="800000"/>
-            <a:headEnd/>
-            <a:tailEnd/>
           </a:ln>
+          <a:effectLst/>
+          <a:extLst>
+            <a:ext uri="{909E8E84-426E-40DD-AFC4-6F175D3DCCD1}">
+              <a14:hiddenFill xmlns:a14="http://schemas.microsoft.com/office/drawing/2010/main">
+                <a:solidFill>
+                  <a:schemeClr val="accent1"/>
+                </a:solidFill>
+              </a14:hiddenFill>
+            </a:ext>
+            <a:ext uri="{91240B29-F687-4F45-9708-019B960494DF}">
+              <a14:hiddenLine xmlns:a14="http://schemas.microsoft.com/office/drawing/2010/main" w="9525">
+                <a:solidFill>
+                  <a:schemeClr val="tx1"/>
+                </a:solidFill>
+                <a:miter lim="800000"/>
+                <a:headEnd/>
+                <a:tailEnd/>
+              </a14:hiddenLine>
+            </a:ext>
+            <a:ext uri="{AF507438-7753-43E0-B8FC-AC1667EBCBE1}">
+              <a14:hiddenEffects xmlns:a14="http://schemas.microsoft.com/office/drawing/2010/main">
+                <a:effectLst>
+                  <a:outerShdw dist="35921" dir="2700000" algn="ctr" rotWithShape="0">
+                    <a:schemeClr val="bg2"/>
+                  </a:outerShdw>
+                </a:effectLst>
+              </a14:hiddenEffects>
+            </a:ext>
+          </a:extLst>
         </p:spPr>
       </p:pic>
       <p:pic>
         <p:nvPicPr>
-          <p:cNvPr id="3077" name="Picture 5"/>
+          <p:cNvPr id="2053" name="Picture 5"/>
           <p:cNvPicPr>
             <a:picLocks noChangeAspect="1" noChangeArrowheads="1"/>
           </p:cNvPicPr>
           <p:nvPr/>
         </p:nvPicPr>
         <p:blipFill>
-          <a:blip r:embed="rId5" cstate="print"/>
+          <a:blip r:embed="rId5">
+            <a:extLst>
+              <a:ext uri="{28A0092B-C50C-407E-A947-70E740481C1C}">
+                <a14:useLocalDpi xmlns:a14="http://schemas.microsoft.com/office/drawing/2010/main" val="0"/>
+              </a:ext>
+            </a:extLst>
+          </a:blip>
           <a:srcRect/>
           <a:stretch>
             <a:fillRect/>
@@ -5861,83 +5769,45 @@
         </p:blipFill>
         <p:spPr bwMode="auto">
           <a:xfrm>
-            <a:off x="5715000" y="990600"/>
-            <a:ext cx="1905000" cy="1467787"/>
+            <a:off x="4671101" y="4094791"/>
+            <a:ext cx="4064973" cy="2726582"/>
           </a:xfrm>
           <a:prstGeom prst="rect">
             <a:avLst/>
           </a:prstGeom>
           <a:noFill/>
-          <a:ln w="9525">
+          <a:ln>
             <a:noFill/>
-            <a:miter lim="800000"/>
-            <a:headEnd/>
-            <a:tailEnd/>
           </a:ln>
-        </p:spPr>
-      </p:pic>
-      <p:pic>
-        <p:nvPicPr>
-          <p:cNvPr id="9" name="Picture 5"/>
-          <p:cNvPicPr>
-            <a:picLocks noChangeAspect="1" noChangeArrowheads="1"/>
-          </p:cNvPicPr>
-          <p:nvPr/>
-        </p:nvPicPr>
-        <p:blipFill>
-          <a:blip r:embed="rId5" cstate="print"/>
-          <a:srcRect/>
-          <a:stretch>
-            <a:fillRect/>
-          </a:stretch>
-        </p:blipFill>
-        <p:spPr bwMode="auto">
-          <a:xfrm>
-            <a:off x="5943600" y="4876800"/>
-            <a:ext cx="1905000" cy="1467787"/>
-          </a:xfrm>
-          <a:prstGeom prst="rect">
-            <a:avLst/>
-          </a:prstGeom>
-          <a:noFill/>
-          <a:ln w="9525">
-            <a:noFill/>
-            <a:miter lim="800000"/>
-            <a:headEnd/>
-            <a:tailEnd/>
-          </a:ln>
-        </p:spPr>
-      </p:pic>
-      <p:pic>
-        <p:nvPicPr>
-          <p:cNvPr id="3078" name="Picture 6"/>
-          <p:cNvPicPr>
-            <a:picLocks noChangeAspect="1" noChangeArrowheads="1"/>
-          </p:cNvPicPr>
-          <p:nvPr/>
-        </p:nvPicPr>
-        <p:blipFill>
-          <a:blip r:embed="rId6" cstate="print"/>
-          <a:srcRect/>
-          <a:stretch>
-            <a:fillRect/>
-          </a:stretch>
-        </p:blipFill>
-        <p:spPr bwMode="auto">
-          <a:xfrm>
-            <a:off x="5943600" y="2743200"/>
-            <a:ext cx="1526875" cy="1498600"/>
-          </a:xfrm>
-          <a:prstGeom prst="rect">
-            <a:avLst/>
-          </a:prstGeom>
-          <a:noFill/>
-          <a:ln w="9525">
-            <a:noFill/>
-            <a:miter lim="800000"/>
-            <a:headEnd/>
-            <a:tailEnd/>
-          </a:ln>
+          <a:effectLst/>
+          <a:extLst>
+            <a:ext uri="{909E8E84-426E-40DD-AFC4-6F175D3DCCD1}">
+              <a14:hiddenFill xmlns:a14="http://schemas.microsoft.com/office/drawing/2010/main">
+                <a:solidFill>
+                  <a:schemeClr val="accent1"/>
+                </a:solidFill>
+              </a14:hiddenFill>
+            </a:ext>
+            <a:ext uri="{91240B29-F687-4F45-9708-019B960494DF}">
+              <a14:hiddenLine xmlns:a14="http://schemas.microsoft.com/office/drawing/2010/main" w="9525">
+                <a:solidFill>
+                  <a:schemeClr val="tx1"/>
+                </a:solidFill>
+                <a:miter lim="800000"/>
+                <a:headEnd/>
+                <a:tailEnd/>
+              </a14:hiddenLine>
+            </a:ext>
+            <a:ext uri="{AF507438-7753-43E0-B8FC-AC1667EBCBE1}">
+              <a14:hiddenEffects xmlns:a14="http://schemas.microsoft.com/office/drawing/2010/main">
+                <a:effectLst>
+                  <a:outerShdw dist="35921" dir="2700000" algn="ctr" rotWithShape="0">
+                    <a:schemeClr val="bg2"/>
+                  </a:outerShdw>
+                </a:effectLst>
+              </a14:hiddenEffects>
+            </a:ext>
+          </a:extLst>
         </p:spPr>
       </p:pic>
     </p:spTree>
@@ -5975,56 +5845,22 @@
             <p:ph idx="1"/>
           </p:nvPr>
         </p:nvSpPr>
-        <p:spPr/>
+        <p:spPr>
+          <a:xfrm>
+            <a:off x="457200" y="1143000"/>
+            <a:ext cx="8229600" cy="4525963"/>
+          </a:xfrm>
+        </p:spPr>
         <p:txBody>
           <a:bodyPr/>
           <a:lstStyle/>
           <a:p>
             <a:r>
               <a:rPr lang="en-US" dirty="0" smtClean="0"/>
-              <a:t>Add/Sub</a:t>
-            </a:r>
-          </a:p>
-          <a:p>
+              <a:t>Array operations are a toss-up…</a:t>
+            </a:r>
             <a:endParaRPr lang="en-US" dirty="0" smtClean="0"/>
           </a:p>
-          <a:p>
-            <a:endParaRPr lang="en-US" dirty="0" smtClean="0"/>
-          </a:p>
-          <a:p>
-            <a:pPr>
-              <a:buNone/>
-            </a:pPr>
-            <a:endParaRPr lang="en-US" dirty="0" smtClean="0"/>
-          </a:p>
-          <a:p>
-            <a:pPr>
-              <a:buNone/>
-            </a:pPr>
-            <a:endParaRPr lang="en-US" dirty="0" smtClean="0"/>
-          </a:p>
-          <a:p>
-            <a:r>
-              <a:rPr lang="en-US" dirty="0" err="1" smtClean="0"/>
-              <a:t>Mult</a:t>
-            </a:r>
-            <a:r>
-              <a:rPr lang="en-US" dirty="0" smtClean="0"/>
-              <a:t> </a:t>
-            </a:r>
-          </a:p>
-          <a:p>
-            <a:endParaRPr lang="en-US" dirty="0" smtClean="0"/>
-          </a:p>
-          <a:p>
-            <a:endParaRPr lang="en-US" dirty="0" smtClean="0"/>
-          </a:p>
-          <a:p>
-            <a:endParaRPr lang="en-US" dirty="0" smtClean="0"/>
-          </a:p>
-          <a:p>
-            <a:endParaRPr lang="en-US" dirty="0"/>
-          </a:p>
         </p:txBody>
       </p:sp>
       <p:sp>
@@ -6037,14 +5873,19 @@
             <p:ph type="title"/>
           </p:nvPr>
         </p:nvSpPr>
-        <p:spPr/>
+        <p:spPr>
+          <a:xfrm>
+            <a:off x="457200" y="274638"/>
+            <a:ext cx="8229600" cy="944562"/>
+          </a:xfrm>
+        </p:spPr>
         <p:txBody>
           <a:bodyPr/>
           <a:lstStyle/>
           <a:p>
             <a:r>
               <a:rPr lang="en-US" dirty="0" smtClean="0"/>
-              <a:t>Jacket - Math</a:t>
+              <a:t>GPU Array</a:t>
             </a:r>
             <a:endParaRPr lang="en-US" dirty="0"/>
           </a:p>
@@ -6052,14 +5893,20 @@
       </p:sp>
       <p:pic>
         <p:nvPicPr>
-          <p:cNvPr id="4098" name="Picture 2"/>
+          <p:cNvPr id="3077" name="Picture 5"/>
           <p:cNvPicPr>
             <a:picLocks noChangeAspect="1" noChangeArrowheads="1"/>
           </p:cNvPicPr>
           <p:nvPr/>
         </p:nvPicPr>
         <p:blipFill>
-          <a:blip r:embed="rId2" cstate="print"/>
+          <a:blip r:embed="rId2">
+            <a:extLst>
+              <a:ext uri="{28A0092B-C50C-407E-A947-70E740481C1C}">
+                <a14:useLocalDpi xmlns:a14="http://schemas.microsoft.com/office/drawing/2010/main" val="0"/>
+              </a:ext>
+            </a:extLst>
+          </a:blip>
           <a:srcRect/>
           <a:stretch>
             <a:fillRect/>
@@ -6067,31 +5914,63 @@
         </p:blipFill>
         <p:spPr bwMode="auto">
           <a:xfrm>
-            <a:off x="2514600" y="1295400"/>
-            <a:ext cx="3581400" cy="2148840"/>
+            <a:off x="649239" y="1524340"/>
+            <a:ext cx="4176647" cy="2771775"/>
           </a:xfrm>
           <a:prstGeom prst="rect">
             <a:avLst/>
           </a:prstGeom>
           <a:noFill/>
-          <a:ln w="9525">
+          <a:ln>
             <a:noFill/>
-            <a:miter lim="800000"/>
-            <a:headEnd/>
-            <a:tailEnd/>
           </a:ln>
+          <a:effectLst/>
+          <a:extLst>
+            <a:ext uri="{909E8E84-426E-40DD-AFC4-6F175D3DCCD1}">
+              <a14:hiddenFill xmlns:a14="http://schemas.microsoft.com/office/drawing/2010/main">
+                <a:solidFill>
+                  <a:schemeClr val="accent1"/>
+                </a:solidFill>
+              </a14:hiddenFill>
+            </a:ext>
+            <a:ext uri="{91240B29-F687-4F45-9708-019B960494DF}">
+              <a14:hiddenLine xmlns:a14="http://schemas.microsoft.com/office/drawing/2010/main" w="9525">
+                <a:solidFill>
+                  <a:schemeClr val="tx1"/>
+                </a:solidFill>
+                <a:miter lim="800000"/>
+                <a:headEnd/>
+                <a:tailEnd/>
+              </a14:hiddenLine>
+            </a:ext>
+            <a:ext uri="{AF507438-7753-43E0-B8FC-AC1667EBCBE1}">
+              <a14:hiddenEffects xmlns:a14="http://schemas.microsoft.com/office/drawing/2010/main">
+                <a:effectLst>
+                  <a:outerShdw dist="35921" dir="2700000" algn="ctr" rotWithShape="0">
+                    <a:schemeClr val="bg2"/>
+                  </a:outerShdw>
+                </a:effectLst>
+              </a14:hiddenEffects>
+            </a:ext>
+          </a:extLst>
         </p:spPr>
       </p:pic>
       <p:pic>
         <p:nvPicPr>
-          <p:cNvPr id="4100" name="Picture 4"/>
+          <p:cNvPr id="3074" name="Picture 2"/>
           <p:cNvPicPr>
             <a:picLocks noChangeAspect="1" noChangeArrowheads="1"/>
           </p:cNvPicPr>
           <p:nvPr/>
         </p:nvPicPr>
         <p:blipFill>
-          <a:blip r:embed="rId3" cstate="print"/>
+          <a:blip r:embed="rId3">
+            <a:extLst>
+              <a:ext uri="{28A0092B-C50C-407E-A947-70E740481C1C}">
+                <a14:useLocalDpi xmlns:a14="http://schemas.microsoft.com/office/drawing/2010/main" val="0"/>
+              </a:ext>
+            </a:extLst>
+          </a:blip>
           <a:srcRect/>
           <a:stretch>
             <a:fillRect/>
@@ -6099,60 +5978,181 @@
         </p:blipFill>
         <p:spPr bwMode="auto">
           <a:xfrm>
-            <a:off x="2514599" y="3657600"/>
-            <a:ext cx="3673207" cy="2209800"/>
+            <a:off x="711086" y="3957778"/>
+            <a:ext cx="4114800" cy="2755726"/>
           </a:xfrm>
           <a:prstGeom prst="rect">
             <a:avLst/>
           </a:prstGeom>
           <a:noFill/>
-          <a:ln w="9525">
+          <a:ln>
             <a:noFill/>
-            <a:miter lim="800000"/>
-            <a:headEnd/>
-            <a:tailEnd/>
           </a:ln>
+          <a:effectLst/>
+          <a:extLst>
+            <a:ext uri="{909E8E84-426E-40DD-AFC4-6F175D3DCCD1}">
+              <a14:hiddenFill xmlns:a14="http://schemas.microsoft.com/office/drawing/2010/main">
+                <a:solidFill>
+                  <a:schemeClr val="accent1"/>
+                </a:solidFill>
+              </a14:hiddenFill>
+            </a:ext>
+            <a:ext uri="{91240B29-F687-4F45-9708-019B960494DF}">
+              <a14:hiddenLine xmlns:a14="http://schemas.microsoft.com/office/drawing/2010/main" w="9525">
+                <a:solidFill>
+                  <a:schemeClr val="tx1"/>
+                </a:solidFill>
+                <a:miter lim="800000"/>
+                <a:headEnd/>
+                <a:tailEnd/>
+              </a14:hiddenLine>
+            </a:ext>
+            <a:ext uri="{AF507438-7753-43E0-B8FC-AC1667EBCBE1}">
+              <a14:hiddenEffects xmlns:a14="http://schemas.microsoft.com/office/drawing/2010/main">
+                <a:effectLst>
+                  <a:outerShdw dist="35921" dir="2700000" algn="ctr" rotWithShape="0">
+                    <a:schemeClr val="bg2"/>
+                  </a:outerShdw>
+                </a:effectLst>
+              </a14:hiddenEffects>
+            </a:ext>
+          </a:extLst>
         </p:spPr>
       </p:pic>
-      <p:sp>
-        <p:nvSpPr>
-          <p:cNvPr id="7" name="TextBox 6"/>
-          <p:cNvSpPr txBox="1"/>
+      <p:pic>
+        <p:nvPicPr>
+          <p:cNvPr id="3075" name="Picture 3"/>
+          <p:cNvPicPr>
+            <a:picLocks noChangeAspect="1" noChangeArrowheads="1"/>
+          </p:cNvPicPr>
           <p:nvPr/>
-        </p:nvSpPr>
-        <p:spPr>
+        </p:nvPicPr>
+        <p:blipFill>
+          <a:blip r:embed="rId4">
+            <a:extLst>
+              <a:ext uri="{28A0092B-C50C-407E-A947-70E740481C1C}">
+                <a14:useLocalDpi xmlns:a14="http://schemas.microsoft.com/office/drawing/2010/main" val="0"/>
+              </a:ext>
+            </a:extLst>
+          </a:blip>
+          <a:srcRect/>
+          <a:stretch>
+            <a:fillRect/>
+          </a:stretch>
+        </p:blipFill>
+        <p:spPr bwMode="auto">
           <a:xfrm>
-            <a:off x="6248400" y="1828800"/>
-            <a:ext cx="2667000" cy="3416320"/>
+            <a:off x="4648199" y="1515674"/>
+            <a:ext cx="4180119" cy="2780441"/>
           </a:xfrm>
           <a:prstGeom prst="rect">
             <a:avLst/>
           </a:prstGeom>
-          <a:solidFill>
-            <a:schemeClr val="accent1"/>
-          </a:solidFill>
+          <a:noFill/>
+          <a:ln>
+            <a:noFill/>
+          </a:ln>
+          <a:effectLst/>
+          <a:extLst>
+            <a:ext uri="{909E8E84-426E-40DD-AFC4-6F175D3DCCD1}">
+              <a14:hiddenFill xmlns:a14="http://schemas.microsoft.com/office/drawing/2010/main">
+                <a:solidFill>
+                  <a:schemeClr val="accent1"/>
+                </a:solidFill>
+              </a14:hiddenFill>
+            </a:ext>
+            <a:ext uri="{91240B29-F687-4F45-9708-019B960494DF}">
+              <a14:hiddenLine xmlns:a14="http://schemas.microsoft.com/office/drawing/2010/main" w="9525">
+                <a:solidFill>
+                  <a:schemeClr val="tx1"/>
+                </a:solidFill>
+                <a:miter lim="800000"/>
+                <a:headEnd/>
+                <a:tailEnd/>
+              </a14:hiddenLine>
+            </a:ext>
+            <a:ext uri="{AF507438-7753-43E0-B8FC-AC1667EBCBE1}">
+              <a14:hiddenEffects xmlns:a14="http://schemas.microsoft.com/office/drawing/2010/main">
+                <a:effectLst>
+                  <a:outerShdw dist="35921" dir="2700000" algn="ctr" rotWithShape="0">
+                    <a:schemeClr val="bg2"/>
+                  </a:outerShdw>
+                </a:effectLst>
+              </a14:hiddenEffects>
+            </a:ext>
+          </a:extLst>
         </p:spPr>
-        <p:txBody>
-          <a:bodyPr wrap="square" rtlCol="0">
-            <a:spAutoFit/>
-          </a:bodyPr>
-          <a:lstStyle/>
-          <a:p>
-            <a:r>
-              <a:rPr lang="en-US" sz="3600" dirty="0" smtClean="0"/>
-              <a:t>Large amounts </a:t>
-            </a:r>
-          </a:p>
-          <a:p>
-            <a:r>
-              <a:rPr lang="en-US" sz="3600" dirty="0" smtClean="0"/>
-              <a:t>of data required to show its power!</a:t>
-            </a:r>
-            <a:endParaRPr lang="en-US" sz="3600" dirty="0"/>
-          </a:p>
-        </p:txBody>
-      </p:sp>
+      </p:pic>
+      <p:pic>
+        <p:nvPicPr>
+          <p:cNvPr id="3076" name="Picture 4"/>
+          <p:cNvPicPr>
+            <a:picLocks noChangeAspect="1" noChangeArrowheads="1"/>
+          </p:cNvPicPr>
+          <p:nvPr/>
+        </p:nvPicPr>
+        <p:blipFill>
+          <a:blip r:embed="rId5">
+            <a:extLst>
+              <a:ext uri="{28A0092B-C50C-407E-A947-70E740481C1C}">
+                <a14:useLocalDpi xmlns:a14="http://schemas.microsoft.com/office/drawing/2010/main" val="0"/>
+              </a:ext>
+            </a:extLst>
+          </a:blip>
+          <a:srcRect/>
+          <a:stretch>
+            <a:fillRect/>
+          </a:stretch>
+        </p:blipFill>
+        <p:spPr bwMode="auto">
+          <a:xfrm>
+            <a:off x="4724400" y="3908884"/>
+            <a:ext cx="4254445" cy="2853513"/>
+          </a:xfrm>
+          <a:prstGeom prst="rect">
+            <a:avLst/>
+          </a:prstGeom>
+          <a:noFill/>
+          <a:ln>
+            <a:noFill/>
+          </a:ln>
+          <a:effectLst/>
+          <a:extLst>
+            <a:ext uri="{909E8E84-426E-40DD-AFC4-6F175D3DCCD1}">
+              <a14:hiddenFill xmlns:a14="http://schemas.microsoft.com/office/drawing/2010/main">
+                <a:solidFill>
+                  <a:schemeClr val="accent1"/>
+                </a:solidFill>
+              </a14:hiddenFill>
+            </a:ext>
+            <a:ext uri="{91240B29-F687-4F45-9708-019B960494DF}">
+              <a14:hiddenLine xmlns:a14="http://schemas.microsoft.com/office/drawing/2010/main" w="9525">
+                <a:solidFill>
+                  <a:schemeClr val="tx1"/>
+                </a:solidFill>
+                <a:miter lim="800000"/>
+                <a:headEnd/>
+                <a:tailEnd/>
+              </a14:hiddenLine>
+            </a:ext>
+            <a:ext uri="{AF507438-7753-43E0-B8FC-AC1667EBCBE1}">
+              <a14:hiddenEffects xmlns:a14="http://schemas.microsoft.com/office/drawing/2010/main">
+                <a:effectLst>
+                  <a:outerShdw dist="35921" dir="2700000" algn="ctr" rotWithShape="0">
+                    <a:schemeClr val="bg2"/>
+                  </a:outerShdw>
+                </a:effectLst>
+              </a14:hiddenEffects>
+            </a:ext>
+          </a:extLst>
+        </p:spPr>
+      </p:pic>
     </p:spTree>
+    <p:extLst>
+      <p:ext uri="{BB962C8B-B14F-4D97-AF65-F5344CB8AC3E}">
+        <p14:creationId xmlns:p14="http://schemas.microsoft.com/office/powerpoint/2010/main" val="3303326170"/>
+      </p:ext>
+    </p:extLst>
   </p:cSld>
   <p:clrMapOvr>
     <a:masterClrMapping/>
@@ -6187,41 +6187,22 @@
             <p:ph idx="1"/>
           </p:nvPr>
         </p:nvSpPr>
-        <p:spPr/>
+        <p:spPr>
+          <a:xfrm>
+            <a:off x="457200" y="1051065"/>
+            <a:ext cx="8229600" cy="4525963"/>
+          </a:xfrm>
+        </p:spPr>
         <p:txBody>
           <a:bodyPr/>
           <a:lstStyle/>
           <a:p>
             <a:r>
               <a:rPr lang="en-US" dirty="0" smtClean="0"/>
-              <a:t>Max</a:t>
-            </a:r>
-          </a:p>
-          <a:p>
+              <a:t>Element operations generally good but access break-even point very high…</a:t>
+            </a:r>
             <a:endParaRPr lang="en-US" dirty="0" smtClean="0"/>
           </a:p>
-          <a:p>
-            <a:endParaRPr lang="en-US" dirty="0" smtClean="0"/>
-          </a:p>
-          <a:p>
-            <a:endParaRPr lang="en-US" dirty="0" smtClean="0"/>
-          </a:p>
-          <a:p>
-            <a:endParaRPr lang="en-US" dirty="0" smtClean="0"/>
-          </a:p>
-          <a:p>
-            <a:pPr>
-              <a:buNone/>
-            </a:pPr>
-            <a:endParaRPr lang="en-US" dirty="0" smtClean="0"/>
-          </a:p>
-          <a:p>
-            <a:r>
-              <a:rPr lang="en-US" dirty="0" smtClean="0"/>
-              <a:t>Sort</a:t>
-            </a:r>
-            <a:endParaRPr lang="en-US" dirty="0"/>
-          </a:p>
         </p:txBody>
       </p:sp>
       <p:sp>
@@ -6234,152 +6215,301 @@
             <p:ph type="title"/>
           </p:nvPr>
         </p:nvSpPr>
-        <p:spPr/>
+        <p:spPr>
+          <a:xfrm>
+            <a:off x="457200" y="274638"/>
+            <a:ext cx="8229600" cy="944562"/>
+          </a:xfrm>
+        </p:spPr>
         <p:txBody>
           <a:bodyPr/>
           <a:lstStyle/>
           <a:p>
             <a:r>
               <a:rPr lang="en-US" dirty="0" smtClean="0"/>
-              <a:t>Jacket - </a:t>
-            </a:r>
-            <a:r>
-              <a:rPr lang="en-US" dirty="0" smtClean="0"/>
-              <a:t>Other</a:t>
+              <a:t>Jacket</a:t>
             </a:r>
             <a:endParaRPr lang="en-US" dirty="0"/>
           </a:p>
         </p:txBody>
       </p:sp>
-      <p:pic>
-        <p:nvPicPr>
-          <p:cNvPr id="5122" name="Picture 2"/>
-          <p:cNvPicPr>
-            <a:picLocks noChangeAspect="1" noChangeArrowheads="1"/>
-          </p:cNvPicPr>
+      <p:grpSp>
+        <p:nvGrpSpPr>
+          <p:cNvPr id="5" name="Group 4"/>
+          <p:cNvGrpSpPr/>
           <p:nvPr/>
-        </p:nvPicPr>
-        <p:blipFill>
-          <a:blip r:embed="rId2" cstate="print"/>
-          <a:srcRect/>
-          <a:stretch>
-            <a:fillRect/>
-          </a:stretch>
-        </p:blipFill>
-        <p:spPr bwMode="auto">
+        </p:nvGrpSpPr>
+        <p:grpSpPr>
           <a:xfrm>
-            <a:off x="1981200" y="1295400"/>
-            <a:ext cx="4236358" cy="2543175"/>
+            <a:off x="838200" y="1981200"/>
+            <a:ext cx="7369915" cy="4876800"/>
+            <a:chOff x="295734" y="1343025"/>
+            <a:chExt cx="12601575" cy="8338679"/>
           </a:xfrm>
-          <a:prstGeom prst="rect">
-            <a:avLst/>
-          </a:prstGeom>
-          <a:noFill/>
-          <a:ln w="9525">
+        </p:grpSpPr>
+        <p:pic>
+          <p:nvPicPr>
+            <p:cNvPr id="4098" name="Picture 2"/>
+            <p:cNvPicPr>
+              <a:picLocks noChangeAspect="1" noChangeArrowheads="1"/>
+            </p:cNvPicPr>
+            <p:nvPr/>
+          </p:nvPicPr>
+          <p:blipFill>
+            <a:blip r:embed="rId2">
+              <a:extLst>
+                <a:ext uri="{28A0092B-C50C-407E-A947-70E740481C1C}">
+                  <a14:useLocalDpi xmlns:a14="http://schemas.microsoft.com/office/drawing/2010/main" val="0"/>
+                </a:ext>
+              </a:extLst>
+            </a:blip>
+            <a:srcRect/>
+            <a:stretch>
+              <a:fillRect/>
+            </a:stretch>
+          </p:blipFill>
+          <p:spPr bwMode="auto">
+            <a:xfrm>
+              <a:off x="304800" y="1447800"/>
+              <a:ext cx="6315075" cy="4114800"/>
+            </a:xfrm>
+            <a:prstGeom prst="rect">
+              <a:avLst/>
+            </a:prstGeom>
             <a:noFill/>
-            <a:miter lim="800000"/>
-            <a:headEnd/>
-            <a:tailEnd/>
-          </a:ln>
-        </p:spPr>
-      </p:pic>
-      <p:pic>
-        <p:nvPicPr>
-          <p:cNvPr id="5123" name="Picture 3"/>
-          <p:cNvPicPr>
-            <a:picLocks noChangeAspect="1" noChangeArrowheads="1"/>
-          </p:cNvPicPr>
-          <p:nvPr/>
-        </p:nvPicPr>
-        <p:blipFill>
-          <a:blip r:embed="rId3" cstate="print"/>
-          <a:srcRect/>
-          <a:stretch>
-            <a:fillRect/>
-          </a:stretch>
-        </p:blipFill>
-        <p:spPr bwMode="auto">
-          <a:xfrm>
-            <a:off x="2057400" y="3886200"/>
-            <a:ext cx="4182035" cy="2514600"/>
-          </a:xfrm>
-          <a:prstGeom prst="rect">
-            <a:avLst/>
-          </a:prstGeom>
-          <a:noFill/>
-          <a:ln w="9525">
+            <a:ln>
+              <a:noFill/>
+            </a:ln>
+            <a:effectLst/>
+            <a:extLst>
+              <a:ext uri="{909E8E84-426E-40DD-AFC4-6F175D3DCCD1}">
+                <a14:hiddenFill xmlns:a14="http://schemas.microsoft.com/office/drawing/2010/main">
+                  <a:solidFill>
+                    <a:schemeClr val="accent1"/>
+                  </a:solidFill>
+                </a14:hiddenFill>
+              </a:ext>
+              <a:ext uri="{91240B29-F687-4F45-9708-019B960494DF}">
+                <a14:hiddenLine xmlns:a14="http://schemas.microsoft.com/office/drawing/2010/main" w="9525">
+                  <a:solidFill>
+                    <a:schemeClr val="tx1"/>
+                  </a:solidFill>
+                  <a:miter lim="800000"/>
+                  <a:headEnd/>
+                  <a:tailEnd/>
+                </a14:hiddenLine>
+              </a:ext>
+              <a:ext uri="{AF507438-7753-43E0-B8FC-AC1667EBCBE1}">
+                <a14:hiddenEffects xmlns:a14="http://schemas.microsoft.com/office/drawing/2010/main">
+                  <a:effectLst>
+                    <a:outerShdw dist="35921" dir="2700000" algn="ctr" rotWithShape="0">
+                      <a:schemeClr val="bg2"/>
+                    </a:outerShdw>
+                  </a:effectLst>
+                </a14:hiddenEffects>
+              </a:ext>
+            </a:extLst>
+          </p:spPr>
+        </p:pic>
+        <p:pic>
+          <p:nvPicPr>
+            <p:cNvPr id="4099" name="Picture 3"/>
+            <p:cNvPicPr>
+              <a:picLocks noChangeAspect="1" noChangeArrowheads="1"/>
+            </p:cNvPicPr>
+            <p:nvPr/>
+          </p:nvPicPr>
+          <p:blipFill>
+            <a:blip r:embed="rId3">
+              <a:extLst>
+                <a:ext uri="{28A0092B-C50C-407E-A947-70E740481C1C}">
+                  <a14:useLocalDpi xmlns:a14="http://schemas.microsoft.com/office/drawing/2010/main" val="0"/>
+                </a:ext>
+              </a:extLst>
+            </a:blip>
+            <a:srcRect/>
+            <a:stretch>
+              <a:fillRect/>
+            </a:stretch>
+          </p:blipFill>
+          <p:spPr bwMode="auto">
+            <a:xfrm>
+              <a:off x="6582234" y="1343025"/>
+              <a:ext cx="6315075" cy="4219575"/>
+            </a:xfrm>
+            <a:prstGeom prst="rect">
+              <a:avLst/>
+            </a:prstGeom>
             <a:noFill/>
-            <a:miter lim="800000"/>
-            <a:headEnd/>
-            <a:tailEnd/>
-          </a:ln>
-        </p:spPr>
-      </p:pic>
-      <p:pic>
-        <p:nvPicPr>
-          <p:cNvPr id="6" name="Picture 5"/>
-          <p:cNvPicPr>
-            <a:picLocks noChangeAspect="1" noChangeArrowheads="1"/>
-          </p:cNvPicPr>
-          <p:nvPr/>
-        </p:nvPicPr>
-        <p:blipFill>
-          <a:blip r:embed="rId4" cstate="print"/>
-          <a:srcRect/>
-          <a:stretch>
-            <a:fillRect/>
-          </a:stretch>
-        </p:blipFill>
-        <p:spPr bwMode="auto">
-          <a:xfrm>
-            <a:off x="6324600" y="4191000"/>
-            <a:ext cx="1905000" cy="1467787"/>
-          </a:xfrm>
-          <a:prstGeom prst="rect">
-            <a:avLst/>
-          </a:prstGeom>
-          <a:noFill/>
-          <a:ln w="9525">
+            <a:ln>
+              <a:noFill/>
+            </a:ln>
+            <a:effectLst/>
+            <a:extLst>
+              <a:ext uri="{909E8E84-426E-40DD-AFC4-6F175D3DCCD1}">
+                <a14:hiddenFill xmlns:a14="http://schemas.microsoft.com/office/drawing/2010/main">
+                  <a:solidFill>
+                    <a:schemeClr val="accent1"/>
+                  </a:solidFill>
+                </a14:hiddenFill>
+              </a:ext>
+              <a:ext uri="{91240B29-F687-4F45-9708-019B960494DF}">
+                <a14:hiddenLine xmlns:a14="http://schemas.microsoft.com/office/drawing/2010/main" w="9525">
+                  <a:solidFill>
+                    <a:schemeClr val="tx1"/>
+                  </a:solidFill>
+                  <a:miter lim="800000"/>
+                  <a:headEnd/>
+                  <a:tailEnd/>
+                </a14:hiddenLine>
+              </a:ext>
+              <a:ext uri="{AF507438-7753-43E0-B8FC-AC1667EBCBE1}">
+                <a14:hiddenEffects xmlns:a14="http://schemas.microsoft.com/office/drawing/2010/main">
+                  <a:effectLst>
+                    <a:outerShdw dist="35921" dir="2700000" algn="ctr" rotWithShape="0">
+                      <a:schemeClr val="bg2"/>
+                    </a:outerShdw>
+                  </a:effectLst>
+                </a14:hiddenEffects>
+              </a:ext>
+            </a:extLst>
+          </p:spPr>
+        </p:pic>
+        <p:pic>
+          <p:nvPicPr>
+            <p:cNvPr id="4100" name="Picture 4"/>
+            <p:cNvPicPr>
+              <a:picLocks noChangeAspect="1" noChangeArrowheads="1"/>
+            </p:cNvPicPr>
+            <p:nvPr/>
+          </p:nvPicPr>
+          <p:blipFill>
+            <a:blip r:embed="rId4">
+              <a:extLst>
+                <a:ext uri="{28A0092B-C50C-407E-A947-70E740481C1C}">
+                  <a14:useLocalDpi xmlns:a14="http://schemas.microsoft.com/office/drawing/2010/main" val="0"/>
+                </a:ext>
+              </a:extLst>
+            </a:blip>
+            <a:srcRect/>
+            <a:stretch>
+              <a:fillRect/>
+            </a:stretch>
+          </p:blipFill>
+          <p:spPr bwMode="auto">
+            <a:xfrm>
+              <a:off x="295734" y="5538329"/>
+              <a:ext cx="6286500" cy="4143375"/>
+            </a:xfrm>
+            <a:prstGeom prst="rect">
+              <a:avLst/>
+            </a:prstGeom>
             <a:noFill/>
-            <a:miter lim="800000"/>
-            <a:headEnd/>
-            <a:tailEnd/>
-          </a:ln>
-        </p:spPr>
-      </p:pic>
-      <p:pic>
-        <p:nvPicPr>
-          <p:cNvPr id="7" name="Picture 6"/>
-          <p:cNvPicPr>
-            <a:picLocks noChangeAspect="1" noChangeArrowheads="1"/>
-          </p:cNvPicPr>
-          <p:nvPr/>
-        </p:nvPicPr>
-        <p:blipFill>
-          <a:blip r:embed="rId5" cstate="print"/>
-          <a:srcRect/>
-          <a:stretch>
-            <a:fillRect/>
-          </a:stretch>
-        </p:blipFill>
-        <p:spPr bwMode="auto">
-          <a:xfrm>
-            <a:off x="6400800" y="1676400"/>
-            <a:ext cx="1526875" cy="1498600"/>
-          </a:xfrm>
-          <a:prstGeom prst="rect">
-            <a:avLst/>
-          </a:prstGeom>
-          <a:noFill/>
-          <a:ln w="9525">
+            <a:ln>
+              <a:noFill/>
+            </a:ln>
+            <a:effectLst/>
+            <a:extLst>
+              <a:ext uri="{909E8E84-426E-40DD-AFC4-6F175D3DCCD1}">
+                <a14:hiddenFill xmlns:a14="http://schemas.microsoft.com/office/drawing/2010/main">
+                  <a:solidFill>
+                    <a:schemeClr val="accent1"/>
+                  </a:solidFill>
+                </a14:hiddenFill>
+              </a:ext>
+              <a:ext uri="{91240B29-F687-4F45-9708-019B960494DF}">
+                <a14:hiddenLine xmlns:a14="http://schemas.microsoft.com/office/drawing/2010/main" w="9525">
+                  <a:solidFill>
+                    <a:schemeClr val="tx1"/>
+                  </a:solidFill>
+                  <a:miter lim="800000"/>
+                  <a:headEnd/>
+                  <a:tailEnd/>
+                </a14:hiddenLine>
+              </a:ext>
+              <a:ext uri="{AF507438-7753-43E0-B8FC-AC1667EBCBE1}">
+                <a14:hiddenEffects xmlns:a14="http://schemas.microsoft.com/office/drawing/2010/main">
+                  <a:effectLst>
+                    <a:outerShdw dist="35921" dir="2700000" algn="ctr" rotWithShape="0">
+                      <a:schemeClr val="bg2"/>
+                    </a:outerShdw>
+                  </a:effectLst>
+                </a14:hiddenEffects>
+              </a:ext>
+            </a:extLst>
+          </p:spPr>
+        </p:pic>
+        <p:pic>
+          <p:nvPicPr>
+            <p:cNvPr id="4101" name="Picture 5"/>
+            <p:cNvPicPr>
+              <a:picLocks noChangeAspect="1" noChangeArrowheads="1"/>
+            </p:cNvPicPr>
+            <p:nvPr/>
+          </p:nvPicPr>
+          <p:blipFill>
+            <a:blip r:embed="rId5">
+              <a:extLst>
+                <a:ext uri="{28A0092B-C50C-407E-A947-70E740481C1C}">
+                  <a14:useLocalDpi xmlns:a14="http://schemas.microsoft.com/office/drawing/2010/main" val="0"/>
+                </a:ext>
+              </a:extLst>
+            </a:blip>
+            <a:srcRect/>
+            <a:stretch>
+              <a:fillRect/>
+            </a:stretch>
+          </p:blipFill>
+          <p:spPr bwMode="auto">
+            <a:xfrm>
+              <a:off x="6582234" y="5410200"/>
+              <a:ext cx="6276975" cy="4162425"/>
+            </a:xfrm>
+            <a:prstGeom prst="rect">
+              <a:avLst/>
+            </a:prstGeom>
             <a:noFill/>
-            <a:miter lim="800000"/>
-            <a:headEnd/>
-            <a:tailEnd/>
-          </a:ln>
-        </p:spPr>
-      </p:pic>
+            <a:ln>
+              <a:noFill/>
+            </a:ln>
+            <a:effectLst/>
+            <a:extLst>
+              <a:ext uri="{909E8E84-426E-40DD-AFC4-6F175D3DCCD1}">
+                <a14:hiddenFill xmlns:a14="http://schemas.microsoft.com/office/drawing/2010/main">
+                  <a:solidFill>
+                    <a:schemeClr val="accent1"/>
+                  </a:solidFill>
+                </a14:hiddenFill>
+              </a:ext>
+              <a:ext uri="{91240B29-F687-4F45-9708-019B960494DF}">
+                <a14:hiddenLine xmlns:a14="http://schemas.microsoft.com/office/drawing/2010/main" w="9525">
+                  <a:solidFill>
+                    <a:schemeClr val="tx1"/>
+                  </a:solidFill>
+                  <a:miter lim="800000"/>
+                  <a:headEnd/>
+                  <a:tailEnd/>
+                </a14:hiddenLine>
+              </a:ext>
+              <a:ext uri="{AF507438-7753-43E0-B8FC-AC1667EBCBE1}">
+                <a14:hiddenEffects xmlns:a14="http://schemas.microsoft.com/office/drawing/2010/main">
+                  <a:effectLst>
+                    <a:outerShdw dist="35921" dir="2700000" algn="ctr" rotWithShape="0">
+                      <a:schemeClr val="bg2"/>
+                    </a:outerShdw>
+                  </a:effectLst>
+                </a14:hiddenEffects>
+              </a:ext>
+            </a:extLst>
+          </p:spPr>
+        </p:pic>
+      </p:grpSp>
     </p:spTree>
+    <p:extLst>
+      <p:ext uri="{BB962C8B-B14F-4D97-AF65-F5344CB8AC3E}">
+        <p14:creationId xmlns:p14="http://schemas.microsoft.com/office/powerpoint/2010/main" val="1619281756"/>
+      </p:ext>
+    </p:extLst>
   </p:cSld>
   <p:clrMapOvr>
     <a:masterClrMapping/>
@@ -6414,53 +6544,22 @@
             <p:ph idx="1"/>
           </p:nvPr>
         </p:nvSpPr>
-        <p:spPr/>
+        <p:spPr>
+          <a:xfrm>
+            <a:off x="457200" y="1143000"/>
+            <a:ext cx="8229600" cy="4525963"/>
+          </a:xfrm>
+        </p:spPr>
         <p:txBody>
           <a:bodyPr/>
           <a:lstStyle/>
           <a:p>
             <a:r>
               <a:rPr lang="en-US" dirty="0" smtClean="0"/>
-              <a:t>Small gain</a:t>
-            </a:r>
-          </a:p>
-          <a:p>
-            <a:pPr>
-              <a:buNone/>
-            </a:pPr>
-            <a:r>
-              <a:rPr lang="en-US" dirty="0" smtClean="0"/>
-              <a:t>(sort, math, initialize)</a:t>
-            </a:r>
-          </a:p>
-          <a:p>
-            <a:pPr>
-              <a:buNone/>
-            </a:pPr>
+              <a:t>Array operations generally good</a:t>
+            </a:r>
             <a:endParaRPr lang="en-US" dirty="0" smtClean="0"/>
           </a:p>
-          <a:p>
-            <a:pPr>
-              <a:buNone/>
-            </a:pPr>
-            <a:endParaRPr lang="en-US" dirty="0" smtClean="0"/>
-          </a:p>
-          <a:p>
-            <a:r>
-              <a:rPr lang="en-US" dirty="0" smtClean="0"/>
-              <a:t>Large loss</a:t>
-            </a:r>
-          </a:p>
-          <a:p>
-            <a:pPr>
-              <a:buNone/>
-            </a:pPr>
-            <a:r>
-              <a:rPr lang="en-US" dirty="0" smtClean="0"/>
-              <a:t>(Access)</a:t>
-            </a:r>
-            <a:endParaRPr lang="en-US" dirty="0"/>
-          </a:p>
         </p:txBody>
       </p:sp>
       <p:sp>
@@ -6473,24 +6572,301 @@
             <p:ph type="title"/>
           </p:nvPr>
         </p:nvSpPr>
-        <p:spPr/>
+        <p:spPr>
+          <a:xfrm>
+            <a:off x="457200" y="274638"/>
+            <a:ext cx="8229600" cy="944562"/>
+          </a:xfrm>
+        </p:spPr>
         <p:txBody>
           <a:bodyPr/>
           <a:lstStyle/>
           <a:p>
             <a:r>
               <a:rPr lang="en-US" dirty="0" smtClean="0"/>
-              <a:t>Jacket - </a:t>
-            </a:r>
-            <a:r>
-              <a:rPr lang="en-US" dirty="0" smtClean="0"/>
-              <a:t>Conclusion</a:t>
+              <a:t>Jacket</a:t>
             </a:r>
             <a:endParaRPr lang="en-US" dirty="0"/>
           </a:p>
         </p:txBody>
       </p:sp>
+      <p:grpSp>
+        <p:nvGrpSpPr>
+          <p:cNvPr id="4" name="Group 3"/>
+          <p:cNvGrpSpPr/>
+          <p:nvPr/>
+        </p:nvGrpSpPr>
+        <p:grpSpPr>
+          <a:xfrm>
+            <a:off x="838199" y="1752600"/>
+            <a:ext cx="7342013" cy="4876800"/>
+            <a:chOff x="-152400" y="1491343"/>
+            <a:chExt cx="12668250" cy="8414657"/>
+          </a:xfrm>
+        </p:grpSpPr>
+        <p:pic>
+          <p:nvPicPr>
+            <p:cNvPr id="5122" name="Picture 2"/>
+            <p:cNvPicPr>
+              <a:picLocks noChangeAspect="1" noChangeArrowheads="1"/>
+            </p:cNvPicPr>
+            <p:nvPr/>
+          </p:nvPicPr>
+          <p:blipFill>
+            <a:blip r:embed="rId2">
+              <a:extLst>
+                <a:ext uri="{28A0092B-C50C-407E-A947-70E740481C1C}">
+                  <a14:useLocalDpi xmlns:a14="http://schemas.microsoft.com/office/drawing/2010/main" val="0"/>
+                </a:ext>
+              </a:extLst>
+            </a:blip>
+            <a:srcRect/>
+            <a:stretch>
+              <a:fillRect/>
+            </a:stretch>
+          </p:blipFill>
+          <p:spPr bwMode="auto">
+            <a:xfrm>
+              <a:off x="-152400" y="1524000"/>
+              <a:ext cx="6381750" cy="4200525"/>
+            </a:xfrm>
+            <a:prstGeom prst="rect">
+              <a:avLst/>
+            </a:prstGeom>
+            <a:noFill/>
+            <a:ln>
+              <a:noFill/>
+            </a:ln>
+            <a:effectLst/>
+            <a:extLst>
+              <a:ext uri="{909E8E84-426E-40DD-AFC4-6F175D3DCCD1}">
+                <a14:hiddenFill xmlns:a14="http://schemas.microsoft.com/office/drawing/2010/main">
+                  <a:solidFill>
+                    <a:schemeClr val="accent1"/>
+                  </a:solidFill>
+                </a14:hiddenFill>
+              </a:ext>
+              <a:ext uri="{91240B29-F687-4F45-9708-019B960494DF}">
+                <a14:hiddenLine xmlns:a14="http://schemas.microsoft.com/office/drawing/2010/main" w="9525">
+                  <a:solidFill>
+                    <a:schemeClr val="tx1"/>
+                  </a:solidFill>
+                  <a:miter lim="800000"/>
+                  <a:headEnd/>
+                  <a:tailEnd/>
+                </a14:hiddenLine>
+              </a:ext>
+              <a:ext uri="{AF507438-7753-43E0-B8FC-AC1667EBCBE1}">
+                <a14:hiddenEffects xmlns:a14="http://schemas.microsoft.com/office/drawing/2010/main">
+                  <a:effectLst>
+                    <a:outerShdw dist="35921" dir="2700000" algn="ctr" rotWithShape="0">
+                      <a:schemeClr val="bg2"/>
+                    </a:outerShdw>
+                  </a:effectLst>
+                </a14:hiddenEffects>
+              </a:ext>
+            </a:extLst>
+          </p:spPr>
+        </p:pic>
+        <p:pic>
+          <p:nvPicPr>
+            <p:cNvPr id="5123" name="Picture 3"/>
+            <p:cNvPicPr>
+              <a:picLocks noChangeAspect="1" noChangeArrowheads="1"/>
+            </p:cNvPicPr>
+            <p:nvPr/>
+          </p:nvPicPr>
+          <p:blipFill>
+            <a:blip r:embed="rId3">
+              <a:extLst>
+                <a:ext uri="{28A0092B-C50C-407E-A947-70E740481C1C}">
+                  <a14:useLocalDpi xmlns:a14="http://schemas.microsoft.com/office/drawing/2010/main" val="0"/>
+                </a:ext>
+              </a:extLst>
+            </a:blip>
+            <a:srcRect/>
+            <a:stretch>
+              <a:fillRect/>
+            </a:stretch>
+          </p:blipFill>
+          <p:spPr bwMode="auto">
+            <a:xfrm>
+              <a:off x="6229350" y="1491343"/>
+              <a:ext cx="6286500" cy="4162425"/>
+            </a:xfrm>
+            <a:prstGeom prst="rect">
+              <a:avLst/>
+            </a:prstGeom>
+            <a:noFill/>
+            <a:ln>
+              <a:noFill/>
+            </a:ln>
+            <a:effectLst/>
+            <a:extLst>
+              <a:ext uri="{909E8E84-426E-40DD-AFC4-6F175D3DCCD1}">
+                <a14:hiddenFill xmlns:a14="http://schemas.microsoft.com/office/drawing/2010/main">
+                  <a:solidFill>
+                    <a:schemeClr val="accent1"/>
+                  </a:solidFill>
+                </a14:hiddenFill>
+              </a:ext>
+              <a:ext uri="{91240B29-F687-4F45-9708-019B960494DF}">
+                <a14:hiddenLine xmlns:a14="http://schemas.microsoft.com/office/drawing/2010/main" w="9525">
+                  <a:solidFill>
+                    <a:schemeClr val="tx1"/>
+                  </a:solidFill>
+                  <a:miter lim="800000"/>
+                  <a:headEnd/>
+                  <a:tailEnd/>
+                </a14:hiddenLine>
+              </a:ext>
+              <a:ext uri="{AF507438-7753-43E0-B8FC-AC1667EBCBE1}">
+                <a14:hiddenEffects xmlns:a14="http://schemas.microsoft.com/office/drawing/2010/main">
+                  <a:effectLst>
+                    <a:outerShdw dist="35921" dir="2700000" algn="ctr" rotWithShape="0">
+                      <a:schemeClr val="bg2"/>
+                    </a:outerShdw>
+                  </a:effectLst>
+                </a14:hiddenEffects>
+              </a:ext>
+            </a:extLst>
+          </p:spPr>
+        </p:pic>
+        <p:pic>
+          <p:nvPicPr>
+            <p:cNvPr id="5124" name="Picture 4"/>
+            <p:cNvPicPr>
+              <a:picLocks noChangeAspect="1" noChangeArrowheads="1"/>
+            </p:cNvPicPr>
+            <p:nvPr/>
+          </p:nvPicPr>
+          <p:blipFill>
+            <a:blip r:embed="rId4">
+              <a:extLst>
+                <a:ext uri="{28A0092B-C50C-407E-A947-70E740481C1C}">
+                  <a14:useLocalDpi xmlns:a14="http://schemas.microsoft.com/office/drawing/2010/main" val="0"/>
+                </a:ext>
+              </a:extLst>
+            </a:blip>
+            <a:srcRect/>
+            <a:stretch>
+              <a:fillRect/>
+            </a:stretch>
+          </p:blipFill>
+          <p:spPr bwMode="auto">
+            <a:xfrm>
+              <a:off x="-152400" y="5724525"/>
+              <a:ext cx="6334125" cy="4181475"/>
+            </a:xfrm>
+            <a:prstGeom prst="rect">
+              <a:avLst/>
+            </a:prstGeom>
+            <a:noFill/>
+            <a:ln>
+              <a:noFill/>
+            </a:ln>
+            <a:effectLst/>
+            <a:extLst>
+              <a:ext uri="{909E8E84-426E-40DD-AFC4-6F175D3DCCD1}">
+                <a14:hiddenFill xmlns:a14="http://schemas.microsoft.com/office/drawing/2010/main">
+                  <a:solidFill>
+                    <a:schemeClr val="accent1"/>
+                  </a:solidFill>
+                </a14:hiddenFill>
+              </a:ext>
+              <a:ext uri="{91240B29-F687-4F45-9708-019B960494DF}">
+                <a14:hiddenLine xmlns:a14="http://schemas.microsoft.com/office/drawing/2010/main" w="9525">
+                  <a:solidFill>
+                    <a:schemeClr val="tx1"/>
+                  </a:solidFill>
+                  <a:miter lim="800000"/>
+                  <a:headEnd/>
+                  <a:tailEnd/>
+                </a14:hiddenLine>
+              </a:ext>
+              <a:ext uri="{AF507438-7753-43E0-B8FC-AC1667EBCBE1}">
+                <a14:hiddenEffects xmlns:a14="http://schemas.microsoft.com/office/drawing/2010/main">
+                  <a:effectLst>
+                    <a:outerShdw dist="35921" dir="2700000" algn="ctr" rotWithShape="0">
+                      <a:schemeClr val="bg2"/>
+                    </a:outerShdw>
+                  </a:effectLst>
+                </a14:hiddenEffects>
+              </a:ext>
+            </a:extLst>
+          </p:spPr>
+        </p:pic>
+        <p:pic>
+          <p:nvPicPr>
+            <p:cNvPr id="5125" name="Picture 5"/>
+            <p:cNvPicPr>
+              <a:picLocks noChangeAspect="1" noChangeArrowheads="1"/>
+            </p:cNvPicPr>
+            <p:nvPr/>
+          </p:nvPicPr>
+          <p:blipFill>
+            <a:blip r:embed="rId5">
+              <a:extLst>
+                <a:ext uri="{28A0092B-C50C-407E-A947-70E740481C1C}">
+                  <a14:useLocalDpi xmlns:a14="http://schemas.microsoft.com/office/drawing/2010/main" val="0"/>
+                </a:ext>
+              </a:extLst>
+            </a:blip>
+            <a:srcRect/>
+            <a:stretch>
+              <a:fillRect/>
+            </a:stretch>
+          </p:blipFill>
+          <p:spPr bwMode="auto">
+            <a:xfrm>
+              <a:off x="6160265" y="5653768"/>
+              <a:ext cx="6343650" cy="4191000"/>
+            </a:xfrm>
+            <a:prstGeom prst="rect">
+              <a:avLst/>
+            </a:prstGeom>
+            <a:noFill/>
+            <a:ln>
+              <a:noFill/>
+            </a:ln>
+            <a:effectLst/>
+            <a:extLst>
+              <a:ext uri="{909E8E84-426E-40DD-AFC4-6F175D3DCCD1}">
+                <a14:hiddenFill xmlns:a14="http://schemas.microsoft.com/office/drawing/2010/main">
+                  <a:solidFill>
+                    <a:schemeClr val="accent1"/>
+                  </a:solidFill>
+                </a14:hiddenFill>
+              </a:ext>
+              <a:ext uri="{91240B29-F687-4F45-9708-019B960494DF}">
+                <a14:hiddenLine xmlns:a14="http://schemas.microsoft.com/office/drawing/2010/main" w="9525">
+                  <a:solidFill>
+                    <a:schemeClr val="tx1"/>
+                  </a:solidFill>
+                  <a:miter lim="800000"/>
+                  <a:headEnd/>
+                  <a:tailEnd/>
+                </a14:hiddenLine>
+              </a:ext>
+              <a:ext uri="{AF507438-7753-43E0-B8FC-AC1667EBCBE1}">
+                <a14:hiddenEffects xmlns:a14="http://schemas.microsoft.com/office/drawing/2010/main">
+                  <a:effectLst>
+                    <a:outerShdw dist="35921" dir="2700000" algn="ctr" rotWithShape="0">
+                      <a:schemeClr val="bg2"/>
+                    </a:outerShdw>
+                  </a:effectLst>
+                </a14:hiddenEffects>
+              </a:ext>
+            </a:extLst>
+          </p:spPr>
+        </p:pic>
+      </p:grpSp>
     </p:spTree>
+    <p:extLst>
+      <p:ext uri="{BB962C8B-B14F-4D97-AF65-F5344CB8AC3E}">
+        <p14:creationId xmlns:p14="http://schemas.microsoft.com/office/powerpoint/2010/main" val="216992293"/>
+      </p:ext>
+    </p:extLst>
   </p:cSld>
   <p:clrMapOvr>
     <a:masterClrMapping/>
@@ -6527,44 +6903,70 @@
         </p:nvSpPr>
         <p:spPr/>
         <p:txBody>
+          <a:bodyPr>
+            <a:normAutofit/>
+          </a:bodyPr>
+          <a:lstStyle/>
+          <a:p>
+            <a:r>
+              <a:rPr lang="en-US" dirty="0" smtClean="0"/>
+              <a:t>Data size too small to recognize benefits</a:t>
+            </a:r>
+          </a:p>
+          <a:p>
+            <a:pPr lvl="1"/>
+            <a:r>
+              <a:rPr lang="en-US" dirty="0"/>
+              <a:t>F</a:t>
+            </a:r>
+            <a:r>
+              <a:rPr lang="en-US" dirty="0" smtClean="0"/>
+              <a:t>ixed 1682 loops (given 44100Hz and checking from BPM[89,205]) much smaller than break even points</a:t>
+            </a:r>
+          </a:p>
+          <a:p>
+            <a:pPr marL="393192" lvl="1" indent="0">
+              <a:buNone/>
+            </a:pPr>
+            <a:endParaRPr lang="en-US" dirty="0" smtClean="0"/>
+          </a:p>
+          <a:p>
+            <a:r>
+              <a:rPr lang="en-US" dirty="0" smtClean="0"/>
+              <a:t>Algorithm uses a LOT of array accesses</a:t>
+            </a:r>
+          </a:p>
+          <a:p>
+            <a:pPr lvl="1"/>
+            <a:r>
+              <a:rPr lang="en-US" dirty="0" smtClean="0"/>
+              <a:t>Benefits gained from arithmetic operations and mod/sort operations lost against Jacket’s overhead</a:t>
+            </a:r>
+          </a:p>
+        </p:txBody>
+      </p:sp>
+      <p:sp>
+        <p:nvSpPr>
+          <p:cNvPr id="3" name="标题 2"/>
+          <p:cNvSpPr>
+            <a:spLocks noGrp="1"/>
+          </p:cNvSpPr>
+          <p:nvPr>
+            <p:ph type="title"/>
+          </p:nvPr>
+        </p:nvSpPr>
+        <p:spPr/>
+        <p:txBody>
           <a:bodyPr/>
           <a:lstStyle/>
           <a:p>
             <a:r>
               <a:rPr lang="en-US" dirty="0" smtClean="0"/>
-              <a:t>Try rewrite everything in CUDA</a:t>
-            </a:r>
-          </a:p>
-          <a:p>
-            <a:endParaRPr lang="en-US" dirty="0" smtClean="0"/>
-          </a:p>
-          <a:p>
+              <a:t>Jacket </a:t>
+            </a:r>
             <a:r>
               <a:rPr lang="en-US" dirty="0" smtClean="0"/>
-              <a:t>Try to modify the algorithm and make it more GPU friendly</a:t>
-            </a:r>
-            <a:endParaRPr lang="en-US" dirty="0"/>
-          </a:p>
-        </p:txBody>
-      </p:sp>
-      <p:sp>
-        <p:nvSpPr>
-          <p:cNvPr id="3" name="标题 2"/>
-          <p:cNvSpPr>
-            <a:spLocks noGrp="1"/>
-          </p:cNvSpPr>
-          <p:nvPr>
-            <p:ph type="title"/>
-          </p:nvPr>
-        </p:nvSpPr>
-        <p:spPr/>
-        <p:txBody>
-          <a:bodyPr/>
-          <a:lstStyle/>
-          <a:p>
-            <a:r>
-              <a:rPr lang="en-US" dirty="0" smtClean="0"/>
-              <a:t>Future Work</a:t>
+              <a:t>– Why it failed</a:t>
             </a:r>
             <a:endParaRPr lang="en-US" dirty="0"/>
           </a:p>
@@ -6605,59 +7007,20 @@
             <p:ph idx="1"/>
           </p:nvPr>
         </p:nvSpPr>
-        <p:spPr/>
+        <p:spPr>
+          <a:xfrm>
+            <a:off x="457200" y="1524000"/>
+            <a:ext cx="8229600" cy="4711891"/>
+          </a:xfrm>
+        </p:spPr>
         <p:txBody>
           <a:bodyPr/>
           <a:lstStyle/>
           <a:p>
             <a:r>
               <a:rPr lang="en-US" dirty="0" smtClean="0"/>
-              <a:t>Karl O’Keeffe, “Dancing Monkeys”, </a:t>
-            </a:r>
-            <a:r>
-              <a:rPr lang="en-US" dirty="0" err="1" smtClean="0"/>
-              <a:t>MEng</a:t>
-            </a:r>
-            <a:r>
-              <a:rPr lang="en-US" dirty="0" smtClean="0"/>
-              <a:t> Individual Project Report 18th June 2003</a:t>
-            </a:r>
-          </a:p>
-          <a:p>
-            <a:pPr>
-              <a:buNone/>
-            </a:pPr>
-            <a:r>
-              <a:rPr lang="en-US" dirty="0" smtClean="0"/>
-              <a:t> </a:t>
-            </a:r>
-          </a:p>
-          <a:p>
-            <a:r>
-              <a:rPr lang="en-US" dirty="0" smtClean="0"/>
-              <a:t>Will Archer </a:t>
-            </a:r>
-            <a:r>
-              <a:rPr lang="en-US" dirty="0" err="1" smtClean="0"/>
-              <a:t>Arentz</a:t>
-            </a:r>
-            <a:r>
-              <a:rPr lang="en-US" dirty="0" smtClean="0"/>
-              <a:t>, “BEAT EXTRACTION FROM DIGITAL MUSIC”</a:t>
-            </a:r>
-          </a:p>
-          <a:p>
-            <a:pPr>
-              <a:buNone/>
-            </a:pPr>
-            <a:r>
-              <a:rPr lang="en-US" dirty="0" smtClean="0"/>
-              <a:t/>
-            </a:r>
-            <a:br>
-              <a:rPr lang="en-US" dirty="0" smtClean="0"/>
-            </a:br>
-            <a:endParaRPr lang="en-US" dirty="0"/>
+              <a:t>Try to rewrite/optimize the algorithm itself?</a:t>
+            </a:r>
           </a:p>
         </p:txBody>
       </p:sp>
@@ -6678,13 +7041,374 @@
           <a:p>
             <a:r>
               <a:rPr lang="en-US" dirty="0" smtClean="0"/>
-              <a:t>Bibliography</a:t>
+              <a:t>Further Analysis…</a:t>
             </a:r>
             <a:endParaRPr lang="en-US" dirty="0"/>
           </a:p>
         </p:txBody>
       </p:sp>
+      <p:pic>
+        <p:nvPicPr>
+          <p:cNvPr id="6146" name="Picture 2"/>
+          <p:cNvPicPr>
+            <a:picLocks noChangeAspect="1" noChangeArrowheads="1"/>
+          </p:cNvPicPr>
+          <p:nvPr/>
+        </p:nvPicPr>
+        <p:blipFill>
+          <a:blip r:embed="rId2">
+            <a:extLst>
+              <a:ext uri="{28A0092B-C50C-407E-A947-70E740481C1C}">
+                <a14:useLocalDpi xmlns:a14="http://schemas.microsoft.com/office/drawing/2010/main" val="0"/>
+              </a:ext>
+            </a:extLst>
+          </a:blip>
+          <a:srcRect/>
+          <a:stretch>
+            <a:fillRect/>
+          </a:stretch>
+        </p:blipFill>
+        <p:spPr bwMode="auto">
+          <a:xfrm>
+            <a:off x="2286000" y="2362200"/>
+            <a:ext cx="4470400" cy="3352800"/>
+          </a:xfrm>
+          <a:prstGeom prst="rect">
+            <a:avLst/>
+          </a:prstGeom>
+          <a:noFill/>
+          <a:ln>
+            <a:noFill/>
+          </a:ln>
+          <a:effectLst/>
+          <a:extLst>
+            <a:ext uri="{909E8E84-426E-40DD-AFC4-6F175D3DCCD1}">
+              <a14:hiddenFill xmlns:a14="http://schemas.microsoft.com/office/drawing/2010/main">
+                <a:solidFill>
+                  <a:schemeClr val="accent1"/>
+                </a:solidFill>
+              </a14:hiddenFill>
+            </a:ext>
+            <a:ext uri="{91240B29-F687-4F45-9708-019B960494DF}">
+              <a14:hiddenLine xmlns:a14="http://schemas.microsoft.com/office/drawing/2010/main" w="9525">
+                <a:solidFill>
+                  <a:schemeClr val="tx1"/>
+                </a:solidFill>
+                <a:miter lim="800000"/>
+                <a:headEnd/>
+                <a:tailEnd/>
+              </a14:hiddenLine>
+            </a:ext>
+            <a:ext uri="{AF507438-7753-43E0-B8FC-AC1667EBCBE1}">
+              <a14:hiddenEffects xmlns:a14="http://schemas.microsoft.com/office/drawing/2010/main">
+                <a:effectLst>
+                  <a:outerShdw dist="35921" dir="2700000" algn="ctr" rotWithShape="0">
+                    <a:schemeClr val="bg2"/>
+                  </a:outerShdw>
+                </a:effectLst>
+              </a14:hiddenEffects>
+            </a:ext>
+          </a:extLst>
+        </p:spPr>
+      </p:pic>
+      <p:sp>
+        <p:nvSpPr>
+          <p:cNvPr id="5" name="TextBox 4"/>
+          <p:cNvSpPr txBox="1"/>
+          <p:nvPr/>
+        </p:nvSpPr>
+        <p:spPr>
+          <a:xfrm>
+            <a:off x="3505200" y="6439486"/>
+            <a:ext cx="5537093" cy="276999"/>
+          </a:xfrm>
+          <a:prstGeom prst="rect">
+            <a:avLst/>
+          </a:prstGeom>
+          <a:noFill/>
+        </p:spPr>
+        <p:txBody>
+          <a:bodyPr wrap="none" rtlCol="0">
+            <a:spAutoFit/>
+          </a:bodyPr>
+          <a:lstStyle/>
+          <a:p>
+            <a:r>
+              <a:rPr lang="en-US" sz="1200" dirty="0" err="1" smtClean="0"/>
+              <a:t>img</a:t>
+            </a:r>
+            <a:r>
+              <a:rPr lang="en-US" sz="1200" dirty="0" smtClean="0"/>
+              <a:t> </a:t>
+            </a:r>
+            <a:r>
+              <a:rPr lang="en-US" sz="1200" dirty="0" err="1" smtClean="0"/>
+              <a:t>src</a:t>
+            </a:r>
+            <a:r>
+              <a:rPr lang="en-US" sz="1200" dirty="0"/>
+              <a:t>: </a:t>
+            </a:r>
+            <a:r>
+              <a:rPr lang="en-US" sz="1200" dirty="0"/>
+              <a:t>http://cdn.memegenerator.net/instances/400x/10026690.jpg</a:t>
+            </a:r>
+            <a:endParaRPr lang="en-US" sz="1200" dirty="0"/>
+          </a:p>
+        </p:txBody>
+      </p:sp>
     </p:spTree>
+  </p:cSld>
+  <p:clrMapOvr>
+    <a:masterClrMapping/>
+  </p:clrMapOvr>
+</p:sld>
+</file>
+
+<file path=ppt/slides/slide19.xml><?xml version="1.0" encoding="utf-8"?>
+<p:sld xmlns:a="http://schemas.openxmlformats.org/drawingml/2006/main" xmlns:r="http://schemas.openxmlformats.org/officeDocument/2006/relationships" xmlns:p="http://schemas.openxmlformats.org/presentationml/2006/main">
+  <p:cSld>
+    <p:spTree>
+      <p:nvGrpSpPr>
+        <p:cNvPr id="1" name=""/>
+        <p:cNvGrpSpPr/>
+        <p:nvPr/>
+      </p:nvGrpSpPr>
+      <p:grpSpPr>
+        <a:xfrm>
+          <a:off x="0" y="0"/>
+          <a:ext cx="0" cy="0"/>
+          <a:chOff x="0" y="0"/>
+          <a:chExt cx="0" cy="0"/>
+        </a:xfrm>
+      </p:grpSpPr>
+      <p:sp>
+        <p:nvSpPr>
+          <p:cNvPr id="2" name="内容占位符 1"/>
+          <p:cNvSpPr>
+            <a:spLocks noGrp="1"/>
+          </p:cNvSpPr>
+          <p:nvPr>
+            <p:ph idx="1"/>
+          </p:nvPr>
+        </p:nvSpPr>
+        <p:spPr>
+          <a:xfrm>
+            <a:off x="457200" y="1524000"/>
+            <a:ext cx="8229600" cy="4711891"/>
+          </a:xfrm>
+        </p:spPr>
+        <p:txBody>
+          <a:bodyPr/>
+          <a:lstStyle/>
+          <a:p>
+            <a:r>
+              <a:rPr lang="en-US" dirty="0" smtClean="0"/>
+              <a:t>Reduce branching and conditional statements</a:t>
+            </a:r>
+          </a:p>
+        </p:txBody>
+      </p:sp>
+      <p:sp>
+        <p:nvSpPr>
+          <p:cNvPr id="3" name="标题 2"/>
+          <p:cNvSpPr>
+            <a:spLocks noGrp="1"/>
+          </p:cNvSpPr>
+          <p:nvPr>
+            <p:ph type="title"/>
+          </p:nvPr>
+        </p:nvSpPr>
+        <p:spPr/>
+        <p:txBody>
+          <a:bodyPr/>
+          <a:lstStyle/>
+          <a:p>
+            <a:r>
+              <a:rPr lang="en-US" dirty="0" smtClean="0"/>
+              <a:t>Further Analysis…</a:t>
+            </a:r>
+            <a:endParaRPr lang="en-US" dirty="0"/>
+          </a:p>
+        </p:txBody>
+      </p:sp>
+      <p:pic>
+        <p:nvPicPr>
+          <p:cNvPr id="7170" name="Picture 2"/>
+          <p:cNvPicPr>
+            <a:picLocks noChangeAspect="1" noChangeArrowheads="1"/>
+          </p:cNvPicPr>
+          <p:nvPr/>
+        </p:nvPicPr>
+        <p:blipFill>
+          <a:blip r:embed="rId2">
+            <a:extLst>
+              <a:ext uri="{28A0092B-C50C-407E-A947-70E740481C1C}">
+                <a14:useLocalDpi xmlns:a14="http://schemas.microsoft.com/office/drawing/2010/main" val="0"/>
+              </a:ext>
+            </a:extLst>
+          </a:blip>
+          <a:srcRect/>
+          <a:stretch>
+            <a:fillRect/>
+          </a:stretch>
+        </p:blipFill>
+        <p:spPr bwMode="auto">
+          <a:xfrm>
+            <a:off x="1589314" y="4728159"/>
+            <a:ext cx="6597468" cy="2063166"/>
+          </a:xfrm>
+          <a:prstGeom prst="rect">
+            <a:avLst/>
+          </a:prstGeom>
+          <a:noFill/>
+          <a:ln>
+            <a:noFill/>
+          </a:ln>
+          <a:effectLst/>
+          <a:extLst>
+            <a:ext uri="{909E8E84-426E-40DD-AFC4-6F175D3DCCD1}">
+              <a14:hiddenFill xmlns:a14="http://schemas.microsoft.com/office/drawing/2010/main">
+                <a:solidFill>
+                  <a:schemeClr val="accent1"/>
+                </a:solidFill>
+              </a14:hiddenFill>
+            </a:ext>
+            <a:ext uri="{91240B29-F687-4F45-9708-019B960494DF}">
+              <a14:hiddenLine xmlns:a14="http://schemas.microsoft.com/office/drawing/2010/main" w="9525">
+                <a:solidFill>
+                  <a:schemeClr val="tx1"/>
+                </a:solidFill>
+                <a:miter lim="800000"/>
+                <a:headEnd/>
+                <a:tailEnd/>
+              </a14:hiddenLine>
+            </a:ext>
+            <a:ext uri="{AF507438-7753-43E0-B8FC-AC1667EBCBE1}">
+              <a14:hiddenEffects xmlns:a14="http://schemas.microsoft.com/office/drawing/2010/main">
+                <a:effectLst>
+                  <a:outerShdw dist="35921" dir="2700000" algn="ctr" rotWithShape="0">
+                    <a:schemeClr val="bg2"/>
+                  </a:outerShdw>
+                </a:effectLst>
+              </a14:hiddenEffects>
+            </a:ext>
+          </a:extLst>
+        </p:spPr>
+      </p:pic>
+      <p:pic>
+        <p:nvPicPr>
+          <p:cNvPr id="7171" name="Picture 3"/>
+          <p:cNvPicPr>
+            <a:picLocks noChangeAspect="1" noChangeArrowheads="1"/>
+          </p:cNvPicPr>
+          <p:nvPr/>
+        </p:nvPicPr>
+        <p:blipFill>
+          <a:blip r:embed="rId3">
+            <a:extLst>
+              <a:ext uri="{28A0092B-C50C-407E-A947-70E740481C1C}">
+                <a14:useLocalDpi xmlns:a14="http://schemas.microsoft.com/office/drawing/2010/main" val="0"/>
+              </a:ext>
+            </a:extLst>
+          </a:blip>
+          <a:srcRect/>
+          <a:stretch>
+            <a:fillRect/>
+          </a:stretch>
+        </p:blipFill>
+        <p:spPr bwMode="auto">
+          <a:xfrm>
+            <a:off x="1600200" y="1926772"/>
+            <a:ext cx="5854442" cy="2383971"/>
+          </a:xfrm>
+          <a:prstGeom prst="rect">
+            <a:avLst/>
+          </a:prstGeom>
+          <a:noFill/>
+          <a:ln>
+            <a:noFill/>
+          </a:ln>
+          <a:effectLst/>
+          <a:extLst>
+            <a:ext uri="{909E8E84-426E-40DD-AFC4-6F175D3DCCD1}">
+              <a14:hiddenFill xmlns:a14="http://schemas.microsoft.com/office/drawing/2010/main">
+                <a:solidFill>
+                  <a:schemeClr val="accent1"/>
+                </a:solidFill>
+              </a14:hiddenFill>
+            </a:ext>
+            <a:ext uri="{91240B29-F687-4F45-9708-019B960494DF}">
+              <a14:hiddenLine xmlns:a14="http://schemas.microsoft.com/office/drawing/2010/main" w="9525">
+                <a:solidFill>
+                  <a:schemeClr val="tx1"/>
+                </a:solidFill>
+                <a:miter lim="800000"/>
+                <a:headEnd/>
+                <a:tailEnd/>
+              </a14:hiddenLine>
+            </a:ext>
+            <a:ext uri="{AF507438-7753-43E0-B8FC-AC1667EBCBE1}">
+              <a14:hiddenEffects xmlns:a14="http://schemas.microsoft.com/office/drawing/2010/main">
+                <a:effectLst>
+                  <a:outerShdw dist="35921" dir="2700000" algn="ctr" rotWithShape="0">
+                    <a:schemeClr val="bg2"/>
+                  </a:outerShdw>
+                </a:effectLst>
+              </a14:hiddenEffects>
+            </a:ext>
+          </a:extLst>
+        </p:spPr>
+      </p:pic>
+      <p:sp>
+        <p:nvSpPr>
+          <p:cNvPr id="4" name="Down Arrow 3"/>
+          <p:cNvSpPr/>
+          <p:nvPr/>
+        </p:nvSpPr>
+        <p:spPr>
+          <a:xfrm>
+            <a:off x="4724400" y="3886200"/>
+            <a:ext cx="685800" cy="990600"/>
+          </a:xfrm>
+          <a:prstGeom prst="downArrow">
+            <a:avLst>
+              <a:gd name="adj1" fmla="val 34127"/>
+              <a:gd name="adj2" fmla="val 50000"/>
+            </a:avLst>
+          </a:prstGeom>
+        </p:spPr>
+        <p:style>
+          <a:lnRef idx="2">
+            <a:schemeClr val="accent1">
+              <a:shade val="50000"/>
+            </a:schemeClr>
+          </a:lnRef>
+          <a:fillRef idx="1">
+            <a:schemeClr val="accent1"/>
+          </a:fillRef>
+          <a:effectRef idx="0">
+            <a:schemeClr val="accent1"/>
+          </a:effectRef>
+          <a:fontRef idx="minor">
+            <a:schemeClr val="lt1"/>
+          </a:fontRef>
+        </p:style>
+        <p:txBody>
+          <a:bodyPr rtlCol="0" anchor="ctr"/>
+          <a:lstStyle/>
+          <a:p>
+            <a:pPr algn="ctr"/>
+            <a:endParaRPr lang="en-US"/>
+          </a:p>
+        </p:txBody>
+      </p:sp>
+    </p:spTree>
+    <p:extLst>
+      <p:ext uri="{BB962C8B-B14F-4D97-AF65-F5344CB8AC3E}">
+        <p14:creationId xmlns:p14="http://schemas.microsoft.com/office/powerpoint/2010/main" val="3815917731"/>
+      </p:ext>
+    </p:extLst>
   </p:cSld>
   <p:clrMapOvr>
     <a:masterClrMapping/>
@@ -6818,6 +7542,627 @@
             <a:r>
               <a:rPr lang="en-US" dirty="0" smtClean="0"/>
               <a:t>Project Description</a:t>
+            </a:r>
+            <a:endParaRPr lang="en-US" dirty="0"/>
+          </a:p>
+        </p:txBody>
+      </p:sp>
+    </p:spTree>
+  </p:cSld>
+  <p:clrMapOvr>
+    <a:masterClrMapping/>
+  </p:clrMapOvr>
+</p:sld>
+</file>
+
+<file path=ppt/slides/slide20.xml><?xml version="1.0" encoding="utf-8"?>
+<p:sld xmlns:a="http://schemas.openxmlformats.org/drawingml/2006/main" xmlns:r="http://schemas.openxmlformats.org/officeDocument/2006/relationships" xmlns:p="http://schemas.openxmlformats.org/presentationml/2006/main">
+  <p:cSld>
+    <p:spTree>
+      <p:nvGrpSpPr>
+        <p:cNvPr id="1" name=""/>
+        <p:cNvGrpSpPr/>
+        <p:nvPr/>
+      </p:nvGrpSpPr>
+      <p:grpSpPr>
+        <a:xfrm>
+          <a:off x="0" y="0"/>
+          <a:ext cx="0" cy="0"/>
+          <a:chOff x="0" y="0"/>
+          <a:chExt cx="0" cy="0"/>
+        </a:xfrm>
+      </p:grpSpPr>
+      <p:sp>
+        <p:nvSpPr>
+          <p:cNvPr id="2" name="内容占位符 1"/>
+          <p:cNvSpPr>
+            <a:spLocks noGrp="1"/>
+          </p:cNvSpPr>
+          <p:nvPr>
+            <p:ph idx="1"/>
+          </p:nvPr>
+        </p:nvSpPr>
+        <p:spPr>
+          <a:xfrm>
+            <a:off x="457200" y="1295400"/>
+            <a:ext cx="8229600" cy="4711891"/>
+          </a:xfrm>
+        </p:spPr>
+        <p:txBody>
+          <a:bodyPr/>
+          <a:lstStyle/>
+          <a:p>
+            <a:r>
+              <a:rPr lang="en-US" dirty="0" smtClean="0"/>
+              <a:t>Immense speedup…</a:t>
+            </a:r>
+          </a:p>
+        </p:txBody>
+      </p:sp>
+      <p:sp>
+        <p:nvSpPr>
+          <p:cNvPr id="3" name="标题 2"/>
+          <p:cNvSpPr>
+            <a:spLocks noGrp="1"/>
+          </p:cNvSpPr>
+          <p:nvPr>
+            <p:ph type="title"/>
+          </p:nvPr>
+        </p:nvSpPr>
+        <p:spPr/>
+        <p:txBody>
+          <a:bodyPr/>
+          <a:lstStyle/>
+          <a:p>
+            <a:r>
+              <a:rPr lang="en-US" dirty="0" smtClean="0"/>
+              <a:t>Further Analysis…</a:t>
+            </a:r>
+            <a:endParaRPr lang="en-US" dirty="0"/>
+          </a:p>
+        </p:txBody>
+      </p:sp>
+      <p:pic>
+        <p:nvPicPr>
+          <p:cNvPr id="9219" name="Picture 3"/>
+          <p:cNvPicPr>
+            <a:picLocks noChangeAspect="1" noChangeArrowheads="1"/>
+          </p:cNvPicPr>
+          <p:nvPr/>
+        </p:nvPicPr>
+        <p:blipFill>
+          <a:blip r:embed="rId2">
+            <a:extLst>
+              <a:ext uri="{28A0092B-C50C-407E-A947-70E740481C1C}">
+                <a14:useLocalDpi xmlns:a14="http://schemas.microsoft.com/office/drawing/2010/main" val="0"/>
+              </a:ext>
+            </a:extLst>
+          </a:blip>
+          <a:srcRect/>
+          <a:stretch>
+            <a:fillRect/>
+          </a:stretch>
+        </p:blipFill>
+        <p:spPr bwMode="auto">
+          <a:xfrm>
+            <a:off x="1981200" y="1828800"/>
+            <a:ext cx="5943600" cy="4655443"/>
+          </a:xfrm>
+          <a:prstGeom prst="rect">
+            <a:avLst/>
+          </a:prstGeom>
+          <a:noFill/>
+          <a:ln>
+            <a:noFill/>
+          </a:ln>
+          <a:effectLst/>
+          <a:extLst>
+            <a:ext uri="{909E8E84-426E-40DD-AFC4-6F175D3DCCD1}">
+              <a14:hiddenFill xmlns:a14="http://schemas.microsoft.com/office/drawing/2010/main">
+                <a:solidFill>
+                  <a:schemeClr val="accent1"/>
+                </a:solidFill>
+              </a14:hiddenFill>
+            </a:ext>
+            <a:ext uri="{91240B29-F687-4F45-9708-019B960494DF}">
+              <a14:hiddenLine xmlns:a14="http://schemas.microsoft.com/office/drawing/2010/main" w="9525">
+                <a:solidFill>
+                  <a:schemeClr val="tx1"/>
+                </a:solidFill>
+                <a:miter lim="800000"/>
+                <a:headEnd/>
+                <a:tailEnd/>
+              </a14:hiddenLine>
+            </a:ext>
+            <a:ext uri="{AF507438-7753-43E0-B8FC-AC1667EBCBE1}">
+              <a14:hiddenEffects xmlns:a14="http://schemas.microsoft.com/office/drawing/2010/main">
+                <a:effectLst>
+                  <a:outerShdw dist="35921" dir="2700000" algn="ctr" rotWithShape="0">
+                    <a:schemeClr val="bg2"/>
+                  </a:outerShdw>
+                </a:effectLst>
+              </a14:hiddenEffects>
+            </a:ext>
+          </a:extLst>
+        </p:spPr>
+      </p:pic>
+    </p:spTree>
+    <p:extLst>
+      <p:ext uri="{BB962C8B-B14F-4D97-AF65-F5344CB8AC3E}">
+        <p14:creationId xmlns:p14="http://schemas.microsoft.com/office/powerpoint/2010/main" val="2153854943"/>
+      </p:ext>
+    </p:extLst>
+  </p:cSld>
+  <p:clrMapOvr>
+    <a:masterClrMapping/>
+  </p:clrMapOvr>
+</p:sld>
+</file>
+
+<file path=ppt/slides/slide21.xml><?xml version="1.0" encoding="utf-8"?>
+<p:sld xmlns:a="http://schemas.openxmlformats.org/drawingml/2006/main" xmlns:r="http://schemas.openxmlformats.org/officeDocument/2006/relationships" xmlns:p="http://schemas.openxmlformats.org/presentationml/2006/main">
+  <p:cSld>
+    <p:spTree>
+      <p:nvGrpSpPr>
+        <p:cNvPr id="1" name=""/>
+        <p:cNvGrpSpPr/>
+        <p:nvPr/>
+      </p:nvGrpSpPr>
+      <p:grpSpPr>
+        <a:xfrm>
+          <a:off x="0" y="0"/>
+          <a:ext cx="0" cy="0"/>
+          <a:chOff x="0" y="0"/>
+          <a:chExt cx="0" cy="0"/>
+        </a:xfrm>
+      </p:grpSpPr>
+      <p:sp>
+        <p:nvSpPr>
+          <p:cNvPr id="2" name="内容占位符 1"/>
+          <p:cNvSpPr>
+            <a:spLocks noGrp="1"/>
+          </p:cNvSpPr>
+          <p:nvPr>
+            <p:ph idx="1"/>
+          </p:nvPr>
+        </p:nvSpPr>
+        <p:spPr>
+          <a:xfrm>
+            <a:off x="457200" y="1295400"/>
+            <a:ext cx="8229600" cy="4711891"/>
+          </a:xfrm>
+        </p:spPr>
+        <p:txBody>
+          <a:bodyPr/>
+          <a:lstStyle/>
+          <a:p>
+            <a:r>
+              <a:rPr lang="en-US" dirty="0" smtClean="0"/>
+              <a:t>Algorithm operates on too small a data array and has a high % of access calls</a:t>
+            </a:r>
+          </a:p>
+          <a:p>
+            <a:pPr lvl="1"/>
+            <a:r>
+              <a:rPr lang="en-US" dirty="0" smtClean="0"/>
+              <a:t>Not good for GPU parallelization as originally though</a:t>
+            </a:r>
+          </a:p>
+          <a:p>
+            <a:r>
+              <a:rPr lang="en-US" dirty="0" err="1" smtClean="0"/>
+              <a:t>GPUarray</a:t>
+            </a:r>
+            <a:r>
+              <a:rPr lang="en-US" dirty="0" smtClean="0"/>
+              <a:t> is very poorly implemented at the moment</a:t>
+            </a:r>
+          </a:p>
+          <a:p>
+            <a:r>
+              <a:rPr lang="en-US" dirty="0" smtClean="0"/>
+              <a:t>Jacket offers significant speedups but not realized in this project</a:t>
+            </a:r>
+          </a:p>
+          <a:p>
+            <a:r>
+              <a:rPr lang="en-US" dirty="0" smtClean="0"/>
+              <a:t>Original code poorly optimized</a:t>
+            </a:r>
+          </a:p>
+          <a:p>
+            <a:pPr lvl="1"/>
+            <a:r>
+              <a:rPr lang="en-US" dirty="0" smtClean="0"/>
+              <a:t>Rewritten version extremely fast, no space for GPU optimization</a:t>
+            </a:r>
+            <a:endParaRPr lang="en-US" dirty="0" smtClean="0"/>
+          </a:p>
+        </p:txBody>
+      </p:sp>
+      <p:sp>
+        <p:nvSpPr>
+          <p:cNvPr id="3" name="标题 2"/>
+          <p:cNvSpPr>
+            <a:spLocks noGrp="1"/>
+          </p:cNvSpPr>
+          <p:nvPr>
+            <p:ph type="title"/>
+          </p:nvPr>
+        </p:nvSpPr>
+        <p:spPr/>
+        <p:txBody>
+          <a:bodyPr/>
+          <a:lstStyle/>
+          <a:p>
+            <a:r>
+              <a:rPr lang="en-US" dirty="0" smtClean="0"/>
+              <a:t>Conclusion</a:t>
+            </a:r>
+            <a:endParaRPr lang="en-US" dirty="0"/>
+          </a:p>
+        </p:txBody>
+      </p:sp>
+    </p:spTree>
+    <p:extLst>
+      <p:ext uri="{BB962C8B-B14F-4D97-AF65-F5344CB8AC3E}">
+        <p14:creationId xmlns:p14="http://schemas.microsoft.com/office/powerpoint/2010/main" val="1735389599"/>
+      </p:ext>
+    </p:extLst>
+  </p:cSld>
+  <p:clrMapOvr>
+    <a:masterClrMapping/>
+  </p:clrMapOvr>
+</p:sld>
+</file>
+
+<file path=ppt/slides/slide22.xml><?xml version="1.0" encoding="utf-8"?>
+<p:sld xmlns:a="http://schemas.openxmlformats.org/drawingml/2006/main" xmlns:r="http://schemas.openxmlformats.org/officeDocument/2006/relationships" xmlns:p="http://schemas.openxmlformats.org/presentationml/2006/main">
+  <p:cSld>
+    <p:spTree>
+      <p:nvGrpSpPr>
+        <p:cNvPr id="1" name=""/>
+        <p:cNvGrpSpPr/>
+        <p:nvPr/>
+      </p:nvGrpSpPr>
+      <p:grpSpPr>
+        <a:xfrm>
+          <a:off x="0" y="0"/>
+          <a:ext cx="0" cy="0"/>
+          <a:chOff x="0" y="0"/>
+          <a:chExt cx="0" cy="0"/>
+        </a:xfrm>
+      </p:grpSpPr>
+      <p:sp>
+        <p:nvSpPr>
+          <p:cNvPr id="3" name="Content Placeholder 2"/>
+          <p:cNvSpPr>
+            <a:spLocks noGrp="1"/>
+          </p:cNvSpPr>
+          <p:nvPr>
+            <p:ph idx="1"/>
+          </p:nvPr>
+        </p:nvSpPr>
+        <p:spPr>
+          <a:xfrm>
+            <a:off x="457200" y="4419600"/>
+            <a:ext cx="8229600" cy="1892491"/>
+          </a:xfrm>
+        </p:spPr>
+        <p:txBody>
+          <a:bodyPr/>
+          <a:lstStyle/>
+          <a:p>
+            <a:r>
+              <a:rPr lang="en-US" dirty="0" smtClean="0"/>
+              <a:t>Blog:</a:t>
+            </a:r>
+            <a:r>
+              <a:rPr lang="en-US" dirty="0"/>
+              <a:t/>
+            </a:r>
+            <a:br>
+              <a:rPr lang="en-US" dirty="0"/>
+            </a:br>
+            <a:r>
+              <a:rPr lang="en-US" sz="2000" dirty="0">
+                <a:hlinkClick r:id="rId2"/>
+              </a:rPr>
+              <a:t>http://dancingmonkeysaccelerated.blogspot.com</a:t>
+            </a:r>
+            <a:r>
+              <a:rPr lang="en-US" sz="2000" dirty="0" smtClean="0">
+                <a:hlinkClick r:id="rId2"/>
+              </a:rPr>
+              <a:t>/</a:t>
+            </a:r>
+            <a:r>
+              <a:rPr lang="en-US" sz="2000" dirty="0" smtClean="0"/>
+              <a:t> </a:t>
+            </a:r>
+            <a:endParaRPr lang="en-US" sz="2400" dirty="0"/>
+          </a:p>
+          <a:p>
+            <a:r>
+              <a:rPr lang="en-US" dirty="0" smtClean="0"/>
+              <a:t>Code:</a:t>
+            </a:r>
+            <a:r>
+              <a:rPr lang="en-US" dirty="0"/>
+              <a:t/>
+            </a:r>
+            <a:br>
+              <a:rPr lang="en-US" dirty="0"/>
+            </a:br>
+            <a:r>
+              <a:rPr lang="en-US" sz="2000" dirty="0">
+                <a:hlinkClick r:id="rId3"/>
+              </a:rPr>
+              <a:t>https://</a:t>
+            </a:r>
+            <a:r>
+              <a:rPr lang="en-US" sz="2000" dirty="0" smtClean="0">
+                <a:hlinkClick r:id="rId3"/>
+              </a:rPr>
+              <a:t>github.com/Keripo/DancingMonkeysAccelerated</a:t>
+            </a:r>
+            <a:endParaRPr lang="en-US" dirty="0" smtClean="0"/>
+          </a:p>
+          <a:p>
+            <a:endParaRPr lang="en-US" dirty="0" smtClean="0"/>
+          </a:p>
+        </p:txBody>
+      </p:sp>
+      <p:sp>
+        <p:nvSpPr>
+          <p:cNvPr id="2" name="Title 1"/>
+          <p:cNvSpPr>
+            <a:spLocks noGrp="1"/>
+          </p:cNvSpPr>
+          <p:nvPr>
+            <p:ph type="title"/>
+          </p:nvPr>
+        </p:nvSpPr>
+        <p:spPr/>
+        <p:txBody>
+          <a:bodyPr/>
+          <a:lstStyle/>
+          <a:p>
+            <a:r>
+              <a:rPr lang="en-US" dirty="0" smtClean="0"/>
+              <a:t>Questions?</a:t>
+            </a:r>
+            <a:endParaRPr lang="en-US" dirty="0"/>
+          </a:p>
+        </p:txBody>
+      </p:sp>
+      <p:pic>
+        <p:nvPicPr>
+          <p:cNvPr id="7170" name="Picture 2"/>
+          <p:cNvPicPr>
+            <a:picLocks noChangeAspect="1" noChangeArrowheads="1"/>
+          </p:cNvPicPr>
+          <p:nvPr/>
+        </p:nvPicPr>
+        <p:blipFill>
+          <a:blip r:embed="rId4" cstate="print">
+            <a:extLst>
+              <a:ext uri="{28A0092B-C50C-407E-A947-70E740481C1C}">
+                <a14:useLocalDpi xmlns:a14="http://schemas.microsoft.com/office/drawing/2010/main" val="0"/>
+              </a:ext>
+            </a:extLst>
+          </a:blip>
+          <a:srcRect/>
+          <a:stretch>
+            <a:fillRect/>
+          </a:stretch>
+        </p:blipFill>
+        <p:spPr bwMode="auto">
+          <a:xfrm>
+            <a:off x="2209800" y="1066800"/>
+            <a:ext cx="4762500" cy="3619500"/>
+          </a:xfrm>
+          <a:prstGeom prst="rect">
+            <a:avLst/>
+          </a:prstGeom>
+          <a:noFill/>
+          <a:ln>
+            <a:noFill/>
+          </a:ln>
+          <a:effectLst/>
+          <a:extLst>
+            <a:ext uri="{909E8E84-426E-40DD-AFC4-6F175D3DCCD1}">
+              <a14:hiddenFill xmlns:a14="http://schemas.microsoft.com/office/drawing/2010/main">
+                <a:solidFill>
+                  <a:schemeClr val="accent1"/>
+                </a:solidFill>
+              </a14:hiddenFill>
+            </a:ext>
+            <a:ext uri="{91240B29-F687-4F45-9708-019B960494DF}">
+              <a14:hiddenLine xmlns:a14="http://schemas.microsoft.com/office/drawing/2010/main" w="9525">
+                <a:solidFill>
+                  <a:schemeClr val="tx1"/>
+                </a:solidFill>
+                <a:miter lim="800000"/>
+                <a:headEnd/>
+                <a:tailEnd/>
+              </a14:hiddenLine>
+            </a:ext>
+            <a:ext uri="{AF507438-7753-43E0-B8FC-AC1667EBCBE1}">
+              <a14:hiddenEffects xmlns:a14="http://schemas.microsoft.com/office/drawing/2010/main">
+                <a:effectLst>
+                  <a:outerShdw dist="35921" dir="2700000" algn="ctr" rotWithShape="0">
+                    <a:schemeClr val="bg2"/>
+                  </a:outerShdw>
+                </a:effectLst>
+              </a14:hiddenEffects>
+            </a:ext>
+          </a:extLst>
+        </p:spPr>
+      </p:pic>
+      <p:sp>
+        <p:nvSpPr>
+          <p:cNvPr id="5" name="TextBox 4"/>
+          <p:cNvSpPr txBox="1"/>
+          <p:nvPr/>
+        </p:nvSpPr>
+        <p:spPr>
+          <a:xfrm>
+            <a:off x="3733800" y="6324600"/>
+            <a:ext cx="5440136" cy="600164"/>
+          </a:xfrm>
+          <a:prstGeom prst="rect">
+            <a:avLst/>
+          </a:prstGeom>
+          <a:solidFill>
+            <a:schemeClr val="bg1">
+              <a:alpha val="20000"/>
+            </a:schemeClr>
+          </a:solidFill>
+          <a:effectLst>
+            <a:softEdge rad="1270000"/>
+          </a:effectLst>
+        </p:spPr>
+        <p:txBody>
+          <a:bodyPr wrap="square" rtlCol="0">
+            <a:spAutoFit/>
+          </a:bodyPr>
+          <a:lstStyle/>
+          <a:p>
+            <a:pPr algn="r"/>
+            <a:r>
+              <a:rPr lang="en-US" sz="1100" dirty="0" err="1" smtClean="0"/>
+              <a:t>img</a:t>
+            </a:r>
+            <a:r>
+              <a:rPr lang="en-US" sz="1100" dirty="0" smtClean="0"/>
+              <a:t> </a:t>
+            </a:r>
+            <a:r>
+              <a:rPr lang="en-US" sz="1100" dirty="0" err="1" smtClean="0"/>
+              <a:t>src</a:t>
+            </a:r>
+            <a:r>
+              <a:rPr lang="en-US" sz="1100" dirty="0"/>
+              <a:t>: http://www.gratuitousscience.com/wp-content/uploads/2010/04/6a00d83451f25369e200e54f94996e8834-800wi.jpg</a:t>
+            </a:r>
+          </a:p>
+        </p:txBody>
+      </p:sp>
+    </p:spTree>
+    <p:extLst>
+      <p:ext uri="{BB962C8B-B14F-4D97-AF65-F5344CB8AC3E}">
+        <p14:creationId xmlns:p14="http://schemas.microsoft.com/office/powerpoint/2010/main" val="2413105118"/>
+      </p:ext>
+    </p:extLst>
+  </p:cSld>
+  <p:clrMapOvr>
+    <a:masterClrMapping/>
+  </p:clrMapOvr>
+</p:sld>
+</file>
+
+<file path=ppt/slides/slide23.xml><?xml version="1.0" encoding="utf-8"?>
+<p:sld xmlns:a="http://schemas.openxmlformats.org/drawingml/2006/main" xmlns:r="http://schemas.openxmlformats.org/officeDocument/2006/relationships" xmlns:p="http://schemas.openxmlformats.org/presentationml/2006/main">
+  <p:cSld>
+    <p:spTree>
+      <p:nvGrpSpPr>
+        <p:cNvPr id="1" name=""/>
+        <p:cNvGrpSpPr/>
+        <p:nvPr/>
+      </p:nvGrpSpPr>
+      <p:grpSpPr>
+        <a:xfrm>
+          <a:off x="0" y="0"/>
+          <a:ext cx="0" cy="0"/>
+          <a:chOff x="0" y="0"/>
+          <a:chExt cx="0" cy="0"/>
+        </a:xfrm>
+      </p:grpSpPr>
+      <p:sp>
+        <p:nvSpPr>
+          <p:cNvPr id="2" name="内容占位符 1"/>
+          <p:cNvSpPr>
+            <a:spLocks noGrp="1"/>
+          </p:cNvSpPr>
+          <p:nvPr>
+            <p:ph idx="1"/>
+          </p:nvPr>
+        </p:nvSpPr>
+        <p:spPr/>
+        <p:txBody>
+          <a:bodyPr/>
+          <a:lstStyle/>
+          <a:p>
+            <a:r>
+              <a:rPr lang="en-US" dirty="0" smtClean="0"/>
+              <a:t>Karl O’Keeffe, “Dancing Monkeys”, </a:t>
+            </a:r>
+            <a:r>
+              <a:rPr lang="en-US" dirty="0" err="1" smtClean="0"/>
+              <a:t>MEng</a:t>
+            </a:r>
+            <a:r>
+              <a:rPr lang="en-US" dirty="0" smtClean="0"/>
+              <a:t> Individual Project Report 18th June 2003</a:t>
+            </a:r>
+          </a:p>
+          <a:p>
+            <a:pPr>
+              <a:buNone/>
+            </a:pPr>
+            <a:r>
+              <a:rPr lang="en-US" dirty="0" smtClean="0"/>
+              <a:t> </a:t>
+            </a:r>
+          </a:p>
+          <a:p>
+            <a:r>
+              <a:rPr lang="en-US" dirty="0" smtClean="0"/>
+              <a:t>Will Archer </a:t>
+            </a:r>
+            <a:r>
+              <a:rPr lang="en-US" dirty="0" err="1" smtClean="0"/>
+              <a:t>Arentz</a:t>
+            </a:r>
+            <a:r>
+              <a:rPr lang="en-US" dirty="0" smtClean="0"/>
+              <a:t>, “BEAT EXTRACTION FROM DIGITAL MUSIC”</a:t>
+            </a:r>
+          </a:p>
+          <a:p>
+            <a:pPr>
+              <a:buNone/>
+            </a:pPr>
+            <a:r>
+              <a:rPr lang="en-US" dirty="0" smtClean="0"/>
+              <a:t/>
+            </a:r>
+            <a:br>
+              <a:rPr lang="en-US" dirty="0" smtClean="0"/>
+            </a:br>
+            <a:endParaRPr lang="en-US" dirty="0"/>
+          </a:p>
+        </p:txBody>
+      </p:sp>
+      <p:sp>
+        <p:nvSpPr>
+          <p:cNvPr id="3" name="标题 2"/>
+          <p:cNvSpPr>
+            <a:spLocks noGrp="1"/>
+          </p:cNvSpPr>
+          <p:nvPr>
+            <p:ph type="title"/>
+          </p:nvPr>
+        </p:nvSpPr>
+        <p:spPr/>
+        <p:txBody>
+          <a:bodyPr/>
+          <a:lstStyle/>
+          <a:p>
+            <a:r>
+              <a:rPr lang="en-US" dirty="0" smtClean="0"/>
+              <a:t>Bibliography</a:t>
             </a:r>
             <a:endParaRPr lang="en-US" dirty="0"/>
           </a:p>
@@ -6860,7 +8205,7 @@
           <a:blip r:embed="rId2" cstate="print">
             <a:extLst>
               <a:ext uri="{28A0092B-C50C-407E-A947-70E740481C1C}">
-                <a14:useLocalDpi xmlns="" xmlns:a14="http://schemas.microsoft.com/office/drawing/2010/main" val="0"/>
+                <a14:useLocalDpi xmlns:a14="http://schemas.microsoft.com/office/drawing/2010/main" val="0"/>
               </a:ext>
             </a:extLst>
           </a:blip>
@@ -6884,14 +8229,14 @@
           <a:effectLst/>
           <a:extLst>
             <a:ext uri="{909E8E84-426E-40DD-AFC4-6F175D3DCCD1}">
-              <a14:hiddenFill xmlns="" xmlns:a14="http://schemas.microsoft.com/office/drawing/2010/main">
+              <a14:hiddenFill xmlns:a14="http://schemas.microsoft.com/office/drawing/2010/main">
                 <a:solidFill>
                   <a:schemeClr val="accent1"/>
                 </a:solidFill>
               </a14:hiddenFill>
             </a:ext>
             <a:ext uri="{91240B29-F687-4F45-9708-019B960494DF}">
-              <a14:hiddenLine xmlns="" xmlns:a14="http://schemas.microsoft.com/office/drawing/2010/main" w="9525">
+              <a14:hiddenLine xmlns:a14="http://schemas.microsoft.com/office/drawing/2010/main" w="9525">
                 <a:solidFill>
                   <a:schemeClr val="tx1"/>
                 </a:solidFill>
@@ -6901,7 +8246,7 @@
               </a14:hiddenLine>
             </a:ext>
             <a:ext uri="{AF507438-7753-43E0-B8FC-AC1667EBCBE1}">
-              <a14:hiddenEffects xmlns="" xmlns:a14="http://schemas.microsoft.com/office/drawing/2010/main">
+              <a14:hiddenEffects xmlns:a14="http://schemas.microsoft.com/office/drawing/2010/main">
                 <a:effectLst>
                   <a:outerShdw dist="35921" dir="2700000" algn="ctr" rotWithShape="0">
                     <a:schemeClr val="bg2"/>
@@ -7039,7 +8384,7 @@
     </p:spTree>
     <p:extLst>
       <p:ext uri="{BB962C8B-B14F-4D97-AF65-F5344CB8AC3E}">
-        <p14:creationId xmlns="" xmlns:p14="http://schemas.microsoft.com/office/powerpoint/2010/main" val="2150256598"/>
+        <p14:creationId xmlns:p14="http://schemas.microsoft.com/office/powerpoint/2010/main" val="2150256598"/>
       </p:ext>
     </p:extLst>
   </p:cSld>
@@ -7204,7 +8549,7 @@
           <a:blip r:embed="rId3" cstate="print">
             <a:extLst>
               <a:ext uri="{28A0092B-C50C-407E-A947-70E740481C1C}">
-                <a14:useLocalDpi xmlns="" xmlns:a14="http://schemas.microsoft.com/office/drawing/2010/main" val="0"/>
+                <a14:useLocalDpi xmlns:a14="http://schemas.microsoft.com/office/drawing/2010/main" val="0"/>
               </a:ext>
             </a:extLst>
           </a:blip>
@@ -7228,14 +8573,14 @@
           <a:effectLst/>
           <a:extLst>
             <a:ext uri="{909E8E84-426E-40DD-AFC4-6F175D3DCCD1}">
-              <a14:hiddenFill xmlns="" xmlns:a14="http://schemas.microsoft.com/office/drawing/2010/main">
+              <a14:hiddenFill xmlns:a14="http://schemas.microsoft.com/office/drawing/2010/main">
                 <a:solidFill>
                   <a:schemeClr val="accent1"/>
                 </a:solidFill>
               </a14:hiddenFill>
             </a:ext>
             <a:ext uri="{91240B29-F687-4F45-9708-019B960494DF}">
-              <a14:hiddenLine xmlns="" xmlns:a14="http://schemas.microsoft.com/office/drawing/2010/main" w="9525">
+              <a14:hiddenLine xmlns:a14="http://schemas.microsoft.com/office/drawing/2010/main" w="9525">
                 <a:solidFill>
                   <a:schemeClr val="tx1"/>
                 </a:solidFill>
@@ -7245,7 +8590,7 @@
               </a14:hiddenLine>
             </a:ext>
             <a:ext uri="{AF507438-7753-43E0-B8FC-AC1667EBCBE1}">
-              <a14:hiddenEffects xmlns="" xmlns:a14="http://schemas.microsoft.com/office/drawing/2010/main">
+              <a14:hiddenEffects xmlns:a14="http://schemas.microsoft.com/office/drawing/2010/main">
                 <a:effectLst>
                   <a:outerShdw dist="35921" dir="2700000" algn="ctr" rotWithShape="0">
                     <a:schemeClr val="bg2"/>
@@ -7268,7 +8613,7 @@
           <a:blip r:embed="rId4" cstate="print">
             <a:extLst>
               <a:ext uri="{28A0092B-C50C-407E-A947-70E740481C1C}">
-                <a14:useLocalDpi xmlns="" xmlns:a14="http://schemas.microsoft.com/office/drawing/2010/main" val="0"/>
+                <a14:useLocalDpi xmlns:a14="http://schemas.microsoft.com/office/drawing/2010/main" val="0"/>
               </a:ext>
             </a:extLst>
           </a:blip>
@@ -7292,14 +8637,14 @@
           <a:effectLst/>
           <a:extLst>
             <a:ext uri="{909E8E84-426E-40DD-AFC4-6F175D3DCCD1}">
-              <a14:hiddenFill xmlns="" xmlns:a14="http://schemas.microsoft.com/office/drawing/2010/main">
+              <a14:hiddenFill xmlns:a14="http://schemas.microsoft.com/office/drawing/2010/main">
                 <a:solidFill>
                   <a:schemeClr val="accent1"/>
                 </a:solidFill>
               </a14:hiddenFill>
             </a:ext>
             <a:ext uri="{91240B29-F687-4F45-9708-019B960494DF}">
-              <a14:hiddenLine xmlns="" xmlns:a14="http://schemas.microsoft.com/office/drawing/2010/main" w="9525">
+              <a14:hiddenLine xmlns:a14="http://schemas.microsoft.com/office/drawing/2010/main" w="9525">
                 <a:solidFill>
                   <a:schemeClr val="tx1"/>
                 </a:solidFill>
@@ -7309,7 +8654,7 @@
               </a14:hiddenLine>
             </a:ext>
             <a:ext uri="{AF507438-7753-43E0-B8FC-AC1667EBCBE1}">
-              <a14:hiddenEffects xmlns="" xmlns:a14="http://schemas.microsoft.com/office/drawing/2010/main">
+              <a14:hiddenEffects xmlns:a14="http://schemas.microsoft.com/office/drawing/2010/main">
                 <a:effectLst>
                   <a:outerShdw dist="35921" dir="2700000" algn="ctr" rotWithShape="0">
                     <a:schemeClr val="bg2"/>
@@ -7323,7 +8668,7 @@
     </p:spTree>
     <p:extLst>
       <p:ext uri="{BB962C8B-B14F-4D97-AF65-F5344CB8AC3E}">
-        <p14:creationId xmlns="" xmlns:p14="http://schemas.microsoft.com/office/powerpoint/2010/main" val="3873021478"/>
+        <p14:creationId xmlns:p14="http://schemas.microsoft.com/office/powerpoint/2010/main" val="3873021478"/>
       </p:ext>
     </p:extLst>
   </p:cSld>
@@ -7350,31 +8695,6 @@
           <a:chExt cx="0" cy="0"/>
         </a:xfrm>
       </p:grpSpPr>
-      <p:graphicFrame>
-        <p:nvGraphicFramePr>
-          <p:cNvPr id="4" name="Content Placeholder 3"/>
-          <p:cNvGraphicFramePr>
-            <a:graphicFrameLocks noGrp="1"/>
-          </p:cNvGraphicFramePr>
-          <p:nvPr>
-            <p:ph idx="1"/>
-            <p:extLst>
-              <p:ext uri="{D42A27DB-BD31-4B8C-83A1-F6EECF244321}">
-                <p14:modId xmlns="" xmlns:p14="http://schemas.microsoft.com/office/powerpoint/2010/main" val="288806458"/>
-              </p:ext>
-            </p:extLst>
-          </p:nvPr>
-        </p:nvGraphicFramePr>
-        <p:xfrm>
-          <a:off x="4953000" y="1447800"/>
-          <a:ext cx="4038600" cy="5105400"/>
-        </p:xfrm>
-        <a:graphic>
-          <a:graphicData uri="http://schemas.openxmlformats.org/drawingml/2006/chart">
-            <c:chart xmlns:c="http://schemas.openxmlformats.org/drawingml/2006/chart" xmlns:r="http://schemas.openxmlformats.org/officeDocument/2006/relationships" r:id="rId2"/>
-          </a:graphicData>
-        </a:graphic>
-      </p:graphicFrame>
       <p:sp>
         <p:nvSpPr>
           <p:cNvPr id="2" name="Title 1"/>
@@ -7398,338 +8718,104 @@
           </a:p>
         </p:txBody>
       </p:sp>
-      <p:graphicFrame>
-        <p:nvGraphicFramePr>
-          <p:cNvPr id="5" name="Table 4"/>
-          <p:cNvGraphicFramePr>
-            <a:graphicFrameLocks noGrp="1"/>
-          </p:cNvGraphicFramePr>
-          <p:nvPr>
-            <p:extLst>
-              <p:ext uri="{D42A27DB-BD31-4B8C-83A1-F6EECF244321}">
-                <p14:modId xmlns="" xmlns:p14="http://schemas.microsoft.com/office/powerpoint/2010/main" val="1524661979"/>
-              </p:ext>
-            </p:extLst>
-          </p:nvPr>
-        </p:nvGraphicFramePr>
-        <p:xfrm>
-          <a:off x="381000" y="2667000"/>
-          <a:ext cx="4419600" cy="2133600"/>
-        </p:xfrm>
-        <a:graphic>
-          <a:graphicData uri="http://schemas.openxmlformats.org/drawingml/2006/table">
-            <a:tbl>
-              <a:tblPr firstRow="1" bandRow="1">
-                <a:tableStyleId>{5C22544A-7EE6-4342-B048-85BDC9FD1C3A}</a:tableStyleId>
-              </a:tblPr>
-              <a:tblGrid>
-                <a:gridCol w="1687484"/>
-                <a:gridCol w="883920"/>
-                <a:gridCol w="964276"/>
-                <a:gridCol w="883920"/>
-              </a:tblGrid>
-              <a:tr h="426720">
-                <a:tc>
-                  <a:txBody>
-                    <a:bodyPr/>
-                    <a:lstStyle/>
-                    <a:p>
-                      <a:endParaRPr lang="en-US" sz="1800" dirty="0"/>
-                    </a:p>
-                  </a:txBody>
-                  <a:tcPr/>
-                </a:tc>
-                <a:tc>
-                  <a:txBody>
-                    <a:bodyPr/>
-                    <a:lstStyle/>
-                    <a:p>
-                      <a:r>
-                        <a:rPr lang="en-US" sz="1800" dirty="0" smtClean="0"/>
-                        <a:t>base</a:t>
-                      </a:r>
-                      <a:endParaRPr lang="en-US" sz="1800" dirty="0"/>
-                    </a:p>
-                  </a:txBody>
-                  <a:tcPr/>
-                </a:tc>
-                <a:tc>
-                  <a:txBody>
-                    <a:bodyPr/>
-                    <a:lstStyle/>
-                    <a:p>
-                      <a:r>
-                        <a:rPr lang="en-US" sz="1800" dirty="0" err="1" smtClean="0"/>
-                        <a:t>parfor</a:t>
-                      </a:r>
-                      <a:endParaRPr lang="en-US" sz="1800" dirty="0"/>
-                    </a:p>
-                  </a:txBody>
-                  <a:tcPr/>
-                </a:tc>
-                <a:tc>
-                  <a:txBody>
-                    <a:bodyPr/>
-                    <a:lstStyle/>
-                    <a:p>
-                      <a:r>
-                        <a:rPr lang="en-US" sz="1800" dirty="0" smtClean="0"/>
-                        <a:t>%</a:t>
-                      </a:r>
-                      <a:endParaRPr lang="en-US" sz="1800" dirty="0"/>
-                    </a:p>
-                  </a:txBody>
-                  <a:tcPr/>
-                </a:tc>
-              </a:tr>
-              <a:tr h="426720">
-                <a:tc>
-                  <a:txBody>
-                    <a:bodyPr/>
-                    <a:lstStyle/>
-                    <a:p>
-                      <a:r>
-                        <a:rPr lang="en-US" sz="1800" dirty="0" err="1" smtClean="0"/>
-                        <a:t>timeTest</a:t>
-                      </a:r>
-                      <a:endParaRPr lang="en-US" sz="1800" dirty="0"/>
-                    </a:p>
-                  </a:txBody>
-                  <a:tcPr/>
-                </a:tc>
-                <a:tc>
-                  <a:txBody>
-                    <a:bodyPr/>
-                    <a:lstStyle/>
-                    <a:p>
-                      <a:pPr algn="r"/>
-                      <a:r>
-                        <a:rPr lang="en-US" sz="1800" dirty="0" smtClean="0"/>
-                        <a:t>126.4</a:t>
-                      </a:r>
-                      <a:endParaRPr lang="en-US" sz="1800" dirty="0"/>
-                    </a:p>
-                  </a:txBody>
-                  <a:tcPr/>
-                </a:tc>
-                <a:tc>
-                  <a:txBody>
-                    <a:bodyPr/>
-                    <a:lstStyle/>
-                    <a:p>
-                      <a:pPr algn="r"/>
-                      <a:r>
-                        <a:rPr lang="en-US" sz="1800" dirty="0" smtClean="0"/>
-                        <a:t>47.2</a:t>
-                      </a:r>
-                      <a:endParaRPr lang="en-US" sz="1800" dirty="0"/>
-                    </a:p>
-                  </a:txBody>
-                  <a:tcPr/>
-                </a:tc>
-                <a:tc>
-                  <a:txBody>
-                    <a:bodyPr/>
-                    <a:lstStyle/>
-                    <a:p>
-                      <a:r>
-                        <a:rPr lang="en-US" sz="1800" dirty="0" smtClean="0"/>
-                        <a:t>37.5%</a:t>
-                      </a:r>
-                      <a:endParaRPr lang="en-US" sz="1800" dirty="0"/>
-                    </a:p>
-                  </a:txBody>
-                  <a:tcPr/>
-                </a:tc>
-              </a:tr>
-              <a:tr h="426720">
-                <a:tc>
-                  <a:txBody>
-                    <a:bodyPr/>
-                    <a:lstStyle/>
-                    <a:p>
-                      <a:r>
-                        <a:rPr lang="en-US" sz="1800" dirty="0" err="1" smtClean="0"/>
-                        <a:t>timeFit</a:t>
-                      </a:r>
-                      <a:endParaRPr lang="en-US" sz="1800" dirty="0"/>
-                    </a:p>
-                  </a:txBody>
-                  <a:tcPr/>
-                </a:tc>
-                <a:tc>
-                  <a:txBody>
-                    <a:bodyPr/>
-                    <a:lstStyle/>
-                    <a:p>
-                      <a:pPr algn="r"/>
-                      <a:r>
-                        <a:rPr lang="en-US" sz="1800" dirty="0" smtClean="0"/>
-                        <a:t>59.3</a:t>
-                      </a:r>
-                      <a:endParaRPr lang="en-US" sz="1800" dirty="0"/>
-                    </a:p>
-                  </a:txBody>
-                  <a:tcPr/>
-                </a:tc>
-                <a:tc>
-                  <a:txBody>
-                    <a:bodyPr/>
-                    <a:lstStyle/>
-                    <a:p>
-                      <a:pPr algn="r"/>
-                      <a:r>
-                        <a:rPr lang="en-US" sz="1800" dirty="0" smtClean="0"/>
-                        <a:t>30.4</a:t>
-                      </a:r>
-                      <a:endParaRPr lang="en-US" sz="1800" dirty="0"/>
-                    </a:p>
-                  </a:txBody>
-                  <a:tcPr/>
-                </a:tc>
-                <a:tc>
-                  <a:txBody>
-                    <a:bodyPr/>
-                    <a:lstStyle/>
-                    <a:p>
-                      <a:r>
-                        <a:rPr lang="en-US" sz="1800" dirty="0" smtClean="0"/>
-                        <a:t>51.3%</a:t>
-                      </a:r>
-                      <a:endParaRPr lang="en-US" sz="1800" dirty="0"/>
-                    </a:p>
-                  </a:txBody>
-                  <a:tcPr/>
-                </a:tc>
-              </a:tr>
-              <a:tr h="426720">
-                <a:tc>
-                  <a:txBody>
-                    <a:bodyPr/>
-                    <a:lstStyle/>
-                    <a:p>
-                      <a:r>
-                        <a:rPr lang="en-US" sz="1800" dirty="0" err="1" smtClean="0"/>
-                        <a:t>timeBpm</a:t>
-                      </a:r>
-                      <a:endParaRPr lang="en-US" sz="1800" dirty="0"/>
-                    </a:p>
-                  </a:txBody>
-                  <a:tcPr/>
-                </a:tc>
-                <a:tc>
-                  <a:txBody>
-                    <a:bodyPr/>
-                    <a:lstStyle/>
-                    <a:p>
-                      <a:pPr algn="r"/>
-                      <a:r>
-                        <a:rPr lang="en-US" sz="1800" dirty="0" smtClean="0"/>
-                        <a:t>186.0</a:t>
-                      </a:r>
-                      <a:endParaRPr lang="en-US" sz="1800" dirty="0"/>
-                    </a:p>
-                  </a:txBody>
-                  <a:tcPr/>
-                </a:tc>
-                <a:tc>
-                  <a:txBody>
-                    <a:bodyPr/>
-                    <a:lstStyle/>
-                    <a:p>
-                      <a:pPr algn="r"/>
-                      <a:r>
-                        <a:rPr lang="en-US" sz="1800" dirty="0" smtClean="0"/>
-                        <a:t>77.7</a:t>
-                      </a:r>
-                      <a:endParaRPr lang="en-US" sz="1800" dirty="0"/>
-                    </a:p>
-                  </a:txBody>
-                  <a:tcPr/>
-                </a:tc>
-                <a:tc>
-                  <a:txBody>
-                    <a:bodyPr/>
-                    <a:lstStyle/>
-                    <a:p>
-                      <a:r>
-                        <a:rPr lang="en-US" sz="1800" dirty="0" smtClean="0"/>
-                        <a:t>41.8%</a:t>
-                      </a:r>
-                      <a:endParaRPr lang="en-US" sz="1800" dirty="0"/>
-                    </a:p>
-                  </a:txBody>
-                  <a:tcPr/>
-                </a:tc>
-              </a:tr>
-              <a:tr h="426720">
-                <a:tc>
-                  <a:txBody>
-                    <a:bodyPr/>
-                    <a:lstStyle/>
-                    <a:p>
-                      <a:r>
-                        <a:rPr lang="en-US" sz="1800" b="1" dirty="0" err="1" smtClean="0"/>
-                        <a:t>timeProgram</a:t>
-                      </a:r>
-                      <a:endParaRPr lang="en-US" sz="1800" b="1" dirty="0"/>
-                    </a:p>
-                  </a:txBody>
-                  <a:tcPr/>
-                </a:tc>
-                <a:tc>
-                  <a:txBody>
-                    <a:bodyPr/>
-                    <a:lstStyle/>
-                    <a:p>
-                      <a:pPr algn="r"/>
-                      <a:r>
-                        <a:rPr lang="en-US" sz="1800" b="1" dirty="0" smtClean="0"/>
-                        <a:t>202.7</a:t>
-                      </a:r>
-                      <a:endParaRPr lang="en-US" sz="1800" b="1" dirty="0"/>
-                    </a:p>
-                  </a:txBody>
-                  <a:tcPr/>
-                </a:tc>
-                <a:tc>
-                  <a:txBody>
-                    <a:bodyPr/>
-                    <a:lstStyle/>
-                    <a:p>
-                      <a:pPr algn="r"/>
-                      <a:r>
-                        <a:rPr lang="en-US" sz="1800" b="1" dirty="0" smtClean="0"/>
-                        <a:t>93.3</a:t>
-                      </a:r>
-                      <a:endParaRPr lang="en-US" sz="1800" b="1" dirty="0"/>
-                    </a:p>
-                  </a:txBody>
-                  <a:tcPr/>
-                </a:tc>
-                <a:tc>
-                  <a:txBody>
-                    <a:bodyPr/>
-                    <a:lstStyle/>
-                    <a:p>
-                      <a:r>
-                        <a:rPr lang="en-US" sz="1800" b="1" dirty="0" smtClean="0"/>
-                        <a:t>46.0%</a:t>
-                      </a:r>
-                      <a:endParaRPr lang="en-US" sz="1800" b="1" dirty="0"/>
-                    </a:p>
-                  </a:txBody>
-                  <a:tcPr/>
-                </a:tc>
-              </a:tr>
-            </a:tbl>
-          </a:graphicData>
-        </a:graphic>
-      </p:graphicFrame>
+      <p:pic>
+        <p:nvPicPr>
+          <p:cNvPr id="6" name="Picture 2"/>
+          <p:cNvPicPr>
+            <a:picLocks noChangeAspect="1" noChangeArrowheads="1"/>
+          </p:cNvPicPr>
+          <p:nvPr/>
+        </p:nvPicPr>
+        <p:blipFill>
+          <a:blip r:embed="rId2">
+            <a:extLst>
+              <a:ext uri="{28A0092B-C50C-407E-A947-70E740481C1C}">
+                <a14:useLocalDpi xmlns:a14="http://schemas.microsoft.com/office/drawing/2010/main" val="0"/>
+              </a:ext>
+            </a:extLst>
+          </a:blip>
+          <a:srcRect/>
+          <a:stretch>
+            <a:fillRect/>
+          </a:stretch>
+        </p:blipFill>
+        <p:spPr bwMode="auto">
+          <a:xfrm>
+            <a:off x="2286000" y="1752600"/>
+            <a:ext cx="4924425" cy="4943475"/>
+          </a:xfrm>
+          <a:prstGeom prst="rect">
+            <a:avLst/>
+          </a:prstGeom>
+          <a:noFill/>
+          <a:ln>
+            <a:noFill/>
+          </a:ln>
+          <a:effectLst/>
+          <a:extLst>
+            <a:ext uri="{909E8E84-426E-40DD-AFC4-6F175D3DCCD1}">
+              <a14:hiddenFill xmlns:a14="http://schemas.microsoft.com/office/drawing/2010/main">
+                <a:solidFill>
+                  <a:schemeClr val="accent1"/>
+                </a:solidFill>
+              </a14:hiddenFill>
+            </a:ext>
+            <a:ext uri="{91240B29-F687-4F45-9708-019B960494DF}">
+              <a14:hiddenLine xmlns:a14="http://schemas.microsoft.com/office/drawing/2010/main" w="9525">
+                <a:solidFill>
+                  <a:schemeClr val="tx1"/>
+                </a:solidFill>
+                <a:miter lim="800000"/>
+                <a:headEnd/>
+                <a:tailEnd/>
+              </a14:hiddenLine>
+            </a:ext>
+            <a:ext uri="{AF507438-7753-43E0-B8FC-AC1667EBCBE1}">
+              <a14:hiddenEffects xmlns:a14="http://schemas.microsoft.com/office/drawing/2010/main">
+                <a:effectLst>
+                  <a:outerShdw dist="35921" dir="2700000" algn="ctr" rotWithShape="0">
+                    <a:schemeClr val="bg2"/>
+                  </a:outerShdw>
+                </a:effectLst>
+              </a14:hiddenEffects>
+            </a:ext>
+          </a:extLst>
+        </p:spPr>
+      </p:pic>
+      <p:sp>
+        <p:nvSpPr>
+          <p:cNvPr id="7" name="Content Placeholder 2"/>
+          <p:cNvSpPr>
+            <a:spLocks noGrp="1"/>
+          </p:cNvSpPr>
+          <p:nvPr>
+            <p:ph idx="1"/>
+          </p:nvPr>
+        </p:nvSpPr>
+        <p:spPr>
+          <a:xfrm>
+            <a:off x="609600" y="1219201"/>
+            <a:ext cx="8382000" cy="533400"/>
+          </a:xfrm>
+        </p:spPr>
+        <p:txBody>
+          <a:bodyPr>
+            <a:normAutofit/>
+          </a:bodyPr>
+          <a:lstStyle/>
+          <a:p>
+            <a:r>
+              <a:rPr lang="en-US" dirty="0" smtClean="0"/>
+              <a:t>Much faster!</a:t>
+            </a:r>
+            <a:endParaRPr lang="en-US" dirty="0" smtClean="0"/>
+          </a:p>
+        </p:txBody>
+      </p:sp>
     </p:spTree>
     <p:extLst>
       <p:ext uri="{BB962C8B-B14F-4D97-AF65-F5344CB8AC3E}">
-        <p14:creationId xmlns="" xmlns:p14="http://schemas.microsoft.com/office/powerpoint/2010/main" val="2139139552"/>
+        <p14:creationId xmlns:p14="http://schemas.microsoft.com/office/powerpoint/2010/main" val="2139139552"/>
       </p:ext>
     </p:extLst>
   </p:cSld>
@@ -7847,6 +8933,12 @@
           <a:p>
             <a:r>
               <a:rPr lang="en-US" sz="2800" dirty="0" smtClean="0"/>
+              <a:t>Part of Parallel Computing Toolbox</a:t>
+            </a:r>
+          </a:p>
+          <a:p>
+            <a:r>
+              <a:rPr lang="en-US" sz="2800" dirty="0" smtClean="0"/>
               <a:t>MATLAB’s </a:t>
             </a:r>
             <a:r>
@@ -7861,13 +8953,11 @@
           <a:p>
             <a:r>
               <a:rPr lang="en-US" sz="2800" dirty="0" smtClean="0"/>
-              <a:t>MATLAB’s build-in GPU functions</a:t>
-            </a:r>
-          </a:p>
-          <a:p>
+              <a:t>Parallel </a:t>
+            </a:r>
             <a:r>
               <a:rPr lang="en-US" sz="2800" dirty="0" smtClean="0"/>
-              <a:t>Parallel GPU kernel by using </a:t>
+              <a:t>GPU kernel by using </a:t>
             </a:r>
             <a:r>
               <a:rPr lang="en-US" sz="2800" dirty="0" err="1" smtClean="0"/>
@@ -7877,40 +8967,7 @@
               <a:rPr lang="en-US" sz="2800" dirty="0" smtClean="0"/>
               <a:t>()</a:t>
             </a:r>
-          </a:p>
-          <a:p>
             <a:endParaRPr lang="en-US" sz="2800" dirty="0" smtClean="0"/>
-          </a:p>
-          <a:p>
-            <a:pPr>
-              <a:buNone/>
-            </a:pPr>
-            <a:endParaRPr lang="en-US" dirty="0" smtClean="0">
-              <a:hlinkClick r:id="rId2"/>
-            </a:endParaRPr>
-          </a:p>
-          <a:p>
-            <a:pPr>
-              <a:buNone/>
-            </a:pPr>
-            <a:endParaRPr lang="en-US" dirty="0" smtClean="0">
-              <a:hlinkClick r:id="rId2"/>
-            </a:endParaRPr>
-          </a:p>
-          <a:p>
-            <a:pPr>
-              <a:buNone/>
-            </a:pPr>
-            <a:endParaRPr lang="en-US" dirty="0" smtClean="0">
-              <a:hlinkClick r:id="rId2"/>
-            </a:endParaRPr>
-          </a:p>
-          <a:p>
-            <a:r>
-              <a:rPr lang="en-US" dirty="0" smtClean="0"/>
-              <a:t>Result: Slower</a:t>
-            </a:r>
-            <a:endParaRPr lang="en-US" dirty="0"/>
           </a:p>
         </p:txBody>
       </p:sp>
@@ -7946,7 +9003,7 @@
           <p:nvPr/>
         </p:nvPicPr>
         <p:blipFill>
-          <a:blip r:embed="rId3" cstate="print"/>
+          <a:blip r:embed="rId2" cstate="print"/>
           <a:srcRect/>
           <a:stretch>
             <a:fillRect/>
@@ -7954,8 +9011,8 @@
         </p:blipFill>
         <p:spPr bwMode="auto">
           <a:xfrm>
-            <a:off x="480580" y="3009900"/>
-            <a:ext cx="8410142" cy="1409700"/>
+            <a:off x="762000" y="3733800"/>
+            <a:ext cx="8001000" cy="1341120"/>
           </a:xfrm>
           <a:prstGeom prst="rect">
             <a:avLst/>
@@ -7972,7 +9029,7 @@
     </p:spTree>
     <p:extLst>
       <p:ext uri="{BB962C8B-B14F-4D97-AF65-F5344CB8AC3E}">
-        <p14:creationId xmlns="" xmlns:p14="http://schemas.microsoft.com/office/powerpoint/2010/main" val="3847394257"/>
+        <p14:creationId xmlns:p14="http://schemas.microsoft.com/office/powerpoint/2010/main" val="3847394257"/>
       </p:ext>
     </p:extLst>
   </p:cSld>
@@ -8001,7 +9058,7 @@
       </p:grpSpPr>
       <p:sp>
         <p:nvSpPr>
-          <p:cNvPr id="2" name="内容占位符 1"/>
+          <p:cNvPr id="2" name="Content Placeholder 1"/>
           <p:cNvSpPr>
             <a:spLocks noGrp="1"/>
           </p:cNvSpPr>
@@ -8015,93 +9072,50 @@
           <a:lstStyle/>
           <a:p>
             <a:r>
+              <a:rPr lang="en-US" dirty="0" err="1" smtClean="0"/>
+              <a:t>arrayfun</a:t>
+            </a:r>
+            <a:r>
               <a:rPr lang="en-US" dirty="0" smtClean="0"/>
-              <a:t>Jacket is a </a:t>
-            </a:r>
-            <a:r>
-              <a:rPr lang="en-US" dirty="0" err="1" smtClean="0"/>
-              <a:t>Matlab</a:t>
-            </a:r>
+              <a:t>() only allows for per-element manipulation of arrays</a:t>
+            </a:r>
+          </a:p>
+          <a:p>
             <a:r>
               <a:rPr lang="en-US" dirty="0" smtClean="0"/>
-              <a:t> plug-in </a:t>
-            </a:r>
-          </a:p>
-          <a:p>
-            <a:pPr>
-              <a:buNone/>
-            </a:pPr>
+              <a:t>Algorithm operates on shared data</a:t>
+            </a:r>
+          </a:p>
+          <a:p>
             <a:r>
               <a:rPr lang="en-US" dirty="0" smtClean="0"/>
-              <a:t>developed by </a:t>
-            </a:r>
-            <a:r>
-              <a:rPr lang="en-US" dirty="0" err="1" smtClean="0"/>
-              <a:t>Accelereyes</a:t>
-            </a:r>
-            <a:r>
-              <a:rPr lang="en-US" dirty="0" smtClean="0"/>
-              <a:t>.</a:t>
-            </a:r>
-          </a:p>
-          <a:p>
-            <a:r>
-              <a:rPr lang="en-US" dirty="0" smtClean="0"/>
-              <a:t>More data structures on GPU side</a:t>
-            </a:r>
-          </a:p>
-          <a:p>
-            <a:r>
-              <a:rPr lang="en-US" dirty="0" smtClean="0"/>
-              <a:t>More functions supported on GPU side</a:t>
-            </a:r>
-          </a:p>
-          <a:p>
-            <a:r>
-              <a:rPr lang="en-US" dirty="0" smtClean="0"/>
-              <a:t>Much faster than </a:t>
-            </a:r>
+              <a:t>MATLAB’s Parallel Computing Toolbox does NOT support global variables</a:t>
+            </a:r>
+          </a:p>
+        </p:txBody>
+      </p:sp>
+      <p:sp>
+        <p:nvSpPr>
+          <p:cNvPr id="3" name="Title 2"/>
+          <p:cNvSpPr>
+            <a:spLocks noGrp="1"/>
+          </p:cNvSpPr>
+          <p:nvPr>
+            <p:ph type="title"/>
+          </p:nvPr>
+        </p:nvSpPr>
+        <p:spPr/>
+        <p:txBody>
+          <a:bodyPr/>
+          <a:lstStyle/>
+          <a:p>
             <a:r>
               <a:rPr lang="en-US" dirty="0" err="1" smtClean="0"/>
               <a:t>GPUarray</a:t>
             </a:r>
-            <a:endParaRPr lang="en-US" dirty="0" smtClean="0"/>
-          </a:p>
-          <a:p>
             <a:r>
               <a:rPr lang="en-US" dirty="0" smtClean="0"/>
-              <a:t>Just use its </a:t>
-            </a:r>
-            <a:r>
-              <a:rPr lang="en-US" dirty="0" err="1" smtClean="0"/>
-              <a:t>gfor</a:t>
-            </a:r>
-            <a:r>
-              <a:rPr lang="en-US" dirty="0" smtClean="0"/>
-              <a:t> function instead of default for loop</a:t>
-            </a:r>
-            <a:endParaRPr lang="en-US" dirty="0"/>
-          </a:p>
-        </p:txBody>
-      </p:sp>
-      <p:sp>
-        <p:nvSpPr>
-          <p:cNvPr id="3" name="标题 2"/>
-          <p:cNvSpPr>
-            <a:spLocks noGrp="1"/>
-          </p:cNvSpPr>
-          <p:nvPr>
-            <p:ph type="title"/>
-          </p:nvPr>
-        </p:nvSpPr>
-        <p:spPr/>
-        <p:txBody>
-          <a:bodyPr/>
-          <a:lstStyle/>
-          <a:p>
-            <a:r>
-              <a:rPr lang="en-US" dirty="0" smtClean="0"/>
-              <a:t>Jacket - Approach</a:t>
+              <a:t> – No Good!</a:t>
             </a:r>
             <a:endParaRPr lang="en-US" dirty="0"/>
           </a:p>
@@ -8109,14 +9123,20 @@
       </p:sp>
       <p:pic>
         <p:nvPicPr>
-          <p:cNvPr id="26626" name="Picture 2"/>
+          <p:cNvPr id="1028" name="Picture 4"/>
           <p:cNvPicPr>
             <a:picLocks noChangeAspect="1" noChangeArrowheads="1"/>
           </p:cNvPicPr>
           <p:nvPr/>
         </p:nvPicPr>
         <p:blipFill>
-          <a:blip r:embed="rId2" cstate="print"/>
+          <a:blip r:embed="rId2">
+            <a:extLst>
+              <a:ext uri="{28A0092B-C50C-407E-A947-70E740481C1C}">
+                <a14:useLocalDpi xmlns:a14="http://schemas.microsoft.com/office/drawing/2010/main" val="0"/>
+              </a:ext>
+            </a:extLst>
+          </a:blip>
           <a:srcRect/>
           <a:stretch>
             <a:fillRect/>
@@ -8124,22 +9144,153 @@
         </p:blipFill>
         <p:spPr bwMode="auto">
           <a:xfrm>
-            <a:off x="5334000" y="1371600"/>
-            <a:ext cx="2581275" cy="1123950"/>
+            <a:off x="3124200" y="3628393"/>
+            <a:ext cx="3086100" cy="3077207"/>
           </a:xfrm>
           <a:prstGeom prst="rect">
             <a:avLst/>
           </a:prstGeom>
           <a:noFill/>
-          <a:ln w="9525">
+          <a:ln>
             <a:noFill/>
-            <a:miter lim="800000"/>
-            <a:headEnd/>
-            <a:tailEnd/>
+          </a:ln>
+          <a:effectLst/>
+          <a:extLst>
+            <a:ext uri="{909E8E84-426E-40DD-AFC4-6F175D3DCCD1}">
+              <a14:hiddenFill xmlns:a14="http://schemas.microsoft.com/office/drawing/2010/main">
+                <a:solidFill>
+                  <a:schemeClr val="accent1"/>
+                </a:solidFill>
+              </a14:hiddenFill>
+            </a:ext>
+            <a:ext uri="{91240B29-F687-4F45-9708-019B960494DF}">
+              <a14:hiddenLine xmlns:a14="http://schemas.microsoft.com/office/drawing/2010/main" w="9525">
+                <a:solidFill>
+                  <a:schemeClr val="tx1"/>
+                </a:solidFill>
+                <a:miter lim="800000"/>
+                <a:headEnd/>
+                <a:tailEnd/>
+              </a14:hiddenLine>
+            </a:ext>
+            <a:ext uri="{AF507438-7753-43E0-B8FC-AC1667EBCBE1}">
+              <a14:hiddenEffects xmlns:a14="http://schemas.microsoft.com/office/drawing/2010/main">
+                <a:effectLst>
+                  <a:outerShdw dist="35921" dir="2700000" algn="ctr" rotWithShape="0">
+                    <a:schemeClr val="bg2"/>
+                  </a:outerShdw>
+                </a:effectLst>
+              </a14:hiddenEffects>
+            </a:ext>
+          </a:extLst>
+        </p:spPr>
+      </p:pic>
+      <p:sp>
+        <p:nvSpPr>
+          <p:cNvPr id="4" name="&quot;No&quot; Symbol 3"/>
+          <p:cNvSpPr/>
+          <p:nvPr/>
+        </p:nvSpPr>
+        <p:spPr>
+          <a:xfrm>
+            <a:off x="3162300" y="3628393"/>
+            <a:ext cx="3009900" cy="3009900"/>
+          </a:xfrm>
+          <a:prstGeom prst="noSmoking">
+            <a:avLst>
+              <a:gd name="adj" fmla="val 6281"/>
+            </a:avLst>
+          </a:prstGeom>
+          <a:solidFill>
+            <a:srgbClr val="FF0000"/>
+          </a:solidFill>
+          <a:ln>
+            <a:solidFill>
+              <a:srgbClr val="FF0000"/>
+            </a:solidFill>
           </a:ln>
         </p:spPr>
-      </p:pic>
+        <p:style>
+          <a:lnRef idx="2">
+            <a:schemeClr val="accent1">
+              <a:shade val="50000"/>
+            </a:schemeClr>
+          </a:lnRef>
+          <a:fillRef idx="1">
+            <a:schemeClr val="accent1"/>
+          </a:fillRef>
+          <a:effectRef idx="0">
+            <a:schemeClr val="accent1"/>
+          </a:effectRef>
+          <a:fontRef idx="minor">
+            <a:schemeClr val="lt1"/>
+          </a:fontRef>
+        </p:style>
+        <p:txBody>
+          <a:bodyPr rtlCol="0" anchor="ctr"/>
+          <a:lstStyle/>
+          <a:p>
+            <a:pPr algn="ctr"/>
+            <a:endParaRPr lang="en-US">
+              <a:solidFill>
+                <a:schemeClr val="tx1"/>
+              </a:solidFill>
+            </a:endParaRPr>
+          </a:p>
+        </p:txBody>
+      </p:sp>
+      <p:sp>
+        <p:nvSpPr>
+          <p:cNvPr id="8" name="TextBox 7"/>
+          <p:cNvSpPr txBox="1"/>
+          <p:nvPr/>
+        </p:nvSpPr>
+        <p:spPr>
+          <a:xfrm>
+            <a:off x="356614" y="6542314"/>
+            <a:ext cx="6465231" cy="276999"/>
+          </a:xfrm>
+          <a:prstGeom prst="rect">
+            <a:avLst/>
+          </a:prstGeom>
+          <a:noFill/>
+        </p:spPr>
+        <p:txBody>
+          <a:bodyPr wrap="none" rtlCol="0">
+            <a:spAutoFit/>
+          </a:bodyPr>
+          <a:lstStyle/>
+          <a:p>
+            <a:r>
+              <a:rPr lang="en-US" sz="1200" dirty="0" err="1" smtClean="0"/>
+              <a:t>img</a:t>
+            </a:r>
+            <a:r>
+              <a:rPr lang="en-US" sz="1200" dirty="0" smtClean="0"/>
+              <a:t> </a:t>
+            </a:r>
+            <a:r>
+              <a:rPr lang="en-US" sz="1200" dirty="0" err="1" smtClean="0"/>
+              <a:t>src</a:t>
+            </a:r>
+            <a:r>
+              <a:rPr lang="en-US" sz="1200" dirty="0"/>
+              <a:t>: </a:t>
+            </a:r>
+            <a:r>
+              <a:rPr lang="en-US" sz="1200" dirty="0"/>
+              <a:t>http://amoderngal.com/wp-content/uploads/2012/02/globe-europe1.jpg</a:t>
+            </a:r>
+            <a:endParaRPr lang="en-US" sz="1200" dirty="0"/>
+          </a:p>
+        </p:txBody>
+      </p:sp>
     </p:spTree>
+    <p:extLst>
+      <p:ext uri="{BB962C8B-B14F-4D97-AF65-F5344CB8AC3E}">
+        <p14:creationId xmlns:p14="http://schemas.microsoft.com/office/powerpoint/2010/main" val="1338744871"/>
+      </p:ext>
+    </p:extLst>
   </p:cSld>
   <p:clrMapOvr>
     <a:masterClrMapping/>
@@ -8181,9 +9332,72 @@
           <a:p>
             <a:r>
               <a:rPr lang="en-US" dirty="0" smtClean="0"/>
-              <a:t>Still slower</a:t>
-            </a:r>
-            <a:endParaRPr lang="en-US" dirty="0"/>
+              <a:t>MATLAB plug-in developed </a:t>
+            </a:r>
+            <a:r>
+              <a:rPr lang="en-US" dirty="0" smtClean="0"/>
+              <a:t>by </a:t>
+            </a:r>
+            <a:r>
+              <a:rPr lang="en-US" dirty="0" err="1" smtClean="0"/>
+              <a:t>Accelereyes</a:t>
+            </a:r>
+            <a:endParaRPr lang="en-US" dirty="0" smtClean="0"/>
+          </a:p>
+          <a:p>
+            <a:r>
+              <a:rPr lang="en-US" dirty="0" smtClean="0"/>
+              <a:t>Far greater function support for GPUs</a:t>
+            </a:r>
+          </a:p>
+          <a:p>
+            <a:r>
+              <a:rPr lang="en-US" dirty="0" smtClean="0"/>
+              <a:t>Allows for shared data on GPU!!!</a:t>
+            </a:r>
+          </a:p>
+          <a:p>
+            <a:r>
+              <a:rPr lang="en-US" dirty="0" smtClean="0"/>
+              <a:t>Minimal code modification</a:t>
+            </a:r>
+          </a:p>
+          <a:p>
+            <a:pPr lvl="1"/>
+            <a:r>
+              <a:rPr lang="en-US" dirty="0" smtClean="0"/>
+              <a:t>Replace </a:t>
+            </a:r>
+            <a:r>
+              <a:rPr lang="en-US" i="1" dirty="0" smtClean="0"/>
+              <a:t>for</a:t>
+            </a:r>
+            <a:r>
+              <a:rPr lang="en-US" dirty="0" smtClean="0"/>
+              <a:t> loops with Jacket’s </a:t>
+            </a:r>
+            <a:r>
+              <a:rPr lang="en-US" i="1" dirty="0" err="1" smtClean="0"/>
+              <a:t>gfor</a:t>
+            </a:r>
+            <a:endParaRPr lang="en-US" i="1" dirty="0" smtClean="0"/>
+          </a:p>
+          <a:p>
+            <a:pPr lvl="1"/>
+            <a:r>
+              <a:rPr lang="en-US" dirty="0" smtClean="0"/>
+              <a:t>Cast data to copy to GPU shared memory</a:t>
+            </a:r>
+          </a:p>
+          <a:p>
+            <a:r>
+              <a:rPr lang="en-US" dirty="0" smtClean="0"/>
+              <a:t>$350 Licensing fee (but free 15-day trial)</a:t>
+            </a:r>
+            <a:endParaRPr lang="en-US" dirty="0" smtClean="0"/>
+          </a:p>
+          <a:p>
+            <a:endParaRPr lang="en-US" i="1" dirty="0" smtClean="0"/>
           </a:p>
         </p:txBody>
       </p:sp>
@@ -8204,7 +9418,7 @@
           <a:p>
             <a:r>
               <a:rPr lang="en-US" dirty="0" smtClean="0"/>
-              <a:t>Jacket - Results</a:t>
+              <a:t>Jacket - Approach</a:t>
             </a:r>
             <a:endParaRPr lang="en-US" dirty="0"/>
           </a:p>
@@ -8212,8 +9426,10 @@
       </p:sp>
       <p:pic>
         <p:nvPicPr>
-          <p:cNvPr id="4" name="图片 3"/>
-          <p:cNvPicPr/>
+          <p:cNvPr id="26626" name="Picture 2"/>
+          <p:cNvPicPr>
+            <a:picLocks noChangeAspect="1" noChangeArrowheads="1"/>
+          </p:cNvPicPr>
           <p:nvPr/>
         </p:nvPicPr>
         <p:blipFill>
@@ -8225,8 +9441,8 @@
         </p:blipFill>
         <p:spPr bwMode="auto">
           <a:xfrm>
-            <a:off x="914400" y="1905000"/>
-            <a:ext cx="6096000" cy="3657600"/>
+            <a:off x="5723396" y="5105400"/>
+            <a:ext cx="3106280" cy="1352550"/>
           </a:xfrm>
           <a:prstGeom prst="rect">
             <a:avLst/>
